--- a/DDS_Project_1_Presentation_Dane.pptx
+++ b/DDS_Project_1_Presentation_Dane.pptx
@@ -10,14 +10,16 @@
     <p:sldId id="258" r:id="rId4"/>
     <p:sldId id="257" r:id="rId5"/>
     <p:sldId id="260" r:id="rId6"/>
-    <p:sldId id="268" r:id="rId7"/>
-    <p:sldId id="261" r:id="rId8"/>
-    <p:sldId id="262" r:id="rId9"/>
-    <p:sldId id="263" r:id="rId10"/>
-    <p:sldId id="265" r:id="rId11"/>
-    <p:sldId id="270" r:id="rId12"/>
-    <p:sldId id="266" r:id="rId13"/>
-    <p:sldId id="269" r:id="rId14"/>
+    <p:sldId id="261" r:id="rId7"/>
+    <p:sldId id="262" r:id="rId8"/>
+    <p:sldId id="263" r:id="rId9"/>
+    <p:sldId id="271" r:id="rId10"/>
+    <p:sldId id="272" r:id="rId11"/>
+    <p:sldId id="277" r:id="rId12"/>
+    <p:sldId id="273" r:id="rId13"/>
+    <p:sldId id="274" r:id="rId14"/>
+    <p:sldId id="275" r:id="rId15"/>
+    <p:sldId id="278" r:id="rId16"/>
   </p:sldIdLst>
   <p:sldSz cx="12192000" cy="6858000"/>
   <p:notesSz cx="6858000" cy="9144000"/>
@@ -572,7 +574,7 @@
           <a:p>
             <a:fld id="{8C28A28C-4C6A-46EA-90C0-4EE0B89CC5C7}" type="datetimeFigureOut">
               <a:rPr lang="en-US" smtClean="0"/>
-              <a:t>12/21/2021</a:t>
+              <a:t>1/2/2022</a:t>
             </a:fld>
             <a:endParaRPr lang="en-US" dirty="0"/>
           </a:p>
@@ -770,7 +772,7 @@
           <a:p>
             <a:fld id="{8C28A28C-4C6A-46EA-90C0-4EE0B89CC5C7}" type="datetimeFigureOut">
               <a:rPr lang="en-US" smtClean="0"/>
-              <a:t>12/21/2021</a:t>
+              <a:t>1/2/2022</a:t>
             </a:fld>
             <a:endParaRPr lang="en-US"/>
           </a:p>
@@ -978,7 +980,7 @@
           <a:p>
             <a:fld id="{8C28A28C-4C6A-46EA-90C0-4EE0B89CC5C7}" type="datetimeFigureOut">
               <a:rPr lang="en-US" smtClean="0"/>
-              <a:t>12/21/2021</a:t>
+              <a:t>1/2/2022</a:t>
             </a:fld>
             <a:endParaRPr lang="en-US"/>
           </a:p>
@@ -1176,7 +1178,7 @@
           <a:p>
             <a:fld id="{8C28A28C-4C6A-46EA-90C0-4EE0B89CC5C7}" type="datetimeFigureOut">
               <a:rPr lang="en-US" smtClean="0"/>
-              <a:t>12/21/2021</a:t>
+              <a:t>1/2/2022</a:t>
             </a:fld>
             <a:endParaRPr lang="en-US"/>
           </a:p>
@@ -1453,7 +1455,7 @@
           <a:p>
             <a:fld id="{8C28A28C-4C6A-46EA-90C0-4EE0B89CC5C7}" type="datetimeFigureOut">
               <a:rPr lang="en-US" smtClean="0"/>
-              <a:t>12/21/2021</a:t>
+              <a:t>1/2/2022</a:t>
             </a:fld>
             <a:endParaRPr lang="en-US"/>
           </a:p>
@@ -1718,7 +1720,7 @@
           <a:p>
             <a:fld id="{8C28A28C-4C6A-46EA-90C0-4EE0B89CC5C7}" type="datetimeFigureOut">
               <a:rPr lang="en-US" smtClean="0"/>
-              <a:t>12/21/2021</a:t>
+              <a:t>1/2/2022</a:t>
             </a:fld>
             <a:endParaRPr lang="en-US"/>
           </a:p>
@@ -2130,7 +2132,7 @@
           <a:p>
             <a:fld id="{8C28A28C-4C6A-46EA-90C0-4EE0B89CC5C7}" type="datetimeFigureOut">
               <a:rPr lang="en-US" smtClean="0"/>
-              <a:t>12/21/2021</a:t>
+              <a:t>1/2/2022</a:t>
             </a:fld>
             <a:endParaRPr lang="en-US"/>
           </a:p>
@@ -2271,7 +2273,7 @@
           <a:p>
             <a:fld id="{8C28A28C-4C6A-46EA-90C0-4EE0B89CC5C7}" type="datetimeFigureOut">
               <a:rPr lang="en-US" smtClean="0"/>
-              <a:t>12/21/2021</a:t>
+              <a:t>1/2/2022</a:t>
             </a:fld>
             <a:endParaRPr lang="en-US"/>
           </a:p>
@@ -2384,7 +2386,7 @@
           <a:p>
             <a:fld id="{8C28A28C-4C6A-46EA-90C0-4EE0B89CC5C7}" type="datetimeFigureOut">
               <a:rPr lang="en-US" smtClean="0"/>
-              <a:t>12/21/2021</a:t>
+              <a:t>1/2/2022</a:t>
             </a:fld>
             <a:endParaRPr lang="en-US"/>
           </a:p>
@@ -2697,7 +2699,7 @@
           <a:p>
             <a:fld id="{8C28A28C-4C6A-46EA-90C0-4EE0B89CC5C7}" type="datetimeFigureOut">
               <a:rPr lang="en-US" smtClean="0"/>
-              <a:t>12/21/2021</a:t>
+              <a:t>1/2/2022</a:t>
             </a:fld>
             <a:endParaRPr lang="en-US"/>
           </a:p>
@@ -2985,7 +2987,7 @@
           <a:p>
             <a:fld id="{8C28A28C-4C6A-46EA-90C0-4EE0B89CC5C7}" type="datetimeFigureOut">
               <a:rPr lang="en-US" smtClean="0"/>
-              <a:t>12/21/2021</a:t>
+              <a:t>1/2/2022</a:t>
             </a:fld>
             <a:endParaRPr lang="en-US"/>
           </a:p>
@@ -3340,7 +3342,7 @@
             <a:fld id="{8C28A28C-4C6A-46EA-90C0-4EE0B89CC5C7}" type="datetimeFigureOut">
               <a:rPr lang="en-US" smtClean="0"/>
               <a:pPr/>
-              <a:t>12/21/2021</a:t>
+              <a:t>1/2/2022</a:t>
             </a:fld>
             <a:endParaRPr lang="en-US" dirty="0"/>
           </a:p>
@@ -3869,7 +3871,7 @@
           <a:p>
             <a:r>
               <a:rPr lang="en-US" dirty="0"/>
-              <a:t>DDS Project 1: Beer/Brewery Analysis</a:t>
+              <a:t>DDS Project 1: Executive Beer Analysis</a:t>
             </a:r>
           </a:p>
         </p:txBody>
@@ -3909,7 +3911,7 @@
             </a:pPr>
             <a:r>
               <a:rPr lang="en-US" dirty="0"/>
-              <a:t>by Dane Holmes &amp; Milan Patel</a:t>
+              <a:t>by Dane Holmes</a:t>
             </a:r>
           </a:p>
         </p:txBody>
@@ -4484,10 +4486,45 @@
       </p:grpSpPr>
       <p:sp>
         <p:nvSpPr>
-          <p:cNvPr id="2" name="Title 1">
-            <a:extLst>
-              <a:ext uri="{FF2B5EF4-FFF2-40B4-BE49-F238E27FC236}">
-                <a16:creationId xmlns:a16="http://schemas.microsoft.com/office/drawing/2014/main" id="{C5CB50A2-9C7B-4924-9CAA-3392B4E2484A}"/>
+          <p:cNvPr id="13" name="TextBox 12">
+            <a:extLst>
+              <a:ext uri="{FF2B5EF4-FFF2-40B4-BE49-F238E27FC236}">
+                <a16:creationId xmlns:a16="http://schemas.microsoft.com/office/drawing/2014/main" id="{C9137698-0FDA-48C8-A882-C813D94A40D2}"/>
+              </a:ext>
+            </a:extLst>
+          </p:cNvPr>
+          <p:cNvSpPr txBox="1"/>
+          <p:nvPr/>
+        </p:nvSpPr>
+        <p:spPr>
+          <a:xfrm>
+            <a:off x="1212347" y="1254462"/>
+            <a:ext cx="6096000" cy="369332"/>
+          </a:xfrm>
+          <a:prstGeom prst="rect">
+            <a:avLst/>
+          </a:prstGeom>
+          <a:noFill/>
+        </p:spPr>
+        <p:txBody>
+          <a:bodyPr wrap="square">
+            <a:spAutoFit/>
+          </a:bodyPr>
+          <a:lstStyle/>
+          <a:p>
+            <a:r>
+              <a:rPr lang="en-US" dirty="0"/>
+              <a:t>continued…</a:t>
+            </a:r>
+          </a:p>
+        </p:txBody>
+      </p:sp>
+      <p:sp>
+        <p:nvSpPr>
+          <p:cNvPr id="15" name="Title 1">
+            <a:extLst>
+              <a:ext uri="{FF2B5EF4-FFF2-40B4-BE49-F238E27FC236}">
+                <a16:creationId xmlns:a16="http://schemas.microsoft.com/office/drawing/2014/main" id="{5CD3339A-0F53-479E-8DFD-4DDE83125C95}"/>
               </a:ext>
             </a:extLst>
           </p:cNvPr>
@@ -4505,52 +4542,24 @@
           </a:xfrm>
         </p:spPr>
         <p:txBody>
-          <a:bodyPr/>
+          <a:bodyPr>
+            <a:normAutofit/>
+          </a:bodyPr>
           <a:lstStyle/>
           <a:p>
             <a:r>
               <a:rPr lang="en-US" dirty="0"/>
-              <a:t>IBU Category vs ABV Category</a:t>
+              <a:t>IBU vs. ABV Relationship (Ales &amp; IPAs)</a:t>
             </a:r>
           </a:p>
         </p:txBody>
       </p:sp>
-      <p:pic>
-        <p:nvPicPr>
-          <p:cNvPr id="4" name="Picture 3">
-            <a:extLst>
-              <a:ext uri="{FF2B5EF4-FFF2-40B4-BE49-F238E27FC236}">
-                <a16:creationId xmlns:a16="http://schemas.microsoft.com/office/drawing/2014/main" id="{55299E53-D5F1-4453-A94C-2BC604389F67}"/>
-              </a:ext>
-            </a:extLst>
-          </p:cNvPr>
-          <p:cNvPicPr>
-            <a:picLocks noChangeAspect="1"/>
-          </p:cNvPicPr>
-          <p:nvPr/>
-        </p:nvPicPr>
-        <p:blipFill>
-          <a:blip r:embed="rId2"/>
-          <a:stretch>
-            <a:fillRect/>
-          </a:stretch>
-        </p:blipFill>
-        <p:spPr>
-          <a:xfrm>
-            <a:off x="1164536" y="1332754"/>
-            <a:ext cx="10226276" cy="3825194"/>
-          </a:xfrm>
-          <a:prstGeom prst="rect">
-            <a:avLst/>
-          </a:prstGeom>
-        </p:spPr>
-      </p:pic>
       <p:sp>
         <p:nvSpPr>
-          <p:cNvPr id="6" name="TextBox 5">
-            <a:extLst>
-              <a:ext uri="{FF2B5EF4-FFF2-40B4-BE49-F238E27FC236}">
-                <a16:creationId xmlns:a16="http://schemas.microsoft.com/office/drawing/2014/main" id="{7F789BC9-3F9D-4D54-9A50-ABE082B5CCDD}"/>
+          <p:cNvPr id="17" name="TextBox 16">
+            <a:extLst>
+              <a:ext uri="{FF2B5EF4-FFF2-40B4-BE49-F238E27FC236}">
+                <a16:creationId xmlns:a16="http://schemas.microsoft.com/office/drawing/2014/main" id="{338D6645-32F2-42BF-8804-8722D300AB7F}"/>
               </a:ext>
             </a:extLst>
           </p:cNvPr>
@@ -4559,8 +4568,8 @@
         </p:nvSpPr>
         <p:spPr>
           <a:xfrm>
-            <a:off x="1476188" y="5396753"/>
-            <a:ext cx="5354918" cy="1200329"/>
+            <a:off x="1055534" y="3521336"/>
+            <a:ext cx="3801292" cy="1200329"/>
           </a:xfrm>
           <a:prstGeom prst="rect">
             <a:avLst/>
@@ -4575,21 +4584,1602 @@
           <a:p>
             <a:r>
               <a:rPr lang="en-US" dirty="0"/>
-              <a:t>At the lower categories of ABV, there are far less high IBU beers.</a:t>
-            </a:r>
-          </a:p>
-          <a:p>
-            <a:r>
-              <a:rPr lang="en-US" dirty="0"/>
-              <a:t>At category 3 and up is weighted more towards high IBU beers.</a:t>
+              <a:t>When setting an upper and lower ABV/IBU limit based on a visual analysis of the previous chart, we find our assumption to be true.</a:t>
             </a:r>
           </a:p>
         </p:txBody>
       </p:sp>
+      <p:graphicFrame>
+        <p:nvGraphicFramePr>
+          <p:cNvPr id="8" name="Table 7">
+            <a:extLst>
+              <a:ext uri="{FF2B5EF4-FFF2-40B4-BE49-F238E27FC236}">
+                <a16:creationId xmlns:a16="http://schemas.microsoft.com/office/drawing/2014/main" id="{905B0A11-AFA8-4608-9D44-A2190F73035E}"/>
+              </a:ext>
+            </a:extLst>
+          </p:cNvPr>
+          <p:cNvGraphicFramePr>
+            <a:graphicFrameLocks noGrp="1"/>
+          </p:cNvGraphicFramePr>
+          <p:nvPr>
+            <p:extLst>
+              <p:ext uri="{D42A27DB-BD31-4B8C-83A1-F6EECF244321}">
+                <p14:modId xmlns:p14="http://schemas.microsoft.com/office/powerpoint/2010/main" val="959807055"/>
+              </p:ext>
+            </p:extLst>
+          </p:nvPr>
+        </p:nvGraphicFramePr>
+        <p:xfrm>
+          <a:off x="6494601" y="2107913"/>
+          <a:ext cx="2595609" cy="924906"/>
+        </p:xfrm>
+        <a:graphic>
+          <a:graphicData uri="http://schemas.openxmlformats.org/drawingml/2006/table">
+            <a:tbl>
+              <a:tblPr/>
+              <a:tblGrid>
+                <a:gridCol w="1181831">
+                  <a:extLst>
+                    <a:ext uri="{9D8B030D-6E8A-4147-A177-3AD203B41FA5}">
+                      <a16:colId xmlns:a16="http://schemas.microsoft.com/office/drawing/2014/main" val="1125187553"/>
+                    </a:ext>
+                  </a:extLst>
+                </a:gridCol>
+                <a:gridCol w="706889">
+                  <a:extLst>
+                    <a:ext uri="{9D8B030D-6E8A-4147-A177-3AD203B41FA5}">
+                      <a16:colId xmlns:a16="http://schemas.microsoft.com/office/drawing/2014/main" val="3194266258"/>
+                    </a:ext>
+                  </a:extLst>
+                </a:gridCol>
+                <a:gridCol w="706889">
+                  <a:extLst>
+                    <a:ext uri="{9D8B030D-6E8A-4147-A177-3AD203B41FA5}">
+                      <a16:colId xmlns:a16="http://schemas.microsoft.com/office/drawing/2014/main" val="2167163588"/>
+                    </a:ext>
+                  </a:extLst>
+                </a:gridCol>
+              </a:tblGrid>
+              <a:tr h="308302">
+                <a:tc>
+                  <a:txBody>
+                    <a:bodyPr/>
+                    <a:lstStyle/>
+                    <a:p>
+                      <a:pPr algn="ctr" fontAlgn="ctr"/>
+                      <a:r>
+                        <a:rPr lang="en-US" sz="1100" b="1" i="0" u="none" strike="noStrike" dirty="0">
+                          <a:solidFill>
+                            <a:srgbClr val="FFFFFF"/>
+                          </a:solidFill>
+                          <a:effectLst/>
+                          <a:latin typeface="Calibri" panose="020F0502020204030204" pitchFamily="34" charset="0"/>
+                        </a:rPr>
+                        <a:t>Lower Range</a:t>
+                      </a:r>
+                    </a:p>
+                  </a:txBody>
+                  <a:tcPr marL="9525" marR="9525" marT="9525" marB="0" anchor="ctr">
+                    <a:lnL w="6350" cap="flat" cmpd="sng" algn="ctr">
+                      <a:solidFill>
+                        <a:srgbClr val="000000"/>
+                      </a:solidFill>
+                      <a:prstDash val="solid"/>
+                      <a:round/>
+                      <a:headEnd type="none" w="med" len="med"/>
+                      <a:tailEnd type="none" w="med" len="med"/>
+                    </a:lnL>
+                    <a:lnR w="6350" cap="flat" cmpd="sng" algn="ctr">
+                      <a:solidFill>
+                        <a:srgbClr val="000000"/>
+                      </a:solidFill>
+                      <a:prstDash val="solid"/>
+                      <a:round/>
+                      <a:headEnd type="none" w="med" len="med"/>
+                      <a:tailEnd type="none" w="med" len="med"/>
+                    </a:lnR>
+                    <a:lnT w="6350" cap="flat" cmpd="sng" algn="ctr">
+                      <a:solidFill>
+                        <a:srgbClr val="000000"/>
+                      </a:solidFill>
+                      <a:prstDash val="solid"/>
+                      <a:round/>
+                      <a:headEnd type="none" w="med" len="med"/>
+                      <a:tailEnd type="none" w="med" len="med"/>
+                    </a:lnT>
+                    <a:lnB w="6350" cap="flat" cmpd="sng" algn="ctr">
+                      <a:solidFill>
+                        <a:srgbClr val="000000"/>
+                      </a:solidFill>
+                      <a:prstDash val="solid"/>
+                      <a:round/>
+                      <a:headEnd type="none" w="med" len="med"/>
+                      <a:tailEnd type="none" w="med" len="med"/>
+                    </a:lnB>
+                    <a:solidFill>
+                      <a:schemeClr val="accent6">
+                        <a:lumMod val="75000"/>
+                      </a:schemeClr>
+                    </a:solidFill>
+                  </a:tcPr>
+                </a:tc>
+                <a:tc>
+                  <a:txBody>
+                    <a:bodyPr/>
+                    <a:lstStyle/>
+                    <a:p>
+                      <a:pPr algn="ctr" fontAlgn="ctr"/>
+                      <a:r>
+                        <a:rPr lang="en-US" sz="1100" b="1" i="0" u="none" strike="noStrike" dirty="0">
+                          <a:solidFill>
+                            <a:srgbClr val="000000"/>
+                          </a:solidFill>
+                          <a:effectLst/>
+                          <a:latin typeface="Calibri" panose="020F0502020204030204" pitchFamily="34" charset="0"/>
+                        </a:rPr>
+                        <a:t>Count</a:t>
+                      </a:r>
+                    </a:p>
+                  </a:txBody>
+                  <a:tcPr marL="9525" marR="9525" marT="9525" marB="0" anchor="ctr">
+                    <a:lnL w="6350" cap="flat" cmpd="sng" algn="ctr">
+                      <a:solidFill>
+                        <a:srgbClr val="000000"/>
+                      </a:solidFill>
+                      <a:prstDash val="solid"/>
+                      <a:round/>
+                      <a:headEnd type="none" w="med" len="med"/>
+                      <a:tailEnd type="none" w="med" len="med"/>
+                    </a:lnL>
+                    <a:lnR w="6350" cap="flat" cmpd="sng" algn="ctr">
+                      <a:solidFill>
+                        <a:srgbClr val="000000"/>
+                      </a:solidFill>
+                      <a:prstDash val="solid"/>
+                      <a:round/>
+                      <a:headEnd type="none" w="med" len="med"/>
+                      <a:tailEnd type="none" w="med" len="med"/>
+                    </a:lnR>
+                    <a:lnT w="6350" cap="flat" cmpd="sng" algn="ctr">
+                      <a:solidFill>
+                        <a:srgbClr val="000000"/>
+                      </a:solidFill>
+                      <a:prstDash val="solid"/>
+                      <a:round/>
+                      <a:headEnd type="none" w="med" len="med"/>
+                      <a:tailEnd type="none" w="med" len="med"/>
+                    </a:lnT>
+                    <a:lnB w="6350" cap="flat" cmpd="sng" algn="ctr">
+                      <a:solidFill>
+                        <a:srgbClr val="000000"/>
+                      </a:solidFill>
+                      <a:prstDash val="solid"/>
+                      <a:round/>
+                      <a:headEnd type="none" w="med" len="med"/>
+                      <a:tailEnd type="none" w="med" len="med"/>
+                    </a:lnB>
+                    <a:solidFill>
+                      <a:schemeClr val="tx2">
+                        <a:lumMod val="10000"/>
+                        <a:lumOff val="90000"/>
+                      </a:schemeClr>
+                    </a:solidFill>
+                  </a:tcPr>
+                </a:tc>
+                <a:tc>
+                  <a:txBody>
+                    <a:bodyPr/>
+                    <a:lstStyle/>
+                    <a:p>
+                      <a:pPr algn="ctr" fontAlgn="ctr"/>
+                      <a:r>
+                        <a:rPr lang="en-US" sz="1100" b="1" i="0" u="none" strike="noStrike" dirty="0">
+                          <a:solidFill>
+                            <a:srgbClr val="000000"/>
+                          </a:solidFill>
+                          <a:effectLst/>
+                          <a:latin typeface="Calibri" panose="020F0502020204030204" pitchFamily="34" charset="0"/>
+                        </a:rPr>
+                        <a:t>Percent</a:t>
+                      </a:r>
+                    </a:p>
+                  </a:txBody>
+                  <a:tcPr marL="9525" marR="9525" marT="9525" marB="0" anchor="ctr">
+                    <a:lnL w="6350" cap="flat" cmpd="sng" algn="ctr">
+                      <a:solidFill>
+                        <a:srgbClr val="000000"/>
+                      </a:solidFill>
+                      <a:prstDash val="solid"/>
+                      <a:round/>
+                      <a:headEnd type="none" w="med" len="med"/>
+                      <a:tailEnd type="none" w="med" len="med"/>
+                    </a:lnL>
+                    <a:lnR w="6350" cap="flat" cmpd="sng" algn="ctr">
+                      <a:solidFill>
+                        <a:srgbClr val="000000"/>
+                      </a:solidFill>
+                      <a:prstDash val="solid"/>
+                      <a:round/>
+                      <a:headEnd type="none" w="med" len="med"/>
+                      <a:tailEnd type="none" w="med" len="med"/>
+                    </a:lnR>
+                    <a:lnT w="6350" cap="flat" cmpd="sng" algn="ctr">
+                      <a:solidFill>
+                        <a:srgbClr val="000000"/>
+                      </a:solidFill>
+                      <a:prstDash val="solid"/>
+                      <a:round/>
+                      <a:headEnd type="none" w="med" len="med"/>
+                      <a:tailEnd type="none" w="med" len="med"/>
+                    </a:lnT>
+                    <a:lnB w="6350" cap="flat" cmpd="sng" algn="ctr">
+                      <a:solidFill>
+                        <a:srgbClr val="000000"/>
+                      </a:solidFill>
+                      <a:prstDash val="solid"/>
+                      <a:round/>
+                      <a:headEnd type="none" w="med" len="med"/>
+                      <a:tailEnd type="none" w="med" len="med"/>
+                    </a:lnB>
+                    <a:solidFill>
+                      <a:schemeClr val="accent6">
+                        <a:lumMod val="20000"/>
+                        <a:lumOff val="80000"/>
+                      </a:schemeClr>
+                    </a:solidFill>
+                  </a:tcPr>
+                </a:tc>
+                <a:extLst>
+                  <a:ext uri="{0D108BD9-81ED-4DB2-BD59-A6C34878D82A}">
+                    <a16:rowId xmlns:a16="http://schemas.microsoft.com/office/drawing/2014/main" val="884021649"/>
+                  </a:ext>
+                </a:extLst>
+              </a:tr>
+              <a:tr h="308302">
+                <a:tc>
+                  <a:txBody>
+                    <a:bodyPr/>
+                    <a:lstStyle/>
+                    <a:p>
+                      <a:pPr algn="ctr" fontAlgn="ctr"/>
+                      <a:r>
+                        <a:rPr lang="en-US" sz="1100" b="0" i="0" u="none" strike="noStrike" dirty="0">
+                          <a:solidFill>
+                            <a:srgbClr val="000000"/>
+                          </a:solidFill>
+                          <a:effectLst/>
+                          <a:latin typeface="Calibri" panose="020F0502020204030204" pitchFamily="34" charset="0"/>
+                        </a:rPr>
+                        <a:t>Ale</a:t>
+                      </a:r>
+                    </a:p>
+                  </a:txBody>
+                  <a:tcPr marL="9525" marR="9525" marT="9525" marB="0" anchor="ctr">
+                    <a:lnL w="6350" cap="flat" cmpd="sng" algn="ctr">
+                      <a:solidFill>
+                        <a:srgbClr val="000000"/>
+                      </a:solidFill>
+                      <a:prstDash val="solid"/>
+                      <a:round/>
+                      <a:headEnd type="none" w="med" len="med"/>
+                      <a:tailEnd type="none" w="med" len="med"/>
+                    </a:lnL>
+                    <a:lnR w="6350" cap="flat" cmpd="sng" algn="ctr">
+                      <a:solidFill>
+                        <a:srgbClr val="000000"/>
+                      </a:solidFill>
+                      <a:prstDash val="solid"/>
+                      <a:round/>
+                      <a:headEnd type="none" w="med" len="med"/>
+                      <a:tailEnd type="none" w="med" len="med"/>
+                    </a:lnR>
+                    <a:lnT w="6350" cap="flat" cmpd="sng" algn="ctr">
+                      <a:solidFill>
+                        <a:srgbClr val="000000"/>
+                      </a:solidFill>
+                      <a:prstDash val="solid"/>
+                      <a:round/>
+                      <a:headEnd type="none" w="med" len="med"/>
+                      <a:tailEnd type="none" w="med" len="med"/>
+                    </a:lnT>
+                    <a:lnB w="6350" cap="flat" cmpd="sng" algn="ctr">
+                      <a:solidFill>
+                        <a:srgbClr val="000000"/>
+                      </a:solidFill>
+                      <a:prstDash val="solid"/>
+                      <a:round/>
+                      <a:headEnd type="none" w="med" len="med"/>
+                      <a:tailEnd type="none" w="med" len="med"/>
+                    </a:lnB>
+                    <a:solidFill>
+                      <a:schemeClr val="bg2">
+                        <a:lumMod val="90000"/>
+                      </a:schemeClr>
+                    </a:solidFill>
+                  </a:tcPr>
+                </a:tc>
+                <a:tc>
+                  <a:txBody>
+                    <a:bodyPr/>
+                    <a:lstStyle/>
+                    <a:p>
+                      <a:pPr algn="ctr" fontAlgn="ctr"/>
+                      <a:r>
+                        <a:rPr lang="en-US" sz="1100" b="0" i="0" u="none" strike="noStrike">
+                          <a:solidFill>
+                            <a:srgbClr val="000000"/>
+                          </a:solidFill>
+                          <a:effectLst/>
+                          <a:latin typeface="Calibri" panose="020F0502020204030204" pitchFamily="34" charset="0"/>
+                        </a:rPr>
+                        <a:t>416</a:t>
+                      </a:r>
+                    </a:p>
+                  </a:txBody>
+                  <a:tcPr marL="9525" marR="9525" marT="9525" marB="0" anchor="ctr">
+                    <a:lnL w="6350" cap="flat" cmpd="sng" algn="ctr">
+                      <a:solidFill>
+                        <a:srgbClr val="000000"/>
+                      </a:solidFill>
+                      <a:prstDash val="solid"/>
+                      <a:round/>
+                      <a:headEnd type="none" w="med" len="med"/>
+                      <a:tailEnd type="none" w="med" len="med"/>
+                    </a:lnL>
+                    <a:lnR w="6350" cap="flat" cmpd="sng" algn="ctr">
+                      <a:solidFill>
+                        <a:srgbClr val="000000"/>
+                      </a:solidFill>
+                      <a:prstDash val="solid"/>
+                      <a:round/>
+                      <a:headEnd type="none" w="med" len="med"/>
+                      <a:tailEnd type="none" w="med" len="med"/>
+                    </a:lnR>
+                    <a:lnT w="6350" cap="flat" cmpd="sng" algn="ctr">
+                      <a:solidFill>
+                        <a:srgbClr val="000000"/>
+                      </a:solidFill>
+                      <a:prstDash val="solid"/>
+                      <a:round/>
+                      <a:headEnd type="none" w="med" len="med"/>
+                      <a:tailEnd type="none" w="med" len="med"/>
+                    </a:lnT>
+                    <a:lnB w="6350" cap="flat" cmpd="sng" algn="ctr">
+                      <a:solidFill>
+                        <a:srgbClr val="000000"/>
+                      </a:solidFill>
+                      <a:prstDash val="solid"/>
+                      <a:round/>
+                      <a:headEnd type="none" w="med" len="med"/>
+                      <a:tailEnd type="none" w="med" len="med"/>
+                    </a:lnB>
+                  </a:tcPr>
+                </a:tc>
+                <a:tc>
+                  <a:txBody>
+                    <a:bodyPr/>
+                    <a:lstStyle/>
+                    <a:p>
+                      <a:pPr algn="ctr" fontAlgn="ctr"/>
+                      <a:r>
+                        <a:rPr lang="en-US" sz="1100" b="0" i="0" u="none" strike="noStrike">
+                          <a:solidFill>
+                            <a:srgbClr val="000000"/>
+                          </a:solidFill>
+                          <a:effectLst/>
+                          <a:latin typeface="Calibri" panose="020F0502020204030204" pitchFamily="34" charset="0"/>
+                        </a:rPr>
+                        <a:t>93%</a:t>
+                      </a:r>
+                    </a:p>
+                  </a:txBody>
+                  <a:tcPr marL="9525" marR="9525" marT="9525" marB="0" anchor="ctr">
+                    <a:lnL w="6350" cap="flat" cmpd="sng" algn="ctr">
+                      <a:solidFill>
+                        <a:srgbClr val="000000"/>
+                      </a:solidFill>
+                      <a:prstDash val="solid"/>
+                      <a:round/>
+                      <a:headEnd type="none" w="med" len="med"/>
+                      <a:tailEnd type="none" w="med" len="med"/>
+                    </a:lnL>
+                    <a:lnR w="6350" cap="flat" cmpd="sng" algn="ctr">
+                      <a:solidFill>
+                        <a:srgbClr val="000000"/>
+                      </a:solidFill>
+                      <a:prstDash val="solid"/>
+                      <a:round/>
+                      <a:headEnd type="none" w="med" len="med"/>
+                      <a:tailEnd type="none" w="med" len="med"/>
+                    </a:lnR>
+                    <a:lnT w="6350" cap="flat" cmpd="sng" algn="ctr">
+                      <a:solidFill>
+                        <a:srgbClr val="000000"/>
+                      </a:solidFill>
+                      <a:prstDash val="solid"/>
+                      <a:round/>
+                      <a:headEnd type="none" w="med" len="med"/>
+                      <a:tailEnd type="none" w="med" len="med"/>
+                    </a:lnT>
+                    <a:lnB w="6350" cap="flat" cmpd="sng" algn="ctr">
+                      <a:solidFill>
+                        <a:srgbClr val="000000"/>
+                      </a:solidFill>
+                      <a:prstDash val="solid"/>
+                      <a:round/>
+                      <a:headEnd type="none" w="med" len="med"/>
+                      <a:tailEnd type="none" w="med" len="med"/>
+                    </a:lnB>
+                  </a:tcPr>
+                </a:tc>
+                <a:extLst>
+                  <a:ext uri="{0D108BD9-81ED-4DB2-BD59-A6C34878D82A}">
+                    <a16:rowId xmlns:a16="http://schemas.microsoft.com/office/drawing/2014/main" val="375425726"/>
+                  </a:ext>
+                </a:extLst>
+              </a:tr>
+              <a:tr h="308302">
+                <a:tc>
+                  <a:txBody>
+                    <a:bodyPr/>
+                    <a:lstStyle/>
+                    <a:p>
+                      <a:pPr algn="ctr" fontAlgn="ctr"/>
+                      <a:r>
+                        <a:rPr lang="en-US" sz="1100" b="0" i="0" u="none" strike="noStrike" dirty="0">
+                          <a:solidFill>
+                            <a:srgbClr val="000000"/>
+                          </a:solidFill>
+                          <a:effectLst/>
+                          <a:latin typeface="Calibri" panose="020F0502020204030204" pitchFamily="34" charset="0"/>
+                        </a:rPr>
+                        <a:t>IPA</a:t>
+                      </a:r>
+                    </a:p>
+                  </a:txBody>
+                  <a:tcPr marL="9525" marR="9525" marT="9525" marB="0" anchor="ctr">
+                    <a:lnL w="6350" cap="flat" cmpd="sng" algn="ctr">
+                      <a:solidFill>
+                        <a:srgbClr val="000000"/>
+                      </a:solidFill>
+                      <a:prstDash val="solid"/>
+                      <a:round/>
+                      <a:headEnd type="none" w="med" len="med"/>
+                      <a:tailEnd type="none" w="med" len="med"/>
+                    </a:lnL>
+                    <a:lnR w="6350" cap="flat" cmpd="sng" algn="ctr">
+                      <a:solidFill>
+                        <a:srgbClr val="000000"/>
+                      </a:solidFill>
+                      <a:prstDash val="solid"/>
+                      <a:round/>
+                      <a:headEnd type="none" w="med" len="med"/>
+                      <a:tailEnd type="none" w="med" len="med"/>
+                    </a:lnR>
+                    <a:lnT w="6350" cap="flat" cmpd="sng" algn="ctr">
+                      <a:solidFill>
+                        <a:srgbClr val="000000"/>
+                      </a:solidFill>
+                      <a:prstDash val="solid"/>
+                      <a:round/>
+                      <a:headEnd type="none" w="med" len="med"/>
+                      <a:tailEnd type="none" w="med" len="med"/>
+                    </a:lnT>
+                    <a:lnB w="6350" cap="flat" cmpd="sng" algn="ctr">
+                      <a:solidFill>
+                        <a:srgbClr val="000000"/>
+                      </a:solidFill>
+                      <a:prstDash val="solid"/>
+                      <a:round/>
+                      <a:headEnd type="none" w="med" len="med"/>
+                      <a:tailEnd type="none" w="med" len="med"/>
+                    </a:lnB>
+                    <a:solidFill>
+                      <a:schemeClr val="bg2">
+                        <a:lumMod val="75000"/>
+                      </a:schemeClr>
+                    </a:solidFill>
+                  </a:tcPr>
+                </a:tc>
+                <a:tc>
+                  <a:txBody>
+                    <a:bodyPr/>
+                    <a:lstStyle/>
+                    <a:p>
+                      <a:pPr algn="ctr" fontAlgn="ctr"/>
+                      <a:r>
+                        <a:rPr lang="en-US" sz="1100" b="0" i="0" u="none" strike="noStrike">
+                          <a:solidFill>
+                            <a:srgbClr val="000000"/>
+                          </a:solidFill>
+                          <a:effectLst/>
+                          <a:latin typeface="Calibri" panose="020F0502020204030204" pitchFamily="34" charset="0"/>
+                        </a:rPr>
+                        <a:t>31</a:t>
+                      </a:r>
+                    </a:p>
+                  </a:txBody>
+                  <a:tcPr marL="9525" marR="9525" marT="9525" marB="0" anchor="ctr">
+                    <a:lnL w="6350" cap="flat" cmpd="sng" algn="ctr">
+                      <a:solidFill>
+                        <a:srgbClr val="000000"/>
+                      </a:solidFill>
+                      <a:prstDash val="solid"/>
+                      <a:round/>
+                      <a:headEnd type="none" w="med" len="med"/>
+                      <a:tailEnd type="none" w="med" len="med"/>
+                    </a:lnL>
+                    <a:lnR w="6350" cap="flat" cmpd="sng" algn="ctr">
+                      <a:solidFill>
+                        <a:srgbClr val="000000"/>
+                      </a:solidFill>
+                      <a:prstDash val="solid"/>
+                      <a:round/>
+                      <a:headEnd type="none" w="med" len="med"/>
+                      <a:tailEnd type="none" w="med" len="med"/>
+                    </a:lnR>
+                    <a:lnT w="6350" cap="flat" cmpd="sng" algn="ctr">
+                      <a:solidFill>
+                        <a:srgbClr val="000000"/>
+                      </a:solidFill>
+                      <a:prstDash val="solid"/>
+                      <a:round/>
+                      <a:headEnd type="none" w="med" len="med"/>
+                      <a:tailEnd type="none" w="med" len="med"/>
+                    </a:lnT>
+                    <a:lnB w="6350" cap="flat" cmpd="sng" algn="ctr">
+                      <a:solidFill>
+                        <a:srgbClr val="000000"/>
+                      </a:solidFill>
+                      <a:prstDash val="solid"/>
+                      <a:round/>
+                      <a:headEnd type="none" w="med" len="med"/>
+                      <a:tailEnd type="none" w="med" len="med"/>
+                    </a:lnB>
+                  </a:tcPr>
+                </a:tc>
+                <a:tc>
+                  <a:txBody>
+                    <a:bodyPr/>
+                    <a:lstStyle/>
+                    <a:p>
+                      <a:pPr algn="ctr" fontAlgn="ctr"/>
+                      <a:r>
+                        <a:rPr lang="en-US" sz="1100" b="0" i="0" u="none" strike="noStrike" dirty="0">
+                          <a:solidFill>
+                            <a:srgbClr val="000000"/>
+                          </a:solidFill>
+                          <a:effectLst/>
+                          <a:latin typeface="Calibri" panose="020F0502020204030204" pitchFamily="34" charset="0"/>
+                        </a:rPr>
+                        <a:t>7%</a:t>
+                      </a:r>
+                    </a:p>
+                  </a:txBody>
+                  <a:tcPr marL="9525" marR="9525" marT="9525" marB="0" anchor="ctr">
+                    <a:lnL w="6350" cap="flat" cmpd="sng" algn="ctr">
+                      <a:solidFill>
+                        <a:srgbClr val="000000"/>
+                      </a:solidFill>
+                      <a:prstDash val="solid"/>
+                      <a:round/>
+                      <a:headEnd type="none" w="med" len="med"/>
+                      <a:tailEnd type="none" w="med" len="med"/>
+                    </a:lnL>
+                    <a:lnR w="6350" cap="flat" cmpd="sng" algn="ctr">
+                      <a:solidFill>
+                        <a:srgbClr val="000000"/>
+                      </a:solidFill>
+                      <a:prstDash val="solid"/>
+                      <a:round/>
+                      <a:headEnd type="none" w="med" len="med"/>
+                      <a:tailEnd type="none" w="med" len="med"/>
+                    </a:lnR>
+                    <a:lnT w="6350" cap="flat" cmpd="sng" algn="ctr">
+                      <a:solidFill>
+                        <a:srgbClr val="000000"/>
+                      </a:solidFill>
+                      <a:prstDash val="solid"/>
+                      <a:round/>
+                      <a:headEnd type="none" w="med" len="med"/>
+                      <a:tailEnd type="none" w="med" len="med"/>
+                    </a:lnT>
+                    <a:lnB w="6350" cap="flat" cmpd="sng" algn="ctr">
+                      <a:solidFill>
+                        <a:srgbClr val="000000"/>
+                      </a:solidFill>
+                      <a:prstDash val="solid"/>
+                      <a:round/>
+                      <a:headEnd type="none" w="med" len="med"/>
+                      <a:tailEnd type="none" w="med" len="med"/>
+                    </a:lnB>
+                  </a:tcPr>
+                </a:tc>
+                <a:extLst>
+                  <a:ext uri="{0D108BD9-81ED-4DB2-BD59-A6C34878D82A}">
+                    <a16:rowId xmlns:a16="http://schemas.microsoft.com/office/drawing/2014/main" val="1895814981"/>
+                  </a:ext>
+                </a:extLst>
+              </a:tr>
+            </a:tbl>
+          </a:graphicData>
+        </a:graphic>
+      </p:graphicFrame>
+      <p:graphicFrame>
+        <p:nvGraphicFramePr>
+          <p:cNvPr id="11" name="Table 10">
+            <a:extLst>
+              <a:ext uri="{FF2B5EF4-FFF2-40B4-BE49-F238E27FC236}">
+                <a16:creationId xmlns:a16="http://schemas.microsoft.com/office/drawing/2014/main" id="{9E640ABB-6F15-4836-8D90-308BC8947F05}"/>
+              </a:ext>
+            </a:extLst>
+          </p:cNvPr>
+          <p:cNvGraphicFramePr>
+            <a:graphicFrameLocks noGrp="1"/>
+          </p:cNvGraphicFramePr>
+          <p:nvPr>
+            <p:extLst>
+              <p:ext uri="{D42A27DB-BD31-4B8C-83A1-F6EECF244321}">
+                <p14:modId xmlns:p14="http://schemas.microsoft.com/office/powerpoint/2010/main" val="1984385666"/>
+              </p:ext>
+            </p:extLst>
+          </p:nvPr>
+        </p:nvGraphicFramePr>
+        <p:xfrm>
+          <a:off x="6494602" y="3659048"/>
+          <a:ext cx="2595609" cy="924906"/>
+        </p:xfrm>
+        <a:graphic>
+          <a:graphicData uri="http://schemas.openxmlformats.org/drawingml/2006/table">
+            <a:tbl>
+              <a:tblPr/>
+              <a:tblGrid>
+                <a:gridCol w="1181831">
+                  <a:extLst>
+                    <a:ext uri="{9D8B030D-6E8A-4147-A177-3AD203B41FA5}">
+                      <a16:colId xmlns:a16="http://schemas.microsoft.com/office/drawing/2014/main" val="2248265884"/>
+                    </a:ext>
+                  </a:extLst>
+                </a:gridCol>
+                <a:gridCol w="706889">
+                  <a:extLst>
+                    <a:ext uri="{9D8B030D-6E8A-4147-A177-3AD203B41FA5}">
+                      <a16:colId xmlns:a16="http://schemas.microsoft.com/office/drawing/2014/main" val="2440144777"/>
+                    </a:ext>
+                  </a:extLst>
+                </a:gridCol>
+                <a:gridCol w="706889">
+                  <a:extLst>
+                    <a:ext uri="{9D8B030D-6E8A-4147-A177-3AD203B41FA5}">
+                      <a16:colId xmlns:a16="http://schemas.microsoft.com/office/drawing/2014/main" val="2577689188"/>
+                    </a:ext>
+                  </a:extLst>
+                </a:gridCol>
+              </a:tblGrid>
+              <a:tr h="308302">
+                <a:tc>
+                  <a:txBody>
+                    <a:bodyPr/>
+                    <a:lstStyle/>
+                    <a:p>
+                      <a:pPr algn="ctr" fontAlgn="ctr"/>
+                      <a:r>
+                        <a:rPr lang="en-US" sz="1100" b="1" i="0" u="none" strike="noStrike" dirty="0">
+                          <a:solidFill>
+                            <a:srgbClr val="FFFFFF"/>
+                          </a:solidFill>
+                          <a:effectLst/>
+                          <a:latin typeface="Calibri" panose="020F0502020204030204" pitchFamily="34" charset="0"/>
+                        </a:rPr>
+                        <a:t>Upper Range</a:t>
+                      </a:r>
+                    </a:p>
+                  </a:txBody>
+                  <a:tcPr marL="9525" marR="9525" marT="9525" marB="0" anchor="ctr">
+                    <a:lnL w="6350" cap="flat" cmpd="sng" algn="ctr">
+                      <a:solidFill>
+                        <a:srgbClr val="000000"/>
+                      </a:solidFill>
+                      <a:prstDash val="solid"/>
+                      <a:round/>
+                      <a:headEnd type="none" w="med" len="med"/>
+                      <a:tailEnd type="none" w="med" len="med"/>
+                    </a:lnL>
+                    <a:lnR w="6350" cap="flat" cmpd="sng" algn="ctr">
+                      <a:solidFill>
+                        <a:srgbClr val="000000"/>
+                      </a:solidFill>
+                      <a:prstDash val="solid"/>
+                      <a:round/>
+                      <a:headEnd type="none" w="med" len="med"/>
+                      <a:tailEnd type="none" w="med" len="med"/>
+                    </a:lnR>
+                    <a:lnT w="6350" cap="flat" cmpd="sng" algn="ctr">
+                      <a:solidFill>
+                        <a:srgbClr val="000000"/>
+                      </a:solidFill>
+                      <a:prstDash val="solid"/>
+                      <a:round/>
+                      <a:headEnd type="none" w="med" len="med"/>
+                      <a:tailEnd type="none" w="med" len="med"/>
+                    </a:lnT>
+                    <a:lnB w="6350" cap="flat" cmpd="sng" algn="ctr">
+                      <a:solidFill>
+                        <a:srgbClr val="000000"/>
+                      </a:solidFill>
+                      <a:prstDash val="solid"/>
+                      <a:round/>
+                      <a:headEnd type="none" w="med" len="med"/>
+                      <a:tailEnd type="none" w="med" len="med"/>
+                    </a:lnB>
+                    <a:solidFill>
+                      <a:schemeClr val="accent3">
+                        <a:lumMod val="75000"/>
+                      </a:schemeClr>
+                    </a:solidFill>
+                  </a:tcPr>
+                </a:tc>
+                <a:tc>
+                  <a:txBody>
+                    <a:bodyPr/>
+                    <a:lstStyle/>
+                    <a:p>
+                      <a:pPr algn="ctr" fontAlgn="ctr"/>
+                      <a:r>
+                        <a:rPr lang="en-US" sz="1100" b="1" i="0" u="none" strike="noStrike" dirty="0">
+                          <a:solidFill>
+                            <a:srgbClr val="000000"/>
+                          </a:solidFill>
+                          <a:effectLst/>
+                          <a:latin typeface="Calibri" panose="020F0502020204030204" pitchFamily="34" charset="0"/>
+                        </a:rPr>
+                        <a:t>Count</a:t>
+                      </a:r>
+                    </a:p>
+                  </a:txBody>
+                  <a:tcPr marL="9525" marR="9525" marT="9525" marB="0" anchor="ctr">
+                    <a:lnL w="6350" cap="flat" cmpd="sng" algn="ctr">
+                      <a:solidFill>
+                        <a:srgbClr val="000000"/>
+                      </a:solidFill>
+                      <a:prstDash val="solid"/>
+                      <a:round/>
+                      <a:headEnd type="none" w="med" len="med"/>
+                      <a:tailEnd type="none" w="med" len="med"/>
+                    </a:lnL>
+                    <a:lnR w="6350" cap="flat" cmpd="sng" algn="ctr">
+                      <a:solidFill>
+                        <a:srgbClr val="000000"/>
+                      </a:solidFill>
+                      <a:prstDash val="solid"/>
+                      <a:round/>
+                      <a:headEnd type="none" w="med" len="med"/>
+                      <a:tailEnd type="none" w="med" len="med"/>
+                    </a:lnR>
+                    <a:lnT w="6350" cap="flat" cmpd="sng" algn="ctr">
+                      <a:solidFill>
+                        <a:srgbClr val="000000"/>
+                      </a:solidFill>
+                      <a:prstDash val="solid"/>
+                      <a:round/>
+                      <a:headEnd type="none" w="med" len="med"/>
+                      <a:tailEnd type="none" w="med" len="med"/>
+                    </a:lnT>
+                    <a:lnB w="6350" cap="flat" cmpd="sng" algn="ctr">
+                      <a:solidFill>
+                        <a:srgbClr val="000000"/>
+                      </a:solidFill>
+                      <a:prstDash val="solid"/>
+                      <a:round/>
+                      <a:headEnd type="none" w="med" len="med"/>
+                      <a:tailEnd type="none" w="med" len="med"/>
+                    </a:lnB>
+                    <a:solidFill>
+                      <a:schemeClr val="tx2">
+                        <a:lumMod val="10000"/>
+                        <a:lumOff val="90000"/>
+                      </a:schemeClr>
+                    </a:solidFill>
+                  </a:tcPr>
+                </a:tc>
+                <a:tc>
+                  <a:txBody>
+                    <a:bodyPr/>
+                    <a:lstStyle/>
+                    <a:p>
+                      <a:pPr algn="ctr" fontAlgn="ctr"/>
+                      <a:r>
+                        <a:rPr lang="en-US" sz="1100" b="1" i="0" u="none" strike="noStrike" dirty="0">
+                          <a:solidFill>
+                            <a:srgbClr val="000000"/>
+                          </a:solidFill>
+                          <a:effectLst/>
+                          <a:latin typeface="Calibri" panose="020F0502020204030204" pitchFamily="34" charset="0"/>
+                        </a:rPr>
+                        <a:t>Percent</a:t>
+                      </a:r>
+                    </a:p>
+                  </a:txBody>
+                  <a:tcPr marL="9525" marR="9525" marT="9525" marB="0" anchor="ctr">
+                    <a:lnL w="6350" cap="flat" cmpd="sng" algn="ctr">
+                      <a:solidFill>
+                        <a:srgbClr val="000000"/>
+                      </a:solidFill>
+                      <a:prstDash val="solid"/>
+                      <a:round/>
+                      <a:headEnd type="none" w="med" len="med"/>
+                      <a:tailEnd type="none" w="med" len="med"/>
+                    </a:lnL>
+                    <a:lnR w="6350" cap="flat" cmpd="sng" algn="ctr">
+                      <a:solidFill>
+                        <a:srgbClr val="000000"/>
+                      </a:solidFill>
+                      <a:prstDash val="solid"/>
+                      <a:round/>
+                      <a:headEnd type="none" w="med" len="med"/>
+                      <a:tailEnd type="none" w="med" len="med"/>
+                    </a:lnR>
+                    <a:lnT w="6350" cap="flat" cmpd="sng" algn="ctr">
+                      <a:solidFill>
+                        <a:srgbClr val="000000"/>
+                      </a:solidFill>
+                      <a:prstDash val="solid"/>
+                      <a:round/>
+                      <a:headEnd type="none" w="med" len="med"/>
+                      <a:tailEnd type="none" w="med" len="med"/>
+                    </a:lnT>
+                    <a:lnB w="6350" cap="flat" cmpd="sng" algn="ctr">
+                      <a:solidFill>
+                        <a:srgbClr val="000000"/>
+                      </a:solidFill>
+                      <a:prstDash val="solid"/>
+                      <a:round/>
+                      <a:headEnd type="none" w="med" len="med"/>
+                      <a:tailEnd type="none" w="med" len="med"/>
+                    </a:lnB>
+                    <a:solidFill>
+                      <a:schemeClr val="accent6">
+                        <a:lumMod val="20000"/>
+                        <a:lumOff val="80000"/>
+                      </a:schemeClr>
+                    </a:solidFill>
+                  </a:tcPr>
+                </a:tc>
+                <a:extLst>
+                  <a:ext uri="{0D108BD9-81ED-4DB2-BD59-A6C34878D82A}">
+                    <a16:rowId xmlns:a16="http://schemas.microsoft.com/office/drawing/2014/main" val="1431457037"/>
+                  </a:ext>
+                </a:extLst>
+              </a:tr>
+              <a:tr h="308302">
+                <a:tc>
+                  <a:txBody>
+                    <a:bodyPr/>
+                    <a:lstStyle/>
+                    <a:p>
+                      <a:pPr algn="ctr" fontAlgn="ctr"/>
+                      <a:r>
+                        <a:rPr lang="en-US" sz="1100" b="0" i="0" u="none" strike="noStrike" dirty="0">
+                          <a:solidFill>
+                            <a:srgbClr val="000000"/>
+                          </a:solidFill>
+                          <a:effectLst/>
+                          <a:latin typeface="Calibri" panose="020F0502020204030204" pitchFamily="34" charset="0"/>
+                        </a:rPr>
+                        <a:t>Ale</a:t>
+                      </a:r>
+                    </a:p>
+                  </a:txBody>
+                  <a:tcPr marL="9525" marR="9525" marT="9525" marB="0" anchor="ctr">
+                    <a:lnL w="6350" cap="flat" cmpd="sng" algn="ctr">
+                      <a:solidFill>
+                        <a:srgbClr val="000000"/>
+                      </a:solidFill>
+                      <a:prstDash val="solid"/>
+                      <a:round/>
+                      <a:headEnd type="none" w="med" len="med"/>
+                      <a:tailEnd type="none" w="med" len="med"/>
+                    </a:lnL>
+                    <a:lnR w="6350" cap="flat" cmpd="sng" algn="ctr">
+                      <a:solidFill>
+                        <a:srgbClr val="000000"/>
+                      </a:solidFill>
+                      <a:prstDash val="solid"/>
+                      <a:round/>
+                      <a:headEnd type="none" w="med" len="med"/>
+                      <a:tailEnd type="none" w="med" len="med"/>
+                    </a:lnR>
+                    <a:lnT w="6350" cap="flat" cmpd="sng" algn="ctr">
+                      <a:solidFill>
+                        <a:srgbClr val="000000"/>
+                      </a:solidFill>
+                      <a:prstDash val="solid"/>
+                      <a:round/>
+                      <a:headEnd type="none" w="med" len="med"/>
+                      <a:tailEnd type="none" w="med" len="med"/>
+                    </a:lnT>
+                    <a:lnB w="6350" cap="flat" cmpd="sng" algn="ctr">
+                      <a:solidFill>
+                        <a:srgbClr val="000000"/>
+                      </a:solidFill>
+                      <a:prstDash val="solid"/>
+                      <a:round/>
+                      <a:headEnd type="none" w="med" len="med"/>
+                      <a:tailEnd type="none" w="med" len="med"/>
+                    </a:lnB>
+                    <a:solidFill>
+                      <a:schemeClr val="bg2">
+                        <a:lumMod val="90000"/>
+                      </a:schemeClr>
+                    </a:solidFill>
+                  </a:tcPr>
+                </a:tc>
+                <a:tc>
+                  <a:txBody>
+                    <a:bodyPr/>
+                    <a:lstStyle/>
+                    <a:p>
+                      <a:pPr algn="ctr" fontAlgn="ctr"/>
+                      <a:r>
+                        <a:rPr lang="en-US" sz="1100" b="0" i="0" u="none" strike="noStrike">
+                          <a:solidFill>
+                            <a:srgbClr val="000000"/>
+                          </a:solidFill>
+                          <a:effectLst/>
+                          <a:latin typeface="Calibri" panose="020F0502020204030204" pitchFamily="34" charset="0"/>
+                        </a:rPr>
+                        <a:t>79</a:t>
+                      </a:r>
+                    </a:p>
+                  </a:txBody>
+                  <a:tcPr marL="9525" marR="9525" marT="9525" marB="0" anchor="ctr">
+                    <a:lnL w="6350" cap="flat" cmpd="sng" algn="ctr">
+                      <a:solidFill>
+                        <a:srgbClr val="000000"/>
+                      </a:solidFill>
+                      <a:prstDash val="solid"/>
+                      <a:round/>
+                      <a:headEnd type="none" w="med" len="med"/>
+                      <a:tailEnd type="none" w="med" len="med"/>
+                    </a:lnL>
+                    <a:lnR w="6350" cap="flat" cmpd="sng" algn="ctr">
+                      <a:solidFill>
+                        <a:srgbClr val="000000"/>
+                      </a:solidFill>
+                      <a:prstDash val="solid"/>
+                      <a:round/>
+                      <a:headEnd type="none" w="med" len="med"/>
+                      <a:tailEnd type="none" w="med" len="med"/>
+                    </a:lnR>
+                    <a:lnT w="6350" cap="flat" cmpd="sng" algn="ctr">
+                      <a:solidFill>
+                        <a:srgbClr val="000000"/>
+                      </a:solidFill>
+                      <a:prstDash val="solid"/>
+                      <a:round/>
+                      <a:headEnd type="none" w="med" len="med"/>
+                      <a:tailEnd type="none" w="med" len="med"/>
+                    </a:lnT>
+                    <a:lnB w="6350" cap="flat" cmpd="sng" algn="ctr">
+                      <a:solidFill>
+                        <a:srgbClr val="000000"/>
+                      </a:solidFill>
+                      <a:prstDash val="solid"/>
+                      <a:round/>
+                      <a:headEnd type="none" w="med" len="med"/>
+                      <a:tailEnd type="none" w="med" len="med"/>
+                    </a:lnB>
+                  </a:tcPr>
+                </a:tc>
+                <a:tc>
+                  <a:txBody>
+                    <a:bodyPr/>
+                    <a:lstStyle/>
+                    <a:p>
+                      <a:pPr algn="ctr" fontAlgn="ctr"/>
+                      <a:r>
+                        <a:rPr lang="en-US" sz="1100" b="0" i="0" u="none" strike="noStrike">
+                          <a:solidFill>
+                            <a:srgbClr val="000000"/>
+                          </a:solidFill>
+                          <a:effectLst/>
+                          <a:latin typeface="Calibri" panose="020F0502020204030204" pitchFamily="34" charset="0"/>
+                        </a:rPr>
+                        <a:t>20%</a:t>
+                      </a:r>
+                    </a:p>
+                  </a:txBody>
+                  <a:tcPr marL="9525" marR="9525" marT="9525" marB="0" anchor="ctr">
+                    <a:lnL w="6350" cap="flat" cmpd="sng" algn="ctr">
+                      <a:solidFill>
+                        <a:srgbClr val="000000"/>
+                      </a:solidFill>
+                      <a:prstDash val="solid"/>
+                      <a:round/>
+                      <a:headEnd type="none" w="med" len="med"/>
+                      <a:tailEnd type="none" w="med" len="med"/>
+                    </a:lnL>
+                    <a:lnR w="6350" cap="flat" cmpd="sng" algn="ctr">
+                      <a:solidFill>
+                        <a:srgbClr val="000000"/>
+                      </a:solidFill>
+                      <a:prstDash val="solid"/>
+                      <a:round/>
+                      <a:headEnd type="none" w="med" len="med"/>
+                      <a:tailEnd type="none" w="med" len="med"/>
+                    </a:lnR>
+                    <a:lnT w="6350" cap="flat" cmpd="sng" algn="ctr">
+                      <a:solidFill>
+                        <a:srgbClr val="000000"/>
+                      </a:solidFill>
+                      <a:prstDash val="solid"/>
+                      <a:round/>
+                      <a:headEnd type="none" w="med" len="med"/>
+                      <a:tailEnd type="none" w="med" len="med"/>
+                    </a:lnT>
+                    <a:lnB w="6350" cap="flat" cmpd="sng" algn="ctr">
+                      <a:solidFill>
+                        <a:srgbClr val="000000"/>
+                      </a:solidFill>
+                      <a:prstDash val="solid"/>
+                      <a:round/>
+                      <a:headEnd type="none" w="med" len="med"/>
+                      <a:tailEnd type="none" w="med" len="med"/>
+                    </a:lnB>
+                  </a:tcPr>
+                </a:tc>
+                <a:extLst>
+                  <a:ext uri="{0D108BD9-81ED-4DB2-BD59-A6C34878D82A}">
+                    <a16:rowId xmlns:a16="http://schemas.microsoft.com/office/drawing/2014/main" val="2922038247"/>
+                  </a:ext>
+                </a:extLst>
+              </a:tr>
+              <a:tr h="308302">
+                <a:tc>
+                  <a:txBody>
+                    <a:bodyPr/>
+                    <a:lstStyle/>
+                    <a:p>
+                      <a:pPr algn="ctr" fontAlgn="ctr"/>
+                      <a:r>
+                        <a:rPr lang="en-US" sz="1100" b="0" i="0" u="none" strike="noStrike" dirty="0">
+                          <a:solidFill>
+                            <a:srgbClr val="000000"/>
+                          </a:solidFill>
+                          <a:effectLst/>
+                          <a:latin typeface="Calibri" panose="020F0502020204030204" pitchFamily="34" charset="0"/>
+                        </a:rPr>
+                        <a:t>IPA</a:t>
+                      </a:r>
+                    </a:p>
+                  </a:txBody>
+                  <a:tcPr marL="9525" marR="9525" marT="9525" marB="0" anchor="ctr">
+                    <a:lnL w="6350" cap="flat" cmpd="sng" algn="ctr">
+                      <a:solidFill>
+                        <a:srgbClr val="000000"/>
+                      </a:solidFill>
+                      <a:prstDash val="solid"/>
+                      <a:round/>
+                      <a:headEnd type="none" w="med" len="med"/>
+                      <a:tailEnd type="none" w="med" len="med"/>
+                    </a:lnL>
+                    <a:lnR w="6350" cap="flat" cmpd="sng" algn="ctr">
+                      <a:solidFill>
+                        <a:srgbClr val="000000"/>
+                      </a:solidFill>
+                      <a:prstDash val="solid"/>
+                      <a:round/>
+                      <a:headEnd type="none" w="med" len="med"/>
+                      <a:tailEnd type="none" w="med" len="med"/>
+                    </a:lnR>
+                    <a:lnT w="6350" cap="flat" cmpd="sng" algn="ctr">
+                      <a:solidFill>
+                        <a:srgbClr val="000000"/>
+                      </a:solidFill>
+                      <a:prstDash val="solid"/>
+                      <a:round/>
+                      <a:headEnd type="none" w="med" len="med"/>
+                      <a:tailEnd type="none" w="med" len="med"/>
+                    </a:lnT>
+                    <a:lnB w="6350" cap="flat" cmpd="sng" algn="ctr">
+                      <a:solidFill>
+                        <a:srgbClr val="000000"/>
+                      </a:solidFill>
+                      <a:prstDash val="solid"/>
+                      <a:round/>
+                      <a:headEnd type="none" w="med" len="med"/>
+                      <a:tailEnd type="none" w="med" len="med"/>
+                    </a:lnB>
+                    <a:solidFill>
+                      <a:schemeClr val="bg2">
+                        <a:lumMod val="75000"/>
+                      </a:schemeClr>
+                    </a:solidFill>
+                  </a:tcPr>
+                </a:tc>
+                <a:tc>
+                  <a:txBody>
+                    <a:bodyPr/>
+                    <a:lstStyle/>
+                    <a:p>
+                      <a:pPr algn="ctr" fontAlgn="ctr"/>
+                      <a:r>
+                        <a:rPr lang="en-US" sz="1100" b="0" i="0" u="none" strike="noStrike" dirty="0">
+                          <a:solidFill>
+                            <a:srgbClr val="000000"/>
+                          </a:solidFill>
+                          <a:effectLst/>
+                          <a:latin typeface="Calibri" panose="020F0502020204030204" pitchFamily="34" charset="0"/>
+                        </a:rPr>
+                        <a:t>314</a:t>
+                      </a:r>
+                    </a:p>
+                  </a:txBody>
+                  <a:tcPr marL="9525" marR="9525" marT="9525" marB="0" anchor="ctr">
+                    <a:lnL w="6350" cap="flat" cmpd="sng" algn="ctr">
+                      <a:solidFill>
+                        <a:srgbClr val="000000"/>
+                      </a:solidFill>
+                      <a:prstDash val="solid"/>
+                      <a:round/>
+                      <a:headEnd type="none" w="med" len="med"/>
+                      <a:tailEnd type="none" w="med" len="med"/>
+                    </a:lnL>
+                    <a:lnR w="6350" cap="flat" cmpd="sng" algn="ctr">
+                      <a:solidFill>
+                        <a:srgbClr val="000000"/>
+                      </a:solidFill>
+                      <a:prstDash val="solid"/>
+                      <a:round/>
+                      <a:headEnd type="none" w="med" len="med"/>
+                      <a:tailEnd type="none" w="med" len="med"/>
+                    </a:lnR>
+                    <a:lnT w="6350" cap="flat" cmpd="sng" algn="ctr">
+                      <a:solidFill>
+                        <a:srgbClr val="000000"/>
+                      </a:solidFill>
+                      <a:prstDash val="solid"/>
+                      <a:round/>
+                      <a:headEnd type="none" w="med" len="med"/>
+                      <a:tailEnd type="none" w="med" len="med"/>
+                    </a:lnT>
+                    <a:lnB w="6350" cap="flat" cmpd="sng" algn="ctr">
+                      <a:solidFill>
+                        <a:srgbClr val="000000"/>
+                      </a:solidFill>
+                      <a:prstDash val="solid"/>
+                      <a:round/>
+                      <a:headEnd type="none" w="med" len="med"/>
+                      <a:tailEnd type="none" w="med" len="med"/>
+                    </a:lnB>
+                  </a:tcPr>
+                </a:tc>
+                <a:tc>
+                  <a:txBody>
+                    <a:bodyPr/>
+                    <a:lstStyle/>
+                    <a:p>
+                      <a:pPr algn="ctr" fontAlgn="ctr"/>
+                      <a:r>
+                        <a:rPr lang="en-US" sz="1100" b="0" i="0" u="none" strike="noStrike" dirty="0">
+                          <a:solidFill>
+                            <a:srgbClr val="000000"/>
+                          </a:solidFill>
+                          <a:effectLst/>
+                          <a:latin typeface="Calibri" panose="020F0502020204030204" pitchFamily="34" charset="0"/>
+                        </a:rPr>
+                        <a:t>80%</a:t>
+                      </a:r>
+                    </a:p>
+                  </a:txBody>
+                  <a:tcPr marL="9525" marR="9525" marT="9525" marB="0" anchor="ctr">
+                    <a:lnL w="6350" cap="flat" cmpd="sng" algn="ctr">
+                      <a:solidFill>
+                        <a:srgbClr val="000000"/>
+                      </a:solidFill>
+                      <a:prstDash val="solid"/>
+                      <a:round/>
+                      <a:headEnd type="none" w="med" len="med"/>
+                      <a:tailEnd type="none" w="med" len="med"/>
+                    </a:lnL>
+                    <a:lnR w="6350" cap="flat" cmpd="sng" algn="ctr">
+                      <a:solidFill>
+                        <a:srgbClr val="000000"/>
+                      </a:solidFill>
+                      <a:prstDash val="solid"/>
+                      <a:round/>
+                      <a:headEnd type="none" w="med" len="med"/>
+                      <a:tailEnd type="none" w="med" len="med"/>
+                    </a:lnR>
+                    <a:lnT w="6350" cap="flat" cmpd="sng" algn="ctr">
+                      <a:solidFill>
+                        <a:srgbClr val="000000"/>
+                      </a:solidFill>
+                      <a:prstDash val="solid"/>
+                      <a:round/>
+                      <a:headEnd type="none" w="med" len="med"/>
+                      <a:tailEnd type="none" w="med" len="med"/>
+                    </a:lnT>
+                    <a:lnB w="6350" cap="flat" cmpd="sng" algn="ctr">
+                      <a:solidFill>
+                        <a:srgbClr val="000000"/>
+                      </a:solidFill>
+                      <a:prstDash val="solid"/>
+                      <a:round/>
+                      <a:headEnd type="none" w="med" len="med"/>
+                      <a:tailEnd type="none" w="med" len="med"/>
+                    </a:lnB>
+                  </a:tcPr>
+                </a:tc>
+                <a:extLst>
+                  <a:ext uri="{0D108BD9-81ED-4DB2-BD59-A6C34878D82A}">
+                    <a16:rowId xmlns:a16="http://schemas.microsoft.com/office/drawing/2014/main" val="2012273359"/>
+                  </a:ext>
+                </a:extLst>
+              </a:tr>
+            </a:tbl>
+          </a:graphicData>
+        </a:graphic>
+      </p:graphicFrame>
+      <p:graphicFrame>
+        <p:nvGraphicFramePr>
+          <p:cNvPr id="19" name="Table 18">
+            <a:extLst>
+              <a:ext uri="{FF2B5EF4-FFF2-40B4-BE49-F238E27FC236}">
+                <a16:creationId xmlns:a16="http://schemas.microsoft.com/office/drawing/2014/main" id="{D5CF5384-C0D8-408D-A393-453B83284A72}"/>
+              </a:ext>
+            </a:extLst>
+          </p:cNvPr>
+          <p:cNvGraphicFramePr>
+            <a:graphicFrameLocks noGrp="1"/>
+          </p:cNvGraphicFramePr>
+          <p:nvPr>
+            <p:extLst>
+              <p:ext uri="{D42A27DB-BD31-4B8C-83A1-F6EECF244321}">
+                <p14:modId xmlns:p14="http://schemas.microsoft.com/office/powerpoint/2010/main" val="2663952874"/>
+              </p:ext>
+            </p:extLst>
+          </p:nvPr>
+        </p:nvGraphicFramePr>
+        <p:xfrm>
+          <a:off x="1930305" y="2107914"/>
+          <a:ext cx="1912566" cy="924906"/>
+        </p:xfrm>
+        <a:graphic>
+          <a:graphicData uri="http://schemas.openxmlformats.org/drawingml/2006/table">
+            <a:tbl>
+              <a:tblPr/>
+              <a:tblGrid>
+                <a:gridCol w="956283">
+                  <a:extLst>
+                    <a:ext uri="{9D8B030D-6E8A-4147-A177-3AD203B41FA5}">
+                      <a16:colId xmlns:a16="http://schemas.microsoft.com/office/drawing/2014/main" val="3887619861"/>
+                    </a:ext>
+                  </a:extLst>
+                </a:gridCol>
+                <a:gridCol w="956283">
+                  <a:extLst>
+                    <a:ext uri="{9D8B030D-6E8A-4147-A177-3AD203B41FA5}">
+                      <a16:colId xmlns:a16="http://schemas.microsoft.com/office/drawing/2014/main" val="3892173924"/>
+                    </a:ext>
+                  </a:extLst>
+                </a:gridCol>
+              </a:tblGrid>
+              <a:tr h="308302">
+                <a:tc gridSpan="2">
+                  <a:txBody>
+                    <a:bodyPr/>
+                    <a:lstStyle/>
+                    <a:p>
+                      <a:pPr algn="ctr" fontAlgn="ctr"/>
+                      <a:r>
+                        <a:rPr lang="en-US" sz="1100" b="1" i="0" u="none" strike="noStrike" dirty="0">
+                          <a:solidFill>
+                            <a:srgbClr val="FFFFFF"/>
+                          </a:solidFill>
+                          <a:effectLst/>
+                          <a:latin typeface="Calibri" panose="020F0502020204030204" pitchFamily="34" charset="0"/>
+                        </a:rPr>
+                        <a:t>Threshold</a:t>
+                      </a:r>
+                    </a:p>
+                  </a:txBody>
+                  <a:tcPr marL="9525" marR="9525" marT="9525" marB="0" anchor="ctr">
+                    <a:lnL>
+                      <a:noFill/>
+                    </a:lnL>
+                    <a:lnR>
+                      <a:noFill/>
+                    </a:lnR>
+                    <a:lnT>
+                      <a:noFill/>
+                    </a:lnT>
+                    <a:lnB w="6350" cap="flat" cmpd="sng" algn="ctr">
+                      <a:solidFill>
+                        <a:srgbClr val="000000"/>
+                      </a:solidFill>
+                      <a:prstDash val="solid"/>
+                      <a:round/>
+                      <a:headEnd type="none" w="med" len="med"/>
+                      <a:tailEnd type="none" w="med" len="med"/>
+                    </a:lnB>
+                    <a:solidFill>
+                      <a:srgbClr val="0E2C3D"/>
+                    </a:solidFill>
+                  </a:tcPr>
+                </a:tc>
+                <a:tc hMerge="1">
+                  <a:txBody>
+                    <a:bodyPr/>
+                    <a:lstStyle/>
+                    <a:p>
+                      <a:endParaRPr lang="en-US"/>
+                    </a:p>
+                  </a:txBody>
+                  <a:tcPr/>
+                </a:tc>
+                <a:extLst>
+                  <a:ext uri="{0D108BD9-81ED-4DB2-BD59-A6C34878D82A}">
+                    <a16:rowId xmlns:a16="http://schemas.microsoft.com/office/drawing/2014/main" val="3685152635"/>
+                  </a:ext>
+                </a:extLst>
+              </a:tr>
+              <a:tr h="308302">
+                <a:tc>
+                  <a:txBody>
+                    <a:bodyPr/>
+                    <a:lstStyle/>
+                    <a:p>
+                      <a:pPr algn="ctr" fontAlgn="ctr"/>
+                      <a:r>
+                        <a:rPr lang="en-US" sz="1100" b="0" i="0" u="none" strike="noStrike" dirty="0">
+                          <a:solidFill>
+                            <a:srgbClr val="000000"/>
+                          </a:solidFill>
+                          <a:effectLst/>
+                          <a:latin typeface="Calibri" panose="020F0502020204030204" pitchFamily="34" charset="0"/>
+                        </a:rPr>
+                        <a:t>IBU</a:t>
+                      </a:r>
+                    </a:p>
+                  </a:txBody>
+                  <a:tcPr marL="9525" marR="9525" marT="9525" marB="0" anchor="ctr">
+                    <a:lnL w="6350" cap="flat" cmpd="sng" algn="ctr">
+                      <a:solidFill>
+                        <a:srgbClr val="000000"/>
+                      </a:solidFill>
+                      <a:prstDash val="solid"/>
+                      <a:round/>
+                      <a:headEnd type="none" w="med" len="med"/>
+                      <a:tailEnd type="none" w="med" len="med"/>
+                    </a:lnL>
+                    <a:lnR w="6350" cap="flat" cmpd="sng" algn="ctr">
+                      <a:solidFill>
+                        <a:srgbClr val="000000"/>
+                      </a:solidFill>
+                      <a:prstDash val="solid"/>
+                      <a:round/>
+                      <a:headEnd type="none" w="med" len="med"/>
+                      <a:tailEnd type="none" w="med" len="med"/>
+                    </a:lnR>
+                    <a:lnT w="6350" cap="flat" cmpd="sng" algn="ctr">
+                      <a:solidFill>
+                        <a:srgbClr val="000000"/>
+                      </a:solidFill>
+                      <a:prstDash val="solid"/>
+                      <a:round/>
+                      <a:headEnd type="none" w="med" len="med"/>
+                      <a:tailEnd type="none" w="med" len="med"/>
+                    </a:lnT>
+                    <a:lnB w="6350" cap="flat" cmpd="sng" algn="ctr">
+                      <a:solidFill>
+                        <a:srgbClr val="000000"/>
+                      </a:solidFill>
+                      <a:prstDash val="solid"/>
+                      <a:round/>
+                      <a:headEnd type="none" w="med" len="med"/>
+                      <a:tailEnd type="none" w="med" len="med"/>
+                    </a:lnB>
+                    <a:solidFill>
+                      <a:srgbClr val="FDE4CC"/>
+                    </a:solidFill>
+                  </a:tcPr>
+                </a:tc>
+                <a:tc>
+                  <a:txBody>
+                    <a:bodyPr/>
+                    <a:lstStyle/>
+                    <a:p>
+                      <a:pPr algn="ctr" fontAlgn="ctr"/>
+                      <a:r>
+                        <a:rPr lang="en-US" sz="1100" b="0" i="0" u="none" strike="noStrike">
+                          <a:solidFill>
+                            <a:srgbClr val="000000"/>
+                          </a:solidFill>
+                          <a:effectLst/>
+                          <a:latin typeface="Calibri" panose="020F0502020204030204" pitchFamily="34" charset="0"/>
+                        </a:rPr>
+                        <a:t>50</a:t>
+                      </a:r>
+                    </a:p>
+                  </a:txBody>
+                  <a:tcPr marL="9525" marR="9525" marT="9525" marB="0" anchor="ctr">
+                    <a:lnL w="6350" cap="flat" cmpd="sng" algn="ctr">
+                      <a:solidFill>
+                        <a:srgbClr val="000000"/>
+                      </a:solidFill>
+                      <a:prstDash val="solid"/>
+                      <a:round/>
+                      <a:headEnd type="none" w="med" len="med"/>
+                      <a:tailEnd type="none" w="med" len="med"/>
+                    </a:lnL>
+                    <a:lnR w="6350" cap="flat" cmpd="sng" algn="ctr">
+                      <a:solidFill>
+                        <a:srgbClr val="000000"/>
+                      </a:solidFill>
+                      <a:prstDash val="solid"/>
+                      <a:round/>
+                      <a:headEnd type="none" w="med" len="med"/>
+                      <a:tailEnd type="none" w="med" len="med"/>
+                    </a:lnR>
+                    <a:lnT w="6350" cap="flat" cmpd="sng" algn="ctr">
+                      <a:solidFill>
+                        <a:srgbClr val="000000"/>
+                      </a:solidFill>
+                      <a:prstDash val="solid"/>
+                      <a:round/>
+                      <a:headEnd type="none" w="med" len="med"/>
+                      <a:tailEnd type="none" w="med" len="med"/>
+                    </a:lnT>
+                    <a:lnB w="6350" cap="flat" cmpd="sng" algn="ctr">
+                      <a:solidFill>
+                        <a:srgbClr val="000000"/>
+                      </a:solidFill>
+                      <a:prstDash val="solid"/>
+                      <a:round/>
+                      <a:headEnd type="none" w="med" len="med"/>
+                      <a:tailEnd type="none" w="med" len="med"/>
+                    </a:lnB>
+                  </a:tcPr>
+                </a:tc>
+                <a:extLst>
+                  <a:ext uri="{0D108BD9-81ED-4DB2-BD59-A6C34878D82A}">
+                    <a16:rowId xmlns:a16="http://schemas.microsoft.com/office/drawing/2014/main" val="1322569607"/>
+                  </a:ext>
+                </a:extLst>
+              </a:tr>
+              <a:tr h="308302">
+                <a:tc>
+                  <a:txBody>
+                    <a:bodyPr/>
+                    <a:lstStyle/>
+                    <a:p>
+                      <a:pPr algn="ctr" fontAlgn="ctr"/>
+                      <a:r>
+                        <a:rPr lang="en-US" sz="1100" b="0" i="0" u="none" strike="noStrike" dirty="0">
+                          <a:solidFill>
+                            <a:srgbClr val="000000"/>
+                          </a:solidFill>
+                          <a:effectLst/>
+                          <a:latin typeface="Calibri" panose="020F0502020204030204" pitchFamily="34" charset="0"/>
+                        </a:rPr>
+                        <a:t>ABV</a:t>
+                      </a:r>
+                    </a:p>
+                  </a:txBody>
+                  <a:tcPr marL="9525" marR="9525" marT="9525" marB="0" anchor="ctr">
+                    <a:lnL w="6350" cap="flat" cmpd="sng" algn="ctr">
+                      <a:solidFill>
+                        <a:srgbClr val="000000"/>
+                      </a:solidFill>
+                      <a:prstDash val="solid"/>
+                      <a:round/>
+                      <a:headEnd type="none" w="med" len="med"/>
+                      <a:tailEnd type="none" w="med" len="med"/>
+                    </a:lnL>
+                    <a:lnR w="6350" cap="flat" cmpd="sng" algn="ctr">
+                      <a:solidFill>
+                        <a:srgbClr val="000000"/>
+                      </a:solidFill>
+                      <a:prstDash val="solid"/>
+                      <a:round/>
+                      <a:headEnd type="none" w="med" len="med"/>
+                      <a:tailEnd type="none" w="med" len="med"/>
+                    </a:lnR>
+                    <a:lnT w="6350" cap="flat" cmpd="sng" algn="ctr">
+                      <a:solidFill>
+                        <a:srgbClr val="000000"/>
+                      </a:solidFill>
+                      <a:prstDash val="solid"/>
+                      <a:round/>
+                      <a:headEnd type="none" w="med" len="med"/>
+                      <a:tailEnd type="none" w="med" len="med"/>
+                    </a:lnT>
+                    <a:lnB w="6350" cap="flat" cmpd="sng" algn="ctr">
+                      <a:solidFill>
+                        <a:srgbClr val="000000"/>
+                      </a:solidFill>
+                      <a:prstDash val="solid"/>
+                      <a:round/>
+                      <a:headEnd type="none" w="med" len="med"/>
+                      <a:tailEnd type="none" w="med" len="med"/>
+                    </a:lnB>
+                    <a:solidFill>
+                      <a:srgbClr val="F2CCD0"/>
+                    </a:solidFill>
+                  </a:tcPr>
+                </a:tc>
+                <a:tc>
+                  <a:txBody>
+                    <a:bodyPr/>
+                    <a:lstStyle/>
+                    <a:p>
+                      <a:pPr algn="ctr" fontAlgn="ctr"/>
+                      <a:r>
+                        <a:rPr lang="en-US" sz="1100" b="0" i="0" u="none" strike="noStrike" dirty="0">
+                          <a:solidFill>
+                            <a:srgbClr val="000000"/>
+                          </a:solidFill>
+                          <a:effectLst/>
+                          <a:latin typeface="Calibri" panose="020F0502020204030204" pitchFamily="34" charset="0"/>
+                        </a:rPr>
+                        <a:t>0.06</a:t>
+                      </a:r>
+                    </a:p>
+                  </a:txBody>
+                  <a:tcPr marL="9525" marR="9525" marT="9525" marB="0" anchor="ctr">
+                    <a:lnL w="6350" cap="flat" cmpd="sng" algn="ctr">
+                      <a:solidFill>
+                        <a:srgbClr val="000000"/>
+                      </a:solidFill>
+                      <a:prstDash val="solid"/>
+                      <a:round/>
+                      <a:headEnd type="none" w="med" len="med"/>
+                      <a:tailEnd type="none" w="med" len="med"/>
+                    </a:lnL>
+                    <a:lnR w="6350" cap="flat" cmpd="sng" algn="ctr">
+                      <a:solidFill>
+                        <a:srgbClr val="000000"/>
+                      </a:solidFill>
+                      <a:prstDash val="solid"/>
+                      <a:round/>
+                      <a:headEnd type="none" w="med" len="med"/>
+                      <a:tailEnd type="none" w="med" len="med"/>
+                    </a:lnR>
+                    <a:lnT w="6350" cap="flat" cmpd="sng" algn="ctr">
+                      <a:solidFill>
+                        <a:srgbClr val="000000"/>
+                      </a:solidFill>
+                      <a:prstDash val="solid"/>
+                      <a:round/>
+                      <a:headEnd type="none" w="med" len="med"/>
+                      <a:tailEnd type="none" w="med" len="med"/>
+                    </a:lnT>
+                    <a:lnB w="6350" cap="flat" cmpd="sng" algn="ctr">
+                      <a:solidFill>
+                        <a:srgbClr val="000000"/>
+                      </a:solidFill>
+                      <a:prstDash val="solid"/>
+                      <a:round/>
+                      <a:headEnd type="none" w="med" len="med"/>
+                      <a:tailEnd type="none" w="med" len="med"/>
+                    </a:lnB>
+                  </a:tcPr>
+                </a:tc>
+                <a:extLst>
+                  <a:ext uri="{0D108BD9-81ED-4DB2-BD59-A6C34878D82A}">
+                    <a16:rowId xmlns:a16="http://schemas.microsoft.com/office/drawing/2014/main" val="2152158642"/>
+                  </a:ext>
+                </a:extLst>
+              </a:tr>
+            </a:tbl>
+          </a:graphicData>
+        </a:graphic>
+      </p:graphicFrame>
     </p:spTree>
     <p:extLst>
       <p:ext uri="{BB962C8B-B14F-4D97-AF65-F5344CB8AC3E}">
-        <p14:creationId xmlns:p14="http://schemas.microsoft.com/office/powerpoint/2010/main" val="1304269295"/>
+        <p14:creationId xmlns:p14="http://schemas.microsoft.com/office/powerpoint/2010/main" val="2831345001"/>
       </p:ext>
     </p:extLst>
   </p:cSld>
@@ -4644,17 +6234,17 @@
           <a:p>
             <a:r>
               <a:rPr lang="en-US" dirty="0"/>
-              <a:t>IBU Category vs ABV Category</a:t>
+              <a:t>Beer Styles by State</a:t>
             </a:r>
           </a:p>
         </p:txBody>
       </p:sp>
       <p:pic>
         <p:nvPicPr>
-          <p:cNvPr id="5" name="Picture 4">
-            <a:extLst>
-              <a:ext uri="{FF2B5EF4-FFF2-40B4-BE49-F238E27FC236}">
-                <a16:creationId xmlns:a16="http://schemas.microsoft.com/office/drawing/2014/main" id="{AA844C9B-A35C-42F8-868A-00B30503D27A}"/>
+          <p:cNvPr id="4" name="Picture 3">
+            <a:extLst>
+              <a:ext uri="{FF2B5EF4-FFF2-40B4-BE49-F238E27FC236}">
+                <a16:creationId xmlns:a16="http://schemas.microsoft.com/office/drawing/2014/main" id="{DA6C58BB-7FC9-492D-938D-010F1C415EA4}"/>
               </a:ext>
             </a:extLst>
           </p:cNvPr>
@@ -4671,58 +6261,1230 @@
         </p:blipFill>
         <p:spPr>
           <a:xfrm>
-            <a:off x="730718" y="1763827"/>
-            <a:ext cx="10383920" cy="4088333"/>
+            <a:off x="137159" y="3579565"/>
+            <a:ext cx="6557129" cy="3200400"/>
           </a:xfrm>
           <a:prstGeom prst="rect">
             <a:avLst/>
           </a:prstGeom>
         </p:spPr>
       </p:pic>
-      <p:sp>
-        <p:nvSpPr>
-          <p:cNvPr id="8" name="TextBox 7">
-            <a:extLst>
-              <a:ext uri="{FF2B5EF4-FFF2-40B4-BE49-F238E27FC236}">
-                <a16:creationId xmlns:a16="http://schemas.microsoft.com/office/drawing/2014/main" id="{03E014B6-E43C-4EF0-A6F7-8C5D5561AA80}"/>
-              </a:ext>
-            </a:extLst>
-          </p:cNvPr>
-          <p:cNvSpPr txBox="1"/>
+      <p:pic>
+        <p:nvPicPr>
+          <p:cNvPr id="6" name="Picture 5">
+            <a:extLst>
+              <a:ext uri="{FF2B5EF4-FFF2-40B4-BE49-F238E27FC236}">
+                <a16:creationId xmlns:a16="http://schemas.microsoft.com/office/drawing/2014/main" id="{0F677970-E4EB-460E-BD78-DB549C44289B}"/>
+              </a:ext>
+            </a:extLst>
+          </p:cNvPr>
+          <p:cNvPicPr>
+            <a:picLocks noChangeAspect="1"/>
+          </p:cNvPicPr>
           <p:nvPr/>
-        </p:nvSpPr>
+        </p:nvPicPr>
+        <p:blipFill>
+          <a:blip r:embed="rId3"/>
+          <a:stretch>
+            <a:fillRect/>
+          </a:stretch>
+        </p:blipFill>
         <p:spPr>
           <a:xfrm>
-            <a:off x="1284065" y="1232746"/>
-            <a:ext cx="6096000" cy="369332"/>
+            <a:off x="5392156" y="1208719"/>
+            <a:ext cx="6565814" cy="3200400"/>
           </a:xfrm>
           <a:prstGeom prst="rect">
             <a:avLst/>
           </a:prstGeom>
-          <a:noFill/>
         </p:spPr>
-        <p:txBody>
-          <a:bodyPr wrap="square">
-            <a:spAutoFit/>
-          </a:bodyPr>
-          <a:lstStyle/>
-          <a:p>
-            <a:r>
-              <a:rPr lang="en-US" dirty="0"/>
-              <a:t>(</a:t>
-            </a:r>
-            <a:r>
-              <a:rPr lang="en-US" sz="1800" dirty="0"/>
-              <a:t>cont.)</a:t>
-            </a:r>
-            <a:endParaRPr lang="en-US" dirty="0"/>
-          </a:p>
-        </p:txBody>
-      </p:sp>
+      </p:pic>
+      <p:graphicFrame>
+        <p:nvGraphicFramePr>
+          <p:cNvPr id="3" name="Table 2">
+            <a:extLst>
+              <a:ext uri="{FF2B5EF4-FFF2-40B4-BE49-F238E27FC236}">
+                <a16:creationId xmlns:a16="http://schemas.microsoft.com/office/drawing/2014/main" id="{F3B666F1-67E6-48E9-B1D9-A528FC97DE8F}"/>
+              </a:ext>
+            </a:extLst>
+          </p:cNvPr>
+          <p:cNvGraphicFramePr>
+            <a:graphicFrameLocks noGrp="1"/>
+          </p:cNvGraphicFramePr>
+          <p:nvPr/>
+        </p:nvGraphicFramePr>
+        <p:xfrm>
+          <a:off x="7765349" y="4792031"/>
+          <a:ext cx="1498600" cy="1714500"/>
+        </p:xfrm>
+        <a:graphic>
+          <a:graphicData uri="http://schemas.openxmlformats.org/drawingml/2006/table">
+            <a:tbl>
+              <a:tblPr/>
+              <a:tblGrid>
+                <a:gridCol w="749300">
+                  <a:extLst>
+                    <a:ext uri="{9D8B030D-6E8A-4147-A177-3AD203B41FA5}">
+                      <a16:colId xmlns:a16="http://schemas.microsoft.com/office/drawing/2014/main" val="1869955757"/>
+                    </a:ext>
+                  </a:extLst>
+                </a:gridCol>
+                <a:gridCol w="749300">
+                  <a:extLst>
+                    <a:ext uri="{9D8B030D-6E8A-4147-A177-3AD203B41FA5}">
+                      <a16:colId xmlns:a16="http://schemas.microsoft.com/office/drawing/2014/main" val="2441521706"/>
+                    </a:ext>
+                  </a:extLst>
+                </a:gridCol>
+              </a:tblGrid>
+              <a:tr h="190500">
+                <a:tc>
+                  <a:txBody>
+                    <a:bodyPr/>
+                    <a:lstStyle/>
+                    <a:p>
+                      <a:pPr algn="ctr" fontAlgn="ctr"/>
+                      <a:r>
+                        <a:rPr lang="en-US" sz="1100" b="0" i="0" u="none" strike="noStrike" dirty="0">
+                          <a:solidFill>
+                            <a:srgbClr val="000000"/>
+                          </a:solidFill>
+                          <a:effectLst/>
+                          <a:latin typeface="Calibri" panose="020F0502020204030204" pitchFamily="34" charset="0"/>
+                        </a:rPr>
+                        <a:t>Style</a:t>
+                      </a:r>
+                    </a:p>
+                  </a:txBody>
+                  <a:tcPr marL="9525" marR="9525" marT="9525" marB="0" anchor="ctr">
+                    <a:lnL w="6350" cap="flat" cmpd="sng" algn="ctr">
+                      <a:solidFill>
+                        <a:srgbClr val="000000"/>
+                      </a:solidFill>
+                      <a:prstDash val="solid"/>
+                      <a:round/>
+                      <a:headEnd type="none" w="med" len="med"/>
+                      <a:tailEnd type="none" w="med" len="med"/>
+                    </a:lnL>
+                    <a:lnR w="6350" cap="flat" cmpd="sng" algn="ctr">
+                      <a:solidFill>
+                        <a:srgbClr val="000000"/>
+                      </a:solidFill>
+                      <a:prstDash val="solid"/>
+                      <a:round/>
+                      <a:headEnd type="none" w="med" len="med"/>
+                      <a:tailEnd type="none" w="med" len="med"/>
+                    </a:lnR>
+                    <a:lnT w="6350" cap="flat" cmpd="sng" algn="ctr">
+                      <a:solidFill>
+                        <a:srgbClr val="000000"/>
+                      </a:solidFill>
+                      <a:prstDash val="solid"/>
+                      <a:round/>
+                      <a:headEnd type="none" w="med" len="med"/>
+                      <a:tailEnd type="none" w="med" len="med"/>
+                    </a:lnT>
+                    <a:lnB w="6350" cap="flat" cmpd="sng" algn="ctr">
+                      <a:solidFill>
+                        <a:srgbClr val="000000"/>
+                      </a:solidFill>
+                      <a:prstDash val="solid"/>
+                      <a:round/>
+                      <a:headEnd type="none" w="med" len="med"/>
+                      <a:tailEnd type="none" w="med" len="med"/>
+                    </a:lnB>
+                    <a:solidFill>
+                      <a:schemeClr val="bg2">
+                        <a:lumMod val="75000"/>
+                      </a:schemeClr>
+                    </a:solidFill>
+                  </a:tcPr>
+                </a:tc>
+                <a:tc>
+                  <a:txBody>
+                    <a:bodyPr/>
+                    <a:lstStyle/>
+                    <a:p>
+                      <a:pPr algn="ctr" fontAlgn="ctr"/>
+                      <a:r>
+                        <a:rPr lang="en-US" sz="1100" b="0" i="0" u="none" strike="noStrike" dirty="0">
+                          <a:solidFill>
+                            <a:srgbClr val="000000"/>
+                          </a:solidFill>
+                          <a:effectLst/>
+                          <a:latin typeface="Calibri" panose="020F0502020204030204" pitchFamily="34" charset="0"/>
+                        </a:rPr>
+                        <a:t>Count</a:t>
+                      </a:r>
+                    </a:p>
+                  </a:txBody>
+                  <a:tcPr marL="9525" marR="9525" marT="9525" marB="0" anchor="ctr">
+                    <a:lnL w="6350" cap="flat" cmpd="sng" algn="ctr">
+                      <a:solidFill>
+                        <a:srgbClr val="000000"/>
+                      </a:solidFill>
+                      <a:prstDash val="solid"/>
+                      <a:round/>
+                      <a:headEnd type="none" w="med" len="med"/>
+                      <a:tailEnd type="none" w="med" len="med"/>
+                    </a:lnL>
+                    <a:lnR w="6350" cap="flat" cmpd="sng" algn="ctr">
+                      <a:solidFill>
+                        <a:srgbClr val="000000"/>
+                      </a:solidFill>
+                      <a:prstDash val="solid"/>
+                      <a:round/>
+                      <a:headEnd type="none" w="med" len="med"/>
+                      <a:tailEnd type="none" w="med" len="med"/>
+                    </a:lnR>
+                    <a:lnT w="6350" cap="flat" cmpd="sng" algn="ctr">
+                      <a:solidFill>
+                        <a:srgbClr val="000000"/>
+                      </a:solidFill>
+                      <a:prstDash val="solid"/>
+                      <a:round/>
+                      <a:headEnd type="none" w="med" len="med"/>
+                      <a:tailEnd type="none" w="med" len="med"/>
+                    </a:lnT>
+                    <a:lnB w="6350" cap="flat" cmpd="sng" algn="ctr">
+                      <a:solidFill>
+                        <a:srgbClr val="000000"/>
+                      </a:solidFill>
+                      <a:prstDash val="solid"/>
+                      <a:round/>
+                      <a:headEnd type="none" w="med" len="med"/>
+                      <a:tailEnd type="none" w="med" len="med"/>
+                    </a:lnB>
+                    <a:solidFill>
+                      <a:schemeClr val="accent6">
+                        <a:lumMod val="60000"/>
+                        <a:lumOff val="40000"/>
+                      </a:schemeClr>
+                    </a:solidFill>
+                  </a:tcPr>
+                </a:tc>
+                <a:extLst>
+                  <a:ext uri="{0D108BD9-81ED-4DB2-BD59-A6C34878D82A}">
+                    <a16:rowId xmlns:a16="http://schemas.microsoft.com/office/drawing/2014/main" val="4243191207"/>
+                  </a:ext>
+                </a:extLst>
+              </a:tr>
+              <a:tr h="190500">
+                <a:tc>
+                  <a:txBody>
+                    <a:bodyPr/>
+                    <a:lstStyle/>
+                    <a:p>
+                      <a:pPr algn="l" fontAlgn="ctr"/>
+                      <a:r>
+                        <a:rPr lang="en-US" sz="1100" b="0" i="0" u="none" strike="noStrike" dirty="0">
+                          <a:solidFill>
+                            <a:srgbClr val="000000"/>
+                          </a:solidFill>
+                          <a:effectLst/>
+                          <a:latin typeface="Calibri" panose="020F0502020204030204" pitchFamily="34" charset="0"/>
+                        </a:rPr>
+                        <a:t>Ale</a:t>
+                      </a:r>
+                    </a:p>
+                  </a:txBody>
+                  <a:tcPr marL="9525" marR="9525" marT="9525" marB="0" anchor="ctr">
+                    <a:lnL w="6350" cap="flat" cmpd="sng" algn="ctr">
+                      <a:solidFill>
+                        <a:srgbClr val="000000"/>
+                      </a:solidFill>
+                      <a:prstDash val="solid"/>
+                      <a:round/>
+                      <a:headEnd type="none" w="med" len="med"/>
+                      <a:tailEnd type="none" w="med" len="med"/>
+                    </a:lnL>
+                    <a:lnR w="6350" cap="flat" cmpd="sng" algn="ctr">
+                      <a:solidFill>
+                        <a:srgbClr val="000000"/>
+                      </a:solidFill>
+                      <a:prstDash val="solid"/>
+                      <a:round/>
+                      <a:headEnd type="none" w="med" len="med"/>
+                      <a:tailEnd type="none" w="med" len="med"/>
+                    </a:lnR>
+                    <a:lnT w="6350" cap="flat" cmpd="sng" algn="ctr">
+                      <a:solidFill>
+                        <a:srgbClr val="000000"/>
+                      </a:solidFill>
+                      <a:prstDash val="solid"/>
+                      <a:round/>
+                      <a:headEnd type="none" w="med" len="med"/>
+                      <a:tailEnd type="none" w="med" len="med"/>
+                    </a:lnT>
+                    <a:lnB w="6350" cap="flat" cmpd="sng" algn="ctr">
+                      <a:solidFill>
+                        <a:srgbClr val="000000"/>
+                      </a:solidFill>
+                      <a:prstDash val="solid"/>
+                      <a:round/>
+                      <a:headEnd type="none" w="med" len="med"/>
+                      <a:tailEnd type="none" w="med" len="med"/>
+                    </a:lnB>
+                    <a:solidFill>
+                      <a:schemeClr val="bg1">
+                        <a:lumMod val="95000"/>
+                      </a:schemeClr>
+                    </a:solidFill>
+                  </a:tcPr>
+                </a:tc>
+                <a:tc>
+                  <a:txBody>
+                    <a:bodyPr/>
+                    <a:lstStyle/>
+                    <a:p>
+                      <a:pPr algn="ctr" fontAlgn="ctr"/>
+                      <a:r>
+                        <a:rPr lang="en-US" sz="1100" b="0" i="0" u="none" strike="noStrike" dirty="0">
+                          <a:solidFill>
+                            <a:srgbClr val="000000"/>
+                          </a:solidFill>
+                          <a:effectLst/>
+                          <a:latin typeface="Calibri" panose="020F0502020204030204" pitchFamily="34" charset="0"/>
+                        </a:rPr>
+                        <a:t>1,090</a:t>
+                      </a:r>
+                    </a:p>
+                  </a:txBody>
+                  <a:tcPr marL="9525" marR="9525" marT="9525" marB="0" anchor="ctr">
+                    <a:lnL w="6350" cap="flat" cmpd="sng" algn="ctr">
+                      <a:solidFill>
+                        <a:srgbClr val="000000"/>
+                      </a:solidFill>
+                      <a:prstDash val="solid"/>
+                      <a:round/>
+                      <a:headEnd type="none" w="med" len="med"/>
+                      <a:tailEnd type="none" w="med" len="med"/>
+                    </a:lnL>
+                    <a:lnR w="6350" cap="flat" cmpd="sng" algn="ctr">
+                      <a:solidFill>
+                        <a:srgbClr val="000000"/>
+                      </a:solidFill>
+                      <a:prstDash val="solid"/>
+                      <a:round/>
+                      <a:headEnd type="none" w="med" len="med"/>
+                      <a:tailEnd type="none" w="med" len="med"/>
+                    </a:lnR>
+                    <a:lnT w="6350" cap="flat" cmpd="sng" algn="ctr">
+                      <a:solidFill>
+                        <a:srgbClr val="000000"/>
+                      </a:solidFill>
+                      <a:prstDash val="solid"/>
+                      <a:round/>
+                      <a:headEnd type="none" w="med" len="med"/>
+                      <a:tailEnd type="none" w="med" len="med"/>
+                    </a:lnT>
+                    <a:lnB w="6350" cap="flat" cmpd="sng" algn="ctr">
+                      <a:solidFill>
+                        <a:srgbClr val="000000"/>
+                      </a:solidFill>
+                      <a:prstDash val="solid"/>
+                      <a:round/>
+                      <a:headEnd type="none" w="med" len="med"/>
+                      <a:tailEnd type="none" w="med" len="med"/>
+                    </a:lnB>
+                  </a:tcPr>
+                </a:tc>
+                <a:extLst>
+                  <a:ext uri="{0D108BD9-81ED-4DB2-BD59-A6C34878D82A}">
+                    <a16:rowId xmlns:a16="http://schemas.microsoft.com/office/drawing/2014/main" val="1946926478"/>
+                  </a:ext>
+                </a:extLst>
+              </a:tr>
+              <a:tr h="190500">
+                <a:tc>
+                  <a:txBody>
+                    <a:bodyPr/>
+                    <a:lstStyle/>
+                    <a:p>
+                      <a:pPr algn="l" fontAlgn="ctr"/>
+                      <a:r>
+                        <a:rPr lang="en-US" sz="1100" b="0" i="0" u="none" strike="noStrike">
+                          <a:solidFill>
+                            <a:srgbClr val="000000"/>
+                          </a:solidFill>
+                          <a:effectLst/>
+                          <a:latin typeface="Calibri" panose="020F0502020204030204" pitchFamily="34" charset="0"/>
+                        </a:rPr>
+                        <a:t>IPA</a:t>
+                      </a:r>
+                    </a:p>
+                  </a:txBody>
+                  <a:tcPr marL="9525" marR="9525" marT="9525" marB="0" anchor="ctr">
+                    <a:lnL w="6350" cap="flat" cmpd="sng" algn="ctr">
+                      <a:solidFill>
+                        <a:srgbClr val="000000"/>
+                      </a:solidFill>
+                      <a:prstDash val="solid"/>
+                      <a:round/>
+                      <a:headEnd type="none" w="med" len="med"/>
+                      <a:tailEnd type="none" w="med" len="med"/>
+                    </a:lnL>
+                    <a:lnR w="6350" cap="flat" cmpd="sng" algn="ctr">
+                      <a:solidFill>
+                        <a:srgbClr val="000000"/>
+                      </a:solidFill>
+                      <a:prstDash val="solid"/>
+                      <a:round/>
+                      <a:headEnd type="none" w="med" len="med"/>
+                      <a:tailEnd type="none" w="med" len="med"/>
+                    </a:lnR>
+                    <a:lnT w="6350" cap="flat" cmpd="sng" algn="ctr">
+                      <a:solidFill>
+                        <a:srgbClr val="000000"/>
+                      </a:solidFill>
+                      <a:prstDash val="solid"/>
+                      <a:round/>
+                      <a:headEnd type="none" w="med" len="med"/>
+                      <a:tailEnd type="none" w="med" len="med"/>
+                    </a:lnT>
+                    <a:lnB w="6350" cap="flat" cmpd="sng" algn="ctr">
+                      <a:solidFill>
+                        <a:srgbClr val="000000"/>
+                      </a:solidFill>
+                      <a:prstDash val="solid"/>
+                      <a:round/>
+                      <a:headEnd type="none" w="med" len="med"/>
+                      <a:tailEnd type="none" w="med" len="med"/>
+                    </a:lnB>
+                    <a:solidFill>
+                      <a:schemeClr val="bg1">
+                        <a:lumMod val="95000"/>
+                      </a:schemeClr>
+                    </a:solidFill>
+                  </a:tcPr>
+                </a:tc>
+                <a:tc>
+                  <a:txBody>
+                    <a:bodyPr/>
+                    <a:lstStyle/>
+                    <a:p>
+                      <a:pPr algn="ctr" fontAlgn="ctr"/>
+                      <a:r>
+                        <a:rPr lang="en-US" sz="1100" b="0" i="0" u="none" strike="noStrike">
+                          <a:solidFill>
+                            <a:srgbClr val="000000"/>
+                          </a:solidFill>
+                          <a:effectLst/>
+                          <a:latin typeface="Calibri" panose="020F0502020204030204" pitchFamily="34" charset="0"/>
+                        </a:rPr>
+                        <a:t>558</a:t>
+                      </a:r>
+                    </a:p>
+                  </a:txBody>
+                  <a:tcPr marL="9525" marR="9525" marT="9525" marB="0" anchor="ctr">
+                    <a:lnL w="6350" cap="flat" cmpd="sng" algn="ctr">
+                      <a:solidFill>
+                        <a:srgbClr val="000000"/>
+                      </a:solidFill>
+                      <a:prstDash val="solid"/>
+                      <a:round/>
+                      <a:headEnd type="none" w="med" len="med"/>
+                      <a:tailEnd type="none" w="med" len="med"/>
+                    </a:lnL>
+                    <a:lnR w="6350" cap="flat" cmpd="sng" algn="ctr">
+                      <a:solidFill>
+                        <a:srgbClr val="000000"/>
+                      </a:solidFill>
+                      <a:prstDash val="solid"/>
+                      <a:round/>
+                      <a:headEnd type="none" w="med" len="med"/>
+                      <a:tailEnd type="none" w="med" len="med"/>
+                    </a:lnR>
+                    <a:lnT w="6350" cap="flat" cmpd="sng" algn="ctr">
+                      <a:solidFill>
+                        <a:srgbClr val="000000"/>
+                      </a:solidFill>
+                      <a:prstDash val="solid"/>
+                      <a:round/>
+                      <a:headEnd type="none" w="med" len="med"/>
+                      <a:tailEnd type="none" w="med" len="med"/>
+                    </a:lnT>
+                    <a:lnB w="6350" cap="flat" cmpd="sng" algn="ctr">
+                      <a:solidFill>
+                        <a:srgbClr val="000000"/>
+                      </a:solidFill>
+                      <a:prstDash val="solid"/>
+                      <a:round/>
+                      <a:headEnd type="none" w="med" len="med"/>
+                      <a:tailEnd type="none" w="med" len="med"/>
+                    </a:lnB>
+                  </a:tcPr>
+                </a:tc>
+                <a:extLst>
+                  <a:ext uri="{0D108BD9-81ED-4DB2-BD59-A6C34878D82A}">
+                    <a16:rowId xmlns:a16="http://schemas.microsoft.com/office/drawing/2014/main" val="1704549686"/>
+                  </a:ext>
+                </a:extLst>
+              </a:tr>
+              <a:tr h="190500">
+                <a:tc>
+                  <a:txBody>
+                    <a:bodyPr/>
+                    <a:lstStyle/>
+                    <a:p>
+                      <a:pPr algn="l" fontAlgn="ctr"/>
+                      <a:r>
+                        <a:rPr lang="en-US" sz="1100" b="0" i="0" u="none" strike="noStrike">
+                          <a:solidFill>
+                            <a:srgbClr val="000000"/>
+                          </a:solidFill>
+                          <a:effectLst/>
+                          <a:latin typeface="Calibri" panose="020F0502020204030204" pitchFamily="34" charset="0"/>
+                        </a:rPr>
+                        <a:t>Other</a:t>
+                      </a:r>
+                    </a:p>
+                  </a:txBody>
+                  <a:tcPr marL="9525" marR="9525" marT="9525" marB="0" anchor="ctr">
+                    <a:lnL w="6350" cap="flat" cmpd="sng" algn="ctr">
+                      <a:solidFill>
+                        <a:srgbClr val="000000"/>
+                      </a:solidFill>
+                      <a:prstDash val="solid"/>
+                      <a:round/>
+                      <a:headEnd type="none" w="med" len="med"/>
+                      <a:tailEnd type="none" w="med" len="med"/>
+                    </a:lnL>
+                    <a:lnR w="6350" cap="flat" cmpd="sng" algn="ctr">
+                      <a:solidFill>
+                        <a:srgbClr val="000000"/>
+                      </a:solidFill>
+                      <a:prstDash val="solid"/>
+                      <a:round/>
+                      <a:headEnd type="none" w="med" len="med"/>
+                      <a:tailEnd type="none" w="med" len="med"/>
+                    </a:lnR>
+                    <a:lnT w="6350" cap="flat" cmpd="sng" algn="ctr">
+                      <a:solidFill>
+                        <a:srgbClr val="000000"/>
+                      </a:solidFill>
+                      <a:prstDash val="solid"/>
+                      <a:round/>
+                      <a:headEnd type="none" w="med" len="med"/>
+                      <a:tailEnd type="none" w="med" len="med"/>
+                    </a:lnT>
+                    <a:lnB w="6350" cap="flat" cmpd="sng" algn="ctr">
+                      <a:solidFill>
+                        <a:srgbClr val="000000"/>
+                      </a:solidFill>
+                      <a:prstDash val="solid"/>
+                      <a:round/>
+                      <a:headEnd type="none" w="med" len="med"/>
+                      <a:tailEnd type="none" w="med" len="med"/>
+                    </a:lnB>
+                    <a:solidFill>
+                      <a:schemeClr val="bg1">
+                        <a:lumMod val="95000"/>
+                      </a:schemeClr>
+                    </a:solidFill>
+                  </a:tcPr>
+                </a:tc>
+                <a:tc>
+                  <a:txBody>
+                    <a:bodyPr/>
+                    <a:lstStyle/>
+                    <a:p>
+                      <a:pPr algn="ctr" fontAlgn="ctr"/>
+                      <a:r>
+                        <a:rPr lang="en-US" sz="1100" b="0" i="0" u="none" strike="noStrike">
+                          <a:solidFill>
+                            <a:srgbClr val="000000"/>
+                          </a:solidFill>
+                          <a:effectLst/>
+                          <a:latin typeface="Calibri" panose="020F0502020204030204" pitchFamily="34" charset="0"/>
+                        </a:rPr>
+                        <a:t>242</a:t>
+                      </a:r>
+                    </a:p>
+                  </a:txBody>
+                  <a:tcPr marL="9525" marR="9525" marT="9525" marB="0" anchor="ctr">
+                    <a:lnL w="6350" cap="flat" cmpd="sng" algn="ctr">
+                      <a:solidFill>
+                        <a:srgbClr val="000000"/>
+                      </a:solidFill>
+                      <a:prstDash val="solid"/>
+                      <a:round/>
+                      <a:headEnd type="none" w="med" len="med"/>
+                      <a:tailEnd type="none" w="med" len="med"/>
+                    </a:lnL>
+                    <a:lnR w="6350" cap="flat" cmpd="sng" algn="ctr">
+                      <a:solidFill>
+                        <a:srgbClr val="000000"/>
+                      </a:solidFill>
+                      <a:prstDash val="solid"/>
+                      <a:round/>
+                      <a:headEnd type="none" w="med" len="med"/>
+                      <a:tailEnd type="none" w="med" len="med"/>
+                    </a:lnR>
+                    <a:lnT w="6350" cap="flat" cmpd="sng" algn="ctr">
+                      <a:solidFill>
+                        <a:srgbClr val="000000"/>
+                      </a:solidFill>
+                      <a:prstDash val="solid"/>
+                      <a:round/>
+                      <a:headEnd type="none" w="med" len="med"/>
+                      <a:tailEnd type="none" w="med" len="med"/>
+                    </a:lnT>
+                    <a:lnB w="6350" cap="flat" cmpd="sng" algn="ctr">
+                      <a:solidFill>
+                        <a:srgbClr val="000000"/>
+                      </a:solidFill>
+                      <a:prstDash val="solid"/>
+                      <a:round/>
+                      <a:headEnd type="none" w="med" len="med"/>
+                      <a:tailEnd type="none" w="med" len="med"/>
+                    </a:lnB>
+                  </a:tcPr>
+                </a:tc>
+                <a:extLst>
+                  <a:ext uri="{0D108BD9-81ED-4DB2-BD59-A6C34878D82A}">
+                    <a16:rowId xmlns:a16="http://schemas.microsoft.com/office/drawing/2014/main" val="2649564938"/>
+                  </a:ext>
+                </a:extLst>
+              </a:tr>
+              <a:tr h="190500">
+                <a:tc>
+                  <a:txBody>
+                    <a:bodyPr/>
+                    <a:lstStyle/>
+                    <a:p>
+                      <a:pPr algn="l" fontAlgn="ctr"/>
+                      <a:r>
+                        <a:rPr lang="en-US" sz="1100" b="0" i="0" u="none" strike="noStrike">
+                          <a:solidFill>
+                            <a:srgbClr val="000000"/>
+                          </a:solidFill>
+                          <a:effectLst/>
+                          <a:latin typeface="Calibri" panose="020F0502020204030204" pitchFamily="34" charset="0"/>
+                        </a:rPr>
+                        <a:t>Lager</a:t>
+                      </a:r>
+                    </a:p>
+                  </a:txBody>
+                  <a:tcPr marL="9525" marR="9525" marT="9525" marB="0" anchor="ctr">
+                    <a:lnL w="6350" cap="flat" cmpd="sng" algn="ctr">
+                      <a:solidFill>
+                        <a:srgbClr val="000000"/>
+                      </a:solidFill>
+                      <a:prstDash val="solid"/>
+                      <a:round/>
+                      <a:headEnd type="none" w="med" len="med"/>
+                      <a:tailEnd type="none" w="med" len="med"/>
+                    </a:lnL>
+                    <a:lnR w="6350" cap="flat" cmpd="sng" algn="ctr">
+                      <a:solidFill>
+                        <a:srgbClr val="000000"/>
+                      </a:solidFill>
+                      <a:prstDash val="solid"/>
+                      <a:round/>
+                      <a:headEnd type="none" w="med" len="med"/>
+                      <a:tailEnd type="none" w="med" len="med"/>
+                    </a:lnR>
+                    <a:lnT w="6350" cap="flat" cmpd="sng" algn="ctr">
+                      <a:solidFill>
+                        <a:srgbClr val="000000"/>
+                      </a:solidFill>
+                      <a:prstDash val="solid"/>
+                      <a:round/>
+                      <a:headEnd type="none" w="med" len="med"/>
+                      <a:tailEnd type="none" w="med" len="med"/>
+                    </a:lnT>
+                    <a:lnB w="6350" cap="flat" cmpd="sng" algn="ctr">
+                      <a:solidFill>
+                        <a:srgbClr val="000000"/>
+                      </a:solidFill>
+                      <a:prstDash val="solid"/>
+                      <a:round/>
+                      <a:headEnd type="none" w="med" len="med"/>
+                      <a:tailEnd type="none" w="med" len="med"/>
+                    </a:lnB>
+                    <a:solidFill>
+                      <a:schemeClr val="bg1">
+                        <a:lumMod val="95000"/>
+                      </a:schemeClr>
+                    </a:solidFill>
+                  </a:tcPr>
+                </a:tc>
+                <a:tc>
+                  <a:txBody>
+                    <a:bodyPr/>
+                    <a:lstStyle/>
+                    <a:p>
+                      <a:pPr algn="ctr" fontAlgn="ctr"/>
+                      <a:r>
+                        <a:rPr lang="en-US" sz="1100" b="0" i="0" u="none" strike="noStrike">
+                          <a:solidFill>
+                            <a:srgbClr val="000000"/>
+                          </a:solidFill>
+                          <a:effectLst/>
+                          <a:latin typeface="Calibri" panose="020F0502020204030204" pitchFamily="34" charset="0"/>
+                        </a:rPr>
+                        <a:t>235</a:t>
+                      </a:r>
+                    </a:p>
+                  </a:txBody>
+                  <a:tcPr marL="9525" marR="9525" marT="9525" marB="0" anchor="ctr">
+                    <a:lnL w="6350" cap="flat" cmpd="sng" algn="ctr">
+                      <a:solidFill>
+                        <a:srgbClr val="000000"/>
+                      </a:solidFill>
+                      <a:prstDash val="solid"/>
+                      <a:round/>
+                      <a:headEnd type="none" w="med" len="med"/>
+                      <a:tailEnd type="none" w="med" len="med"/>
+                    </a:lnL>
+                    <a:lnR w="6350" cap="flat" cmpd="sng" algn="ctr">
+                      <a:solidFill>
+                        <a:srgbClr val="000000"/>
+                      </a:solidFill>
+                      <a:prstDash val="solid"/>
+                      <a:round/>
+                      <a:headEnd type="none" w="med" len="med"/>
+                      <a:tailEnd type="none" w="med" len="med"/>
+                    </a:lnR>
+                    <a:lnT w="6350" cap="flat" cmpd="sng" algn="ctr">
+                      <a:solidFill>
+                        <a:srgbClr val="000000"/>
+                      </a:solidFill>
+                      <a:prstDash val="solid"/>
+                      <a:round/>
+                      <a:headEnd type="none" w="med" len="med"/>
+                      <a:tailEnd type="none" w="med" len="med"/>
+                    </a:lnT>
+                    <a:lnB w="6350" cap="flat" cmpd="sng" algn="ctr">
+                      <a:solidFill>
+                        <a:srgbClr val="000000"/>
+                      </a:solidFill>
+                      <a:prstDash val="solid"/>
+                      <a:round/>
+                      <a:headEnd type="none" w="med" len="med"/>
+                      <a:tailEnd type="none" w="med" len="med"/>
+                    </a:lnB>
+                  </a:tcPr>
+                </a:tc>
+                <a:extLst>
+                  <a:ext uri="{0D108BD9-81ED-4DB2-BD59-A6C34878D82A}">
+                    <a16:rowId xmlns:a16="http://schemas.microsoft.com/office/drawing/2014/main" val="1466064690"/>
+                  </a:ext>
+                </a:extLst>
+              </a:tr>
+              <a:tr h="190500">
+                <a:tc>
+                  <a:txBody>
+                    <a:bodyPr/>
+                    <a:lstStyle/>
+                    <a:p>
+                      <a:pPr algn="l" fontAlgn="ctr"/>
+                      <a:r>
+                        <a:rPr lang="en-US" sz="1100" b="0" i="0" u="none" strike="noStrike">
+                          <a:solidFill>
+                            <a:srgbClr val="000000"/>
+                          </a:solidFill>
+                          <a:effectLst/>
+                          <a:latin typeface="Calibri" panose="020F0502020204030204" pitchFamily="34" charset="0"/>
+                        </a:rPr>
+                        <a:t>Stout</a:t>
+                      </a:r>
+                    </a:p>
+                  </a:txBody>
+                  <a:tcPr marL="9525" marR="9525" marT="9525" marB="0" anchor="ctr">
+                    <a:lnL w="6350" cap="flat" cmpd="sng" algn="ctr">
+                      <a:solidFill>
+                        <a:srgbClr val="000000"/>
+                      </a:solidFill>
+                      <a:prstDash val="solid"/>
+                      <a:round/>
+                      <a:headEnd type="none" w="med" len="med"/>
+                      <a:tailEnd type="none" w="med" len="med"/>
+                    </a:lnL>
+                    <a:lnR w="6350" cap="flat" cmpd="sng" algn="ctr">
+                      <a:solidFill>
+                        <a:srgbClr val="000000"/>
+                      </a:solidFill>
+                      <a:prstDash val="solid"/>
+                      <a:round/>
+                      <a:headEnd type="none" w="med" len="med"/>
+                      <a:tailEnd type="none" w="med" len="med"/>
+                    </a:lnR>
+                    <a:lnT w="6350" cap="flat" cmpd="sng" algn="ctr">
+                      <a:solidFill>
+                        <a:srgbClr val="000000"/>
+                      </a:solidFill>
+                      <a:prstDash val="solid"/>
+                      <a:round/>
+                      <a:headEnd type="none" w="med" len="med"/>
+                      <a:tailEnd type="none" w="med" len="med"/>
+                    </a:lnT>
+                    <a:lnB w="6350" cap="flat" cmpd="sng" algn="ctr">
+                      <a:solidFill>
+                        <a:srgbClr val="000000"/>
+                      </a:solidFill>
+                      <a:prstDash val="solid"/>
+                      <a:round/>
+                      <a:headEnd type="none" w="med" len="med"/>
+                      <a:tailEnd type="none" w="med" len="med"/>
+                    </a:lnB>
+                    <a:solidFill>
+                      <a:schemeClr val="bg1">
+                        <a:lumMod val="95000"/>
+                      </a:schemeClr>
+                    </a:solidFill>
+                  </a:tcPr>
+                </a:tc>
+                <a:tc>
+                  <a:txBody>
+                    <a:bodyPr/>
+                    <a:lstStyle/>
+                    <a:p>
+                      <a:pPr algn="ctr" fontAlgn="ctr"/>
+                      <a:r>
+                        <a:rPr lang="en-US" sz="1100" b="0" i="0" u="none" strike="noStrike">
+                          <a:solidFill>
+                            <a:srgbClr val="000000"/>
+                          </a:solidFill>
+                          <a:effectLst/>
+                          <a:latin typeface="Calibri" panose="020F0502020204030204" pitchFamily="34" charset="0"/>
+                        </a:rPr>
+                        <a:t>100</a:t>
+                      </a:r>
+                    </a:p>
+                  </a:txBody>
+                  <a:tcPr marL="9525" marR="9525" marT="9525" marB="0" anchor="ctr">
+                    <a:lnL w="6350" cap="flat" cmpd="sng" algn="ctr">
+                      <a:solidFill>
+                        <a:srgbClr val="000000"/>
+                      </a:solidFill>
+                      <a:prstDash val="solid"/>
+                      <a:round/>
+                      <a:headEnd type="none" w="med" len="med"/>
+                      <a:tailEnd type="none" w="med" len="med"/>
+                    </a:lnL>
+                    <a:lnR w="6350" cap="flat" cmpd="sng" algn="ctr">
+                      <a:solidFill>
+                        <a:srgbClr val="000000"/>
+                      </a:solidFill>
+                      <a:prstDash val="solid"/>
+                      <a:round/>
+                      <a:headEnd type="none" w="med" len="med"/>
+                      <a:tailEnd type="none" w="med" len="med"/>
+                    </a:lnR>
+                    <a:lnT w="6350" cap="flat" cmpd="sng" algn="ctr">
+                      <a:solidFill>
+                        <a:srgbClr val="000000"/>
+                      </a:solidFill>
+                      <a:prstDash val="solid"/>
+                      <a:round/>
+                      <a:headEnd type="none" w="med" len="med"/>
+                      <a:tailEnd type="none" w="med" len="med"/>
+                    </a:lnT>
+                    <a:lnB w="6350" cap="flat" cmpd="sng" algn="ctr">
+                      <a:solidFill>
+                        <a:srgbClr val="000000"/>
+                      </a:solidFill>
+                      <a:prstDash val="solid"/>
+                      <a:round/>
+                      <a:headEnd type="none" w="med" len="med"/>
+                      <a:tailEnd type="none" w="med" len="med"/>
+                    </a:lnB>
+                  </a:tcPr>
+                </a:tc>
+                <a:extLst>
+                  <a:ext uri="{0D108BD9-81ED-4DB2-BD59-A6C34878D82A}">
+                    <a16:rowId xmlns:a16="http://schemas.microsoft.com/office/drawing/2014/main" val="2170091989"/>
+                  </a:ext>
+                </a:extLst>
+              </a:tr>
+              <a:tr h="190500">
+                <a:tc>
+                  <a:txBody>
+                    <a:bodyPr/>
+                    <a:lstStyle/>
+                    <a:p>
+                      <a:pPr algn="l" fontAlgn="ctr"/>
+                      <a:r>
+                        <a:rPr lang="en-US" sz="1100" b="0" i="0" u="none" strike="noStrike">
+                          <a:solidFill>
+                            <a:srgbClr val="000000"/>
+                          </a:solidFill>
+                          <a:effectLst/>
+                          <a:latin typeface="Calibri" panose="020F0502020204030204" pitchFamily="34" charset="0"/>
+                        </a:rPr>
+                        <a:t>Wheat Beer</a:t>
+                      </a:r>
+                    </a:p>
+                  </a:txBody>
+                  <a:tcPr marL="9525" marR="9525" marT="9525" marB="0" anchor="ctr">
+                    <a:lnL w="6350" cap="flat" cmpd="sng" algn="ctr">
+                      <a:solidFill>
+                        <a:srgbClr val="000000"/>
+                      </a:solidFill>
+                      <a:prstDash val="solid"/>
+                      <a:round/>
+                      <a:headEnd type="none" w="med" len="med"/>
+                      <a:tailEnd type="none" w="med" len="med"/>
+                    </a:lnL>
+                    <a:lnR w="6350" cap="flat" cmpd="sng" algn="ctr">
+                      <a:solidFill>
+                        <a:srgbClr val="000000"/>
+                      </a:solidFill>
+                      <a:prstDash val="solid"/>
+                      <a:round/>
+                      <a:headEnd type="none" w="med" len="med"/>
+                      <a:tailEnd type="none" w="med" len="med"/>
+                    </a:lnR>
+                    <a:lnT w="6350" cap="flat" cmpd="sng" algn="ctr">
+                      <a:solidFill>
+                        <a:srgbClr val="000000"/>
+                      </a:solidFill>
+                      <a:prstDash val="solid"/>
+                      <a:round/>
+                      <a:headEnd type="none" w="med" len="med"/>
+                      <a:tailEnd type="none" w="med" len="med"/>
+                    </a:lnT>
+                    <a:lnB w="6350" cap="flat" cmpd="sng" algn="ctr">
+                      <a:solidFill>
+                        <a:srgbClr val="000000"/>
+                      </a:solidFill>
+                      <a:prstDash val="solid"/>
+                      <a:round/>
+                      <a:headEnd type="none" w="med" len="med"/>
+                      <a:tailEnd type="none" w="med" len="med"/>
+                    </a:lnB>
+                    <a:solidFill>
+                      <a:schemeClr val="bg1">
+                        <a:lumMod val="95000"/>
+                      </a:schemeClr>
+                    </a:solidFill>
+                  </a:tcPr>
+                </a:tc>
+                <a:tc>
+                  <a:txBody>
+                    <a:bodyPr/>
+                    <a:lstStyle/>
+                    <a:p>
+                      <a:pPr algn="ctr" fontAlgn="ctr"/>
+                      <a:r>
+                        <a:rPr lang="en-US" sz="1100" b="0" i="0" u="none" strike="noStrike">
+                          <a:solidFill>
+                            <a:srgbClr val="000000"/>
+                          </a:solidFill>
+                          <a:effectLst/>
+                          <a:latin typeface="Calibri" panose="020F0502020204030204" pitchFamily="34" charset="0"/>
+                        </a:rPr>
+                        <a:t>91</a:t>
+                      </a:r>
+                    </a:p>
+                  </a:txBody>
+                  <a:tcPr marL="9525" marR="9525" marT="9525" marB="0" anchor="ctr">
+                    <a:lnL w="6350" cap="flat" cmpd="sng" algn="ctr">
+                      <a:solidFill>
+                        <a:srgbClr val="000000"/>
+                      </a:solidFill>
+                      <a:prstDash val="solid"/>
+                      <a:round/>
+                      <a:headEnd type="none" w="med" len="med"/>
+                      <a:tailEnd type="none" w="med" len="med"/>
+                    </a:lnL>
+                    <a:lnR w="6350" cap="flat" cmpd="sng" algn="ctr">
+                      <a:solidFill>
+                        <a:srgbClr val="000000"/>
+                      </a:solidFill>
+                      <a:prstDash val="solid"/>
+                      <a:round/>
+                      <a:headEnd type="none" w="med" len="med"/>
+                      <a:tailEnd type="none" w="med" len="med"/>
+                    </a:lnR>
+                    <a:lnT w="6350" cap="flat" cmpd="sng" algn="ctr">
+                      <a:solidFill>
+                        <a:srgbClr val="000000"/>
+                      </a:solidFill>
+                      <a:prstDash val="solid"/>
+                      <a:round/>
+                      <a:headEnd type="none" w="med" len="med"/>
+                      <a:tailEnd type="none" w="med" len="med"/>
+                    </a:lnT>
+                    <a:lnB w="6350" cap="flat" cmpd="sng" algn="ctr">
+                      <a:solidFill>
+                        <a:srgbClr val="000000"/>
+                      </a:solidFill>
+                      <a:prstDash val="solid"/>
+                      <a:round/>
+                      <a:headEnd type="none" w="med" len="med"/>
+                      <a:tailEnd type="none" w="med" len="med"/>
+                    </a:lnB>
+                  </a:tcPr>
+                </a:tc>
+                <a:extLst>
+                  <a:ext uri="{0D108BD9-81ED-4DB2-BD59-A6C34878D82A}">
+                    <a16:rowId xmlns:a16="http://schemas.microsoft.com/office/drawing/2014/main" val="2841655105"/>
+                  </a:ext>
+                </a:extLst>
+              </a:tr>
+              <a:tr h="190500">
+                <a:tc>
+                  <a:txBody>
+                    <a:bodyPr/>
+                    <a:lstStyle/>
+                    <a:p>
+                      <a:pPr algn="l" fontAlgn="ctr"/>
+                      <a:r>
+                        <a:rPr lang="en-US" sz="1100" b="0" i="0" u="none" strike="noStrike">
+                          <a:solidFill>
+                            <a:srgbClr val="000000"/>
+                          </a:solidFill>
+                          <a:effectLst/>
+                          <a:latin typeface="Calibri" panose="020F0502020204030204" pitchFamily="34" charset="0"/>
+                        </a:rPr>
+                        <a:t>Porter</a:t>
+                      </a:r>
+                    </a:p>
+                  </a:txBody>
+                  <a:tcPr marL="9525" marR="9525" marT="9525" marB="0" anchor="ctr">
+                    <a:lnL w="6350" cap="flat" cmpd="sng" algn="ctr">
+                      <a:solidFill>
+                        <a:srgbClr val="000000"/>
+                      </a:solidFill>
+                      <a:prstDash val="solid"/>
+                      <a:round/>
+                      <a:headEnd type="none" w="med" len="med"/>
+                      <a:tailEnd type="none" w="med" len="med"/>
+                    </a:lnL>
+                    <a:lnR w="6350" cap="flat" cmpd="sng" algn="ctr">
+                      <a:solidFill>
+                        <a:srgbClr val="000000"/>
+                      </a:solidFill>
+                      <a:prstDash val="solid"/>
+                      <a:round/>
+                      <a:headEnd type="none" w="med" len="med"/>
+                      <a:tailEnd type="none" w="med" len="med"/>
+                    </a:lnR>
+                    <a:lnT w="6350" cap="flat" cmpd="sng" algn="ctr">
+                      <a:solidFill>
+                        <a:srgbClr val="000000"/>
+                      </a:solidFill>
+                      <a:prstDash val="solid"/>
+                      <a:round/>
+                      <a:headEnd type="none" w="med" len="med"/>
+                      <a:tailEnd type="none" w="med" len="med"/>
+                    </a:lnT>
+                    <a:lnB w="6350" cap="flat" cmpd="sng" algn="ctr">
+                      <a:solidFill>
+                        <a:srgbClr val="000000"/>
+                      </a:solidFill>
+                      <a:prstDash val="solid"/>
+                      <a:round/>
+                      <a:headEnd type="none" w="med" len="med"/>
+                      <a:tailEnd type="none" w="med" len="med"/>
+                    </a:lnB>
+                    <a:solidFill>
+                      <a:schemeClr val="bg1">
+                        <a:lumMod val="95000"/>
+                      </a:schemeClr>
+                    </a:solidFill>
+                  </a:tcPr>
+                </a:tc>
+                <a:tc>
+                  <a:txBody>
+                    <a:bodyPr/>
+                    <a:lstStyle/>
+                    <a:p>
+                      <a:pPr algn="ctr" fontAlgn="ctr"/>
+                      <a:r>
+                        <a:rPr lang="en-US" sz="1100" b="0" i="0" u="none" strike="noStrike">
+                          <a:solidFill>
+                            <a:srgbClr val="000000"/>
+                          </a:solidFill>
+                          <a:effectLst/>
+                          <a:latin typeface="Calibri" panose="020F0502020204030204" pitchFamily="34" charset="0"/>
+                        </a:rPr>
+                        <a:t>74</a:t>
+                      </a:r>
+                    </a:p>
+                  </a:txBody>
+                  <a:tcPr marL="9525" marR="9525" marT="9525" marB="0" anchor="ctr">
+                    <a:lnL w="6350" cap="flat" cmpd="sng" algn="ctr">
+                      <a:solidFill>
+                        <a:srgbClr val="000000"/>
+                      </a:solidFill>
+                      <a:prstDash val="solid"/>
+                      <a:round/>
+                      <a:headEnd type="none" w="med" len="med"/>
+                      <a:tailEnd type="none" w="med" len="med"/>
+                    </a:lnL>
+                    <a:lnR w="6350" cap="flat" cmpd="sng" algn="ctr">
+                      <a:solidFill>
+                        <a:srgbClr val="000000"/>
+                      </a:solidFill>
+                      <a:prstDash val="solid"/>
+                      <a:round/>
+                      <a:headEnd type="none" w="med" len="med"/>
+                      <a:tailEnd type="none" w="med" len="med"/>
+                    </a:lnR>
+                    <a:lnT w="6350" cap="flat" cmpd="sng" algn="ctr">
+                      <a:solidFill>
+                        <a:srgbClr val="000000"/>
+                      </a:solidFill>
+                      <a:prstDash val="solid"/>
+                      <a:round/>
+                      <a:headEnd type="none" w="med" len="med"/>
+                      <a:tailEnd type="none" w="med" len="med"/>
+                    </a:lnT>
+                    <a:lnB w="6350" cap="flat" cmpd="sng" algn="ctr">
+                      <a:solidFill>
+                        <a:srgbClr val="000000"/>
+                      </a:solidFill>
+                      <a:prstDash val="solid"/>
+                      <a:round/>
+                      <a:headEnd type="none" w="med" len="med"/>
+                      <a:tailEnd type="none" w="med" len="med"/>
+                    </a:lnB>
+                  </a:tcPr>
+                </a:tc>
+                <a:extLst>
+                  <a:ext uri="{0D108BD9-81ED-4DB2-BD59-A6C34878D82A}">
+                    <a16:rowId xmlns:a16="http://schemas.microsoft.com/office/drawing/2014/main" val="3468618416"/>
+                  </a:ext>
+                </a:extLst>
+              </a:tr>
+              <a:tr h="190500">
+                <a:tc>
+                  <a:txBody>
+                    <a:bodyPr/>
+                    <a:lstStyle/>
+                    <a:p>
+                      <a:pPr algn="l" fontAlgn="b"/>
+                      <a:r>
+                        <a:rPr lang="en-US" sz="1100" b="0" i="0" u="none" strike="noStrike" dirty="0">
+                          <a:solidFill>
+                            <a:srgbClr val="000000"/>
+                          </a:solidFill>
+                          <a:effectLst/>
+                          <a:latin typeface="Calibri" panose="020F0502020204030204" pitchFamily="34" charset="0"/>
+                        </a:rPr>
+                        <a:t>Bock</a:t>
+                      </a:r>
+                    </a:p>
+                  </a:txBody>
+                  <a:tcPr marL="9525" marR="9525" marT="9525" marB="0" anchor="b">
+                    <a:lnL w="6350" cap="flat" cmpd="sng" algn="ctr">
+                      <a:solidFill>
+                        <a:srgbClr val="000000"/>
+                      </a:solidFill>
+                      <a:prstDash val="solid"/>
+                      <a:round/>
+                      <a:headEnd type="none" w="med" len="med"/>
+                      <a:tailEnd type="none" w="med" len="med"/>
+                    </a:lnL>
+                    <a:lnR w="6350" cap="flat" cmpd="sng" algn="ctr">
+                      <a:solidFill>
+                        <a:srgbClr val="000000"/>
+                      </a:solidFill>
+                      <a:prstDash val="solid"/>
+                      <a:round/>
+                      <a:headEnd type="none" w="med" len="med"/>
+                      <a:tailEnd type="none" w="med" len="med"/>
+                    </a:lnR>
+                    <a:lnT w="6350" cap="flat" cmpd="sng" algn="ctr">
+                      <a:solidFill>
+                        <a:srgbClr val="000000"/>
+                      </a:solidFill>
+                      <a:prstDash val="solid"/>
+                      <a:round/>
+                      <a:headEnd type="none" w="med" len="med"/>
+                      <a:tailEnd type="none" w="med" len="med"/>
+                    </a:lnT>
+                    <a:lnB w="6350" cap="flat" cmpd="sng" algn="ctr">
+                      <a:solidFill>
+                        <a:srgbClr val="000000"/>
+                      </a:solidFill>
+                      <a:prstDash val="solid"/>
+                      <a:round/>
+                      <a:headEnd type="none" w="med" len="med"/>
+                      <a:tailEnd type="none" w="med" len="med"/>
+                    </a:lnB>
+                    <a:solidFill>
+                      <a:schemeClr val="bg1">
+                        <a:lumMod val="95000"/>
+                      </a:schemeClr>
+                    </a:solidFill>
+                  </a:tcPr>
+                </a:tc>
+                <a:tc>
+                  <a:txBody>
+                    <a:bodyPr/>
+                    <a:lstStyle/>
+                    <a:p>
+                      <a:pPr algn="ctr" fontAlgn="b"/>
+                      <a:r>
+                        <a:rPr lang="en-US" sz="1100" b="0" i="0" u="none" strike="noStrike" dirty="0">
+                          <a:solidFill>
+                            <a:srgbClr val="000000"/>
+                          </a:solidFill>
+                          <a:effectLst/>
+                          <a:latin typeface="Calibri" panose="020F0502020204030204" pitchFamily="34" charset="0"/>
+                        </a:rPr>
+                        <a:t>19</a:t>
+                      </a:r>
+                    </a:p>
+                  </a:txBody>
+                  <a:tcPr marL="9525" marR="9525" marT="9525" marB="0" anchor="b">
+                    <a:lnL w="6350" cap="flat" cmpd="sng" algn="ctr">
+                      <a:solidFill>
+                        <a:srgbClr val="000000"/>
+                      </a:solidFill>
+                      <a:prstDash val="solid"/>
+                      <a:round/>
+                      <a:headEnd type="none" w="med" len="med"/>
+                      <a:tailEnd type="none" w="med" len="med"/>
+                    </a:lnL>
+                    <a:lnR w="6350" cap="flat" cmpd="sng" algn="ctr">
+                      <a:solidFill>
+                        <a:srgbClr val="000000"/>
+                      </a:solidFill>
+                      <a:prstDash val="solid"/>
+                      <a:round/>
+                      <a:headEnd type="none" w="med" len="med"/>
+                      <a:tailEnd type="none" w="med" len="med"/>
+                    </a:lnR>
+                    <a:lnT w="6350" cap="flat" cmpd="sng" algn="ctr">
+                      <a:solidFill>
+                        <a:srgbClr val="000000"/>
+                      </a:solidFill>
+                      <a:prstDash val="solid"/>
+                      <a:round/>
+                      <a:headEnd type="none" w="med" len="med"/>
+                      <a:tailEnd type="none" w="med" len="med"/>
+                    </a:lnT>
+                    <a:lnB w="6350" cap="flat" cmpd="sng" algn="ctr">
+                      <a:solidFill>
+                        <a:srgbClr val="000000"/>
+                      </a:solidFill>
+                      <a:prstDash val="solid"/>
+                      <a:round/>
+                      <a:headEnd type="none" w="med" len="med"/>
+                      <a:tailEnd type="none" w="med" len="med"/>
+                    </a:lnB>
+                  </a:tcPr>
+                </a:tc>
+                <a:extLst>
+                  <a:ext uri="{0D108BD9-81ED-4DB2-BD59-A6C34878D82A}">
+                    <a16:rowId xmlns:a16="http://schemas.microsoft.com/office/drawing/2014/main" val="1294235828"/>
+                  </a:ext>
+                </a:extLst>
+              </a:tr>
+            </a:tbl>
+          </a:graphicData>
+        </a:graphic>
+      </p:graphicFrame>
     </p:spTree>
     <p:extLst>
       <p:ext uri="{BB962C8B-B14F-4D97-AF65-F5344CB8AC3E}">
-        <p14:creationId xmlns:p14="http://schemas.microsoft.com/office/powerpoint/2010/main" val="4041114332"/>
+        <p14:creationId xmlns:p14="http://schemas.microsoft.com/office/powerpoint/2010/main" val="1447714124"/>
       </p:ext>
     </p:extLst>
   </p:cSld>
@@ -4751,10 +7513,45 @@
       </p:grpSpPr>
       <p:sp>
         <p:nvSpPr>
-          <p:cNvPr id="2" name="Title 1">
-            <a:extLst>
-              <a:ext uri="{FF2B5EF4-FFF2-40B4-BE49-F238E27FC236}">
-                <a16:creationId xmlns:a16="http://schemas.microsoft.com/office/drawing/2014/main" id="{C5CB50A2-9C7B-4924-9CAA-3392B4E2484A}"/>
+          <p:cNvPr id="13" name="TextBox 12">
+            <a:extLst>
+              <a:ext uri="{FF2B5EF4-FFF2-40B4-BE49-F238E27FC236}">
+                <a16:creationId xmlns:a16="http://schemas.microsoft.com/office/drawing/2014/main" id="{C9137698-0FDA-48C8-A882-C813D94A40D2}"/>
+              </a:ext>
+            </a:extLst>
+          </p:cNvPr>
+          <p:cNvSpPr txBox="1"/>
+          <p:nvPr/>
+        </p:nvSpPr>
+        <p:spPr>
+          <a:xfrm>
+            <a:off x="1212347" y="1254462"/>
+            <a:ext cx="6096000" cy="369332"/>
+          </a:xfrm>
+          <a:prstGeom prst="rect">
+            <a:avLst/>
+          </a:prstGeom>
+          <a:noFill/>
+        </p:spPr>
+        <p:txBody>
+          <a:bodyPr wrap="square">
+            <a:spAutoFit/>
+          </a:bodyPr>
+          <a:lstStyle/>
+          <a:p>
+            <a:r>
+              <a:rPr lang="en-US" dirty="0"/>
+              <a:t>continued…</a:t>
+            </a:r>
+          </a:p>
+        </p:txBody>
+      </p:sp>
+      <p:sp>
+        <p:nvSpPr>
+          <p:cNvPr id="15" name="Title 1">
+            <a:extLst>
+              <a:ext uri="{FF2B5EF4-FFF2-40B4-BE49-F238E27FC236}">
+                <a16:creationId xmlns:a16="http://schemas.microsoft.com/office/drawing/2014/main" id="{5CD3339A-0F53-479E-8DFD-4DDE83125C95}"/>
               </a:ext>
             </a:extLst>
           </p:cNvPr>
@@ -4772,22 +7569,24 @@
           </a:xfrm>
         </p:spPr>
         <p:txBody>
-          <a:bodyPr/>
+          <a:bodyPr>
+            <a:normAutofit/>
+          </a:bodyPr>
           <a:lstStyle/>
           <a:p>
             <a:r>
               <a:rPr lang="en-US" dirty="0"/>
-              <a:t>Beer Styles by State</a:t>
+              <a:t>IBU vs. ABV Relationship (Ales &amp; IPAs)</a:t>
             </a:r>
           </a:p>
         </p:txBody>
       </p:sp>
       <p:pic>
         <p:nvPicPr>
-          <p:cNvPr id="4" name="Picture 3">
-            <a:extLst>
-              <a:ext uri="{FF2B5EF4-FFF2-40B4-BE49-F238E27FC236}">
-                <a16:creationId xmlns:a16="http://schemas.microsoft.com/office/drawing/2014/main" id="{DA6C58BB-7FC9-492D-938D-010F1C415EA4}"/>
+          <p:cNvPr id="3" name="Picture 2">
+            <a:extLst>
+              <a:ext uri="{FF2B5EF4-FFF2-40B4-BE49-F238E27FC236}">
+                <a16:creationId xmlns:a16="http://schemas.microsoft.com/office/drawing/2014/main" id="{DCFF9ACF-A23C-48E3-865E-AF7BE83354D3}"/>
               </a:ext>
             </a:extLst>
           </p:cNvPr>
@@ -4804,68 +7603,8 @@
         </p:blipFill>
         <p:spPr>
           <a:xfrm>
-            <a:off x="137159" y="3579565"/>
-            <a:ext cx="6557129" cy="3200400"/>
-          </a:xfrm>
-          <a:prstGeom prst="rect">
-            <a:avLst/>
-          </a:prstGeom>
-        </p:spPr>
-      </p:pic>
-      <p:pic>
-        <p:nvPicPr>
-          <p:cNvPr id="6" name="Picture 5">
-            <a:extLst>
-              <a:ext uri="{FF2B5EF4-FFF2-40B4-BE49-F238E27FC236}">
-                <a16:creationId xmlns:a16="http://schemas.microsoft.com/office/drawing/2014/main" id="{0F677970-E4EB-460E-BD78-DB549C44289B}"/>
-              </a:ext>
-            </a:extLst>
-          </p:cNvPr>
-          <p:cNvPicPr>
-            <a:picLocks noChangeAspect="1"/>
-          </p:cNvPicPr>
-          <p:nvPr/>
-        </p:nvPicPr>
-        <p:blipFill>
-          <a:blip r:embed="rId3"/>
-          <a:stretch>
-            <a:fillRect/>
-          </a:stretch>
-        </p:blipFill>
-        <p:spPr>
-          <a:xfrm>
-            <a:off x="5392156" y="1208719"/>
-            <a:ext cx="6565814" cy="3200400"/>
-          </a:xfrm>
-          <a:prstGeom prst="rect">
-            <a:avLst/>
-          </a:prstGeom>
-        </p:spPr>
-      </p:pic>
-      <p:pic>
-        <p:nvPicPr>
-          <p:cNvPr id="8" name="Picture 7">
-            <a:extLst>
-              <a:ext uri="{FF2B5EF4-FFF2-40B4-BE49-F238E27FC236}">
-                <a16:creationId xmlns:a16="http://schemas.microsoft.com/office/drawing/2014/main" id="{B0A59054-2856-43AE-AE61-414107EF521B}"/>
-              </a:ext>
-            </a:extLst>
-          </p:cNvPr>
-          <p:cNvPicPr>
-            <a:picLocks noChangeAspect="1"/>
-          </p:cNvPicPr>
-          <p:nvPr/>
-        </p:nvPicPr>
-        <p:blipFill>
-          <a:blip r:embed="rId4"/>
-          <a:stretch>
-            <a:fillRect/>
-          </a:stretch>
-        </p:blipFill>
-        <p:spPr>
-          <a:xfrm>
-            <a:off x="7774305" y="4832435"/>
-            <a:ext cx="1933845" cy="1524213"/>
+            <a:off x="1077362" y="1704444"/>
+            <a:ext cx="9241261" cy="4754880"/>
           </a:xfrm>
           <a:prstGeom prst="rect">
             <a:avLst/>
@@ -4875,7 +7614,7 @@
     </p:spTree>
     <p:extLst>
       <p:ext uri="{BB962C8B-B14F-4D97-AF65-F5344CB8AC3E}">
-        <p14:creationId xmlns:p14="http://schemas.microsoft.com/office/powerpoint/2010/main" val="3272616435"/>
+        <p14:creationId xmlns:p14="http://schemas.microsoft.com/office/powerpoint/2010/main" val="1728377436"/>
       </p:ext>
     </p:extLst>
   </p:cSld>
@@ -4886,6 +7625,713 @@
 </file>
 
 <file path=ppt/slides/slide13.xml><?xml version="1.0" encoding="utf-8"?>
+<p:sld xmlns:a="http://schemas.openxmlformats.org/drawingml/2006/main" xmlns:r="http://schemas.openxmlformats.org/officeDocument/2006/relationships" xmlns:p="http://schemas.openxmlformats.org/presentationml/2006/main">
+  <p:cSld>
+    <p:spTree>
+      <p:nvGrpSpPr>
+        <p:cNvPr id="1" name=""/>
+        <p:cNvGrpSpPr/>
+        <p:nvPr/>
+      </p:nvGrpSpPr>
+      <p:grpSpPr>
+        <a:xfrm>
+          <a:off x="0" y="0"/>
+          <a:ext cx="0" cy="0"/>
+          <a:chOff x="0" y="0"/>
+          <a:chExt cx="0" cy="0"/>
+        </a:xfrm>
+      </p:grpSpPr>
+      <p:sp>
+        <p:nvSpPr>
+          <p:cNvPr id="13" name="TextBox 12">
+            <a:extLst>
+              <a:ext uri="{FF2B5EF4-FFF2-40B4-BE49-F238E27FC236}">
+                <a16:creationId xmlns:a16="http://schemas.microsoft.com/office/drawing/2014/main" id="{C9137698-0FDA-48C8-A882-C813D94A40D2}"/>
+              </a:ext>
+            </a:extLst>
+          </p:cNvPr>
+          <p:cNvSpPr txBox="1"/>
+          <p:nvPr/>
+        </p:nvSpPr>
+        <p:spPr>
+          <a:xfrm>
+            <a:off x="1212347" y="1254462"/>
+            <a:ext cx="6096000" cy="369332"/>
+          </a:xfrm>
+          <a:prstGeom prst="rect">
+            <a:avLst/>
+          </a:prstGeom>
+          <a:noFill/>
+        </p:spPr>
+        <p:txBody>
+          <a:bodyPr wrap="square">
+            <a:spAutoFit/>
+          </a:bodyPr>
+          <a:lstStyle/>
+          <a:p>
+            <a:r>
+              <a:rPr lang="en-US" dirty="0"/>
+              <a:t>Where to sell…</a:t>
+            </a:r>
+          </a:p>
+        </p:txBody>
+      </p:sp>
+      <p:sp>
+        <p:nvSpPr>
+          <p:cNvPr id="15" name="Title 1">
+            <a:extLst>
+              <a:ext uri="{FF2B5EF4-FFF2-40B4-BE49-F238E27FC236}">
+                <a16:creationId xmlns:a16="http://schemas.microsoft.com/office/drawing/2014/main" id="{5CD3339A-0F53-479E-8DFD-4DDE83125C95}"/>
+              </a:ext>
+            </a:extLst>
+          </p:cNvPr>
+          <p:cNvSpPr>
+            <a:spLocks noGrp="1"/>
+          </p:cNvSpPr>
+          <p:nvPr>
+            <p:ph type="title"/>
+          </p:nvPr>
+        </p:nvSpPr>
+        <p:spPr>
+          <a:xfrm>
+            <a:off x="1077362" y="720434"/>
+            <a:ext cx="9950103" cy="612319"/>
+          </a:xfrm>
+        </p:spPr>
+        <p:txBody>
+          <a:bodyPr>
+            <a:normAutofit/>
+          </a:bodyPr>
+          <a:lstStyle/>
+          <a:p>
+            <a:r>
+              <a:rPr lang="en-US" dirty="0"/>
+              <a:t>IBU vs. ABV Relationship (Ales &amp; IPAs)</a:t>
+            </a:r>
+          </a:p>
+        </p:txBody>
+      </p:sp>
+      <p:pic>
+        <p:nvPicPr>
+          <p:cNvPr id="4" name="Picture 3">
+            <a:extLst>
+              <a:ext uri="{FF2B5EF4-FFF2-40B4-BE49-F238E27FC236}">
+                <a16:creationId xmlns:a16="http://schemas.microsoft.com/office/drawing/2014/main" id="{0CBA315A-189A-4064-B506-D0BBA958756E}"/>
+              </a:ext>
+            </a:extLst>
+          </p:cNvPr>
+          <p:cNvPicPr>
+            <a:picLocks noChangeAspect="1"/>
+          </p:cNvPicPr>
+          <p:nvPr/>
+        </p:nvPicPr>
+        <p:blipFill>
+          <a:blip r:embed="rId2"/>
+          <a:stretch>
+            <a:fillRect/>
+          </a:stretch>
+        </p:blipFill>
+        <p:spPr>
+          <a:xfrm>
+            <a:off x="1077362" y="1708985"/>
+            <a:ext cx="8496945" cy="4385520"/>
+          </a:xfrm>
+          <a:prstGeom prst="rect">
+            <a:avLst/>
+          </a:prstGeom>
+        </p:spPr>
+      </p:pic>
+      <p:sp>
+        <p:nvSpPr>
+          <p:cNvPr id="7" name="TextBox 6">
+            <a:extLst>
+              <a:ext uri="{FF2B5EF4-FFF2-40B4-BE49-F238E27FC236}">
+                <a16:creationId xmlns:a16="http://schemas.microsoft.com/office/drawing/2014/main" id="{F6F823F8-7724-459B-B8F4-1995F6B2ABD8}"/>
+              </a:ext>
+            </a:extLst>
+          </p:cNvPr>
+          <p:cNvSpPr txBox="1"/>
+          <p:nvPr/>
+        </p:nvSpPr>
+        <p:spPr>
+          <a:xfrm>
+            <a:off x="1143617" y="6309977"/>
+            <a:ext cx="6096000" cy="307777"/>
+          </a:xfrm>
+          <a:prstGeom prst="rect">
+            <a:avLst/>
+          </a:prstGeom>
+          <a:noFill/>
+        </p:spPr>
+        <p:txBody>
+          <a:bodyPr wrap="square">
+            <a:spAutoFit/>
+          </a:bodyPr>
+          <a:lstStyle/>
+          <a:p>
+            <a:r>
+              <a:rPr lang="en-US" sz="1400" dirty="0"/>
+              <a:t>Positive is better</a:t>
+            </a:r>
+          </a:p>
+        </p:txBody>
+      </p:sp>
+    </p:spTree>
+    <p:extLst>
+      <p:ext uri="{BB962C8B-B14F-4D97-AF65-F5344CB8AC3E}">
+        <p14:creationId xmlns:p14="http://schemas.microsoft.com/office/powerpoint/2010/main" val="3254901603"/>
+      </p:ext>
+    </p:extLst>
+  </p:cSld>
+  <p:clrMapOvr>
+    <a:masterClrMapping/>
+  </p:clrMapOvr>
+</p:sld>
+</file>
+
+<file path=ppt/slides/slide14.xml><?xml version="1.0" encoding="utf-8"?>
+<p:sld xmlns:a="http://schemas.openxmlformats.org/drawingml/2006/main" xmlns:r="http://schemas.openxmlformats.org/officeDocument/2006/relationships" xmlns:p="http://schemas.openxmlformats.org/presentationml/2006/main">
+  <p:cSld>
+    <p:spTree>
+      <p:nvGrpSpPr>
+        <p:cNvPr id="1" name=""/>
+        <p:cNvGrpSpPr/>
+        <p:nvPr/>
+      </p:nvGrpSpPr>
+      <p:grpSpPr>
+        <a:xfrm>
+          <a:off x="0" y="0"/>
+          <a:ext cx="0" cy="0"/>
+          <a:chOff x="0" y="0"/>
+          <a:chExt cx="0" cy="0"/>
+        </a:xfrm>
+      </p:grpSpPr>
+      <p:sp>
+        <p:nvSpPr>
+          <p:cNvPr id="13" name="TextBox 12">
+            <a:extLst>
+              <a:ext uri="{FF2B5EF4-FFF2-40B4-BE49-F238E27FC236}">
+                <a16:creationId xmlns:a16="http://schemas.microsoft.com/office/drawing/2014/main" id="{C9137698-0FDA-48C8-A882-C813D94A40D2}"/>
+              </a:ext>
+            </a:extLst>
+          </p:cNvPr>
+          <p:cNvSpPr txBox="1"/>
+          <p:nvPr/>
+        </p:nvSpPr>
+        <p:spPr>
+          <a:xfrm>
+            <a:off x="1212347" y="1254462"/>
+            <a:ext cx="6096000" cy="369332"/>
+          </a:xfrm>
+          <a:prstGeom prst="rect">
+            <a:avLst/>
+          </a:prstGeom>
+          <a:noFill/>
+        </p:spPr>
+        <p:txBody>
+          <a:bodyPr wrap="square">
+            <a:spAutoFit/>
+          </a:bodyPr>
+          <a:lstStyle/>
+          <a:p>
+            <a:r>
+              <a:rPr lang="en-US" dirty="0"/>
+              <a:t>Where to sell…</a:t>
+            </a:r>
+          </a:p>
+        </p:txBody>
+      </p:sp>
+      <p:sp>
+        <p:nvSpPr>
+          <p:cNvPr id="15" name="Title 1">
+            <a:extLst>
+              <a:ext uri="{FF2B5EF4-FFF2-40B4-BE49-F238E27FC236}">
+                <a16:creationId xmlns:a16="http://schemas.microsoft.com/office/drawing/2014/main" id="{5CD3339A-0F53-479E-8DFD-4DDE83125C95}"/>
+              </a:ext>
+            </a:extLst>
+          </p:cNvPr>
+          <p:cNvSpPr>
+            <a:spLocks noGrp="1"/>
+          </p:cNvSpPr>
+          <p:nvPr>
+            <p:ph type="title"/>
+          </p:nvPr>
+        </p:nvSpPr>
+        <p:spPr>
+          <a:xfrm>
+            <a:off x="1077362" y="720434"/>
+            <a:ext cx="9950103" cy="612319"/>
+          </a:xfrm>
+        </p:spPr>
+        <p:txBody>
+          <a:bodyPr>
+            <a:normAutofit/>
+          </a:bodyPr>
+          <a:lstStyle/>
+          <a:p>
+            <a:r>
+              <a:rPr lang="en-US" dirty="0"/>
+              <a:t>IBU vs. ABV Relationship (Ales &amp; IPAs)</a:t>
+            </a:r>
+          </a:p>
+        </p:txBody>
+      </p:sp>
+      <p:sp>
+        <p:nvSpPr>
+          <p:cNvPr id="7" name="TextBox 6">
+            <a:extLst>
+              <a:ext uri="{FF2B5EF4-FFF2-40B4-BE49-F238E27FC236}">
+                <a16:creationId xmlns:a16="http://schemas.microsoft.com/office/drawing/2014/main" id="{F6F823F8-7724-459B-B8F4-1995F6B2ABD8}"/>
+              </a:ext>
+            </a:extLst>
+          </p:cNvPr>
+          <p:cNvSpPr txBox="1"/>
+          <p:nvPr/>
+        </p:nvSpPr>
+        <p:spPr>
+          <a:xfrm>
+            <a:off x="1143617" y="6309977"/>
+            <a:ext cx="6096000" cy="307777"/>
+          </a:xfrm>
+          <a:prstGeom prst="rect">
+            <a:avLst/>
+          </a:prstGeom>
+          <a:noFill/>
+        </p:spPr>
+        <p:txBody>
+          <a:bodyPr wrap="square">
+            <a:spAutoFit/>
+          </a:bodyPr>
+          <a:lstStyle/>
+          <a:p>
+            <a:r>
+              <a:rPr lang="en-US" sz="1400" dirty="0"/>
+              <a:t>Positive is better</a:t>
+            </a:r>
+          </a:p>
+        </p:txBody>
+      </p:sp>
+      <p:pic>
+        <p:nvPicPr>
+          <p:cNvPr id="3" name="Picture 2">
+            <a:extLst>
+              <a:ext uri="{FF2B5EF4-FFF2-40B4-BE49-F238E27FC236}">
+                <a16:creationId xmlns:a16="http://schemas.microsoft.com/office/drawing/2014/main" id="{069FAC1D-5834-4563-9FB2-3C69A6B0D19C}"/>
+              </a:ext>
+            </a:extLst>
+          </p:cNvPr>
+          <p:cNvPicPr>
+            <a:picLocks noChangeAspect="1"/>
+          </p:cNvPicPr>
+          <p:nvPr/>
+        </p:nvPicPr>
+        <p:blipFill>
+          <a:blip r:embed="rId2"/>
+          <a:stretch>
+            <a:fillRect/>
+          </a:stretch>
+        </p:blipFill>
+        <p:spPr>
+          <a:xfrm>
+            <a:off x="1077362" y="1748446"/>
+            <a:ext cx="8530392" cy="4389120"/>
+          </a:xfrm>
+          <a:prstGeom prst="rect">
+            <a:avLst/>
+          </a:prstGeom>
+        </p:spPr>
+      </p:pic>
+    </p:spTree>
+    <p:extLst>
+      <p:ext uri="{BB962C8B-B14F-4D97-AF65-F5344CB8AC3E}">
+        <p14:creationId xmlns:p14="http://schemas.microsoft.com/office/powerpoint/2010/main" val="3455140532"/>
+      </p:ext>
+    </p:extLst>
+  </p:cSld>
+  <p:clrMapOvr>
+    <a:masterClrMapping/>
+  </p:clrMapOvr>
+</p:sld>
+</file>
+
+<file path=ppt/slides/slide15.xml><?xml version="1.0" encoding="utf-8"?>
+<p:sld xmlns:a="http://schemas.openxmlformats.org/drawingml/2006/main" xmlns:r="http://schemas.openxmlformats.org/officeDocument/2006/relationships" xmlns:p="http://schemas.openxmlformats.org/presentationml/2006/main">
+  <p:cSld>
+    <p:spTree>
+      <p:nvGrpSpPr>
+        <p:cNvPr id="1" name=""/>
+        <p:cNvGrpSpPr/>
+        <p:nvPr/>
+      </p:nvGrpSpPr>
+      <p:grpSpPr>
+        <a:xfrm>
+          <a:off x="0" y="0"/>
+          <a:ext cx="0" cy="0"/>
+          <a:chOff x="0" y="0"/>
+          <a:chExt cx="0" cy="0"/>
+        </a:xfrm>
+      </p:grpSpPr>
+      <p:sp>
+        <p:nvSpPr>
+          <p:cNvPr id="2" name="Title 1">
+            <a:extLst>
+              <a:ext uri="{FF2B5EF4-FFF2-40B4-BE49-F238E27FC236}">
+                <a16:creationId xmlns:a16="http://schemas.microsoft.com/office/drawing/2014/main" id="{C5CB50A2-9C7B-4924-9CAA-3392B4E2484A}"/>
+              </a:ext>
+            </a:extLst>
+          </p:cNvPr>
+          <p:cNvSpPr>
+            <a:spLocks noGrp="1"/>
+          </p:cNvSpPr>
+          <p:nvPr>
+            <p:ph type="title"/>
+          </p:nvPr>
+        </p:nvSpPr>
+        <p:spPr>
+          <a:xfrm>
+            <a:off x="1077363" y="720435"/>
+            <a:ext cx="5078401" cy="1507375"/>
+          </a:xfrm>
+        </p:spPr>
+        <p:txBody>
+          <a:bodyPr vert="horz" lIns="91440" tIns="45720" rIns="91440" bIns="45720" rtlCol="0" anchor="b">
+            <a:normAutofit/>
+          </a:bodyPr>
+          <a:lstStyle/>
+          <a:p>
+            <a:r>
+              <a:rPr lang="en-US" b="1" kern="1200" dirty="0">
+                <a:solidFill>
+                  <a:schemeClr val="tx1"/>
+                </a:solidFill>
+                <a:effectLst/>
+                <a:latin typeface="+mj-lt"/>
+                <a:ea typeface="+mj-ea"/>
+                <a:cs typeface="+mj-cs"/>
+              </a:rPr>
+              <a:t>Con</a:t>
+            </a:r>
+            <a:r>
+              <a:rPr lang="en-US" dirty="0"/>
+              <a:t>clusion &amp; Questions</a:t>
+            </a:r>
+            <a:endParaRPr lang="en-US" b="1" kern="1200" dirty="0">
+              <a:solidFill>
+                <a:schemeClr val="tx1"/>
+              </a:solidFill>
+              <a:effectLst/>
+              <a:latin typeface="+mj-lt"/>
+              <a:ea typeface="+mj-ea"/>
+              <a:cs typeface="+mj-cs"/>
+            </a:endParaRPr>
+          </a:p>
+        </p:txBody>
+      </p:sp>
+      <p:sp>
+        <p:nvSpPr>
+          <p:cNvPr id="8" name="TextBox 7">
+            <a:extLst>
+              <a:ext uri="{FF2B5EF4-FFF2-40B4-BE49-F238E27FC236}">
+                <a16:creationId xmlns:a16="http://schemas.microsoft.com/office/drawing/2014/main" id="{D3088FAD-77CC-4EEA-8C46-37E76B1477CE}"/>
+              </a:ext>
+            </a:extLst>
+          </p:cNvPr>
+          <p:cNvSpPr txBox="1"/>
+          <p:nvPr/>
+        </p:nvSpPr>
+        <p:spPr>
+          <a:xfrm>
+            <a:off x="1077364" y="2427316"/>
+            <a:ext cx="4140096" cy="3513514"/>
+          </a:xfrm>
+          <a:prstGeom prst="rect">
+            <a:avLst/>
+          </a:prstGeom>
+        </p:spPr>
+        <p:txBody>
+          <a:bodyPr vert="horz" lIns="91440" tIns="45720" rIns="91440" bIns="45720" rtlCol="0">
+            <a:normAutofit/>
+          </a:bodyPr>
+          <a:lstStyle/>
+          <a:p>
+            <a:pPr defTabSz="914400">
+              <a:lnSpc>
+                <a:spcPct val="120000"/>
+              </a:lnSpc>
+              <a:spcAft>
+                <a:spcPts val="600"/>
+              </a:spcAft>
+            </a:pPr>
+            <a:r>
+              <a:rPr lang="en-US" dirty="0"/>
+              <a:t>Thank you for the opportunity to present.</a:t>
+            </a:r>
+          </a:p>
+          <a:p>
+            <a:pPr defTabSz="914400">
+              <a:lnSpc>
+                <a:spcPct val="120000"/>
+              </a:lnSpc>
+              <a:spcAft>
+                <a:spcPts val="600"/>
+              </a:spcAft>
+            </a:pPr>
+            <a:endParaRPr lang="en-US" dirty="0"/>
+          </a:p>
+          <a:p>
+            <a:pPr defTabSz="914400">
+              <a:lnSpc>
+                <a:spcPct val="120000"/>
+              </a:lnSpc>
+              <a:spcAft>
+                <a:spcPts val="600"/>
+              </a:spcAft>
+            </a:pPr>
+            <a:r>
+              <a:rPr lang="en-US" dirty="0"/>
+              <a:t> </a:t>
+            </a:r>
+          </a:p>
+        </p:txBody>
+      </p:sp>
+    </p:spTree>
+    <p:extLst>
+      <p:ext uri="{BB962C8B-B14F-4D97-AF65-F5344CB8AC3E}">
+        <p14:creationId xmlns:p14="http://schemas.microsoft.com/office/powerpoint/2010/main" val="4179801621"/>
+      </p:ext>
+    </p:extLst>
+  </p:cSld>
+  <p:clrMapOvr>
+    <a:masterClrMapping/>
+  </p:clrMapOvr>
+</p:sld>
+</file>
+
+<file path=ppt/slides/slide2.xml><?xml version="1.0" encoding="utf-8"?>
+<p:sld xmlns:a="http://schemas.openxmlformats.org/drawingml/2006/main" xmlns:r="http://schemas.openxmlformats.org/officeDocument/2006/relationships" xmlns:p="http://schemas.openxmlformats.org/presentationml/2006/main">
+  <p:cSld>
+    <p:spTree>
+      <p:nvGrpSpPr>
+        <p:cNvPr id="1" name=""/>
+        <p:cNvGrpSpPr/>
+        <p:nvPr/>
+      </p:nvGrpSpPr>
+      <p:grpSpPr>
+        <a:xfrm>
+          <a:off x="0" y="0"/>
+          <a:ext cx="0" cy="0"/>
+          <a:chOff x="0" y="0"/>
+          <a:chExt cx="0" cy="0"/>
+        </a:xfrm>
+      </p:grpSpPr>
+      <p:sp>
+        <p:nvSpPr>
+          <p:cNvPr id="2" name="Title 1">
+            <a:extLst>
+              <a:ext uri="{FF2B5EF4-FFF2-40B4-BE49-F238E27FC236}">
+                <a16:creationId xmlns:a16="http://schemas.microsoft.com/office/drawing/2014/main" id="{C5CB50A2-9C7B-4924-9CAA-3392B4E2484A}"/>
+              </a:ext>
+            </a:extLst>
+          </p:cNvPr>
+          <p:cNvSpPr>
+            <a:spLocks noGrp="1"/>
+          </p:cNvSpPr>
+          <p:nvPr>
+            <p:ph type="title"/>
+          </p:nvPr>
+        </p:nvSpPr>
+        <p:spPr>
+          <a:xfrm>
+            <a:off x="1077362" y="720435"/>
+            <a:ext cx="3188106" cy="1507375"/>
+          </a:xfrm>
+        </p:spPr>
+        <p:txBody>
+          <a:bodyPr vert="horz" lIns="91440" tIns="45720" rIns="91440" bIns="45720" rtlCol="0" anchor="b">
+            <a:normAutofit/>
+          </a:bodyPr>
+          <a:lstStyle/>
+          <a:p>
+            <a:r>
+              <a:rPr lang="en-US" b="1" kern="1200" dirty="0">
+                <a:solidFill>
+                  <a:schemeClr val="tx1"/>
+                </a:solidFill>
+                <a:effectLst/>
+                <a:latin typeface="+mj-lt"/>
+                <a:ea typeface="+mj-ea"/>
+                <a:cs typeface="+mj-cs"/>
+              </a:rPr>
+              <a:t>Clean Data</a:t>
+            </a:r>
+          </a:p>
+        </p:txBody>
+      </p:sp>
+      <p:sp>
+        <p:nvSpPr>
+          <p:cNvPr id="5" name="TextBox 4">
+            <a:extLst>
+              <a:ext uri="{FF2B5EF4-FFF2-40B4-BE49-F238E27FC236}">
+                <a16:creationId xmlns:a16="http://schemas.microsoft.com/office/drawing/2014/main" id="{3809C354-C661-4203-B531-DEFB262471AE}"/>
+              </a:ext>
+            </a:extLst>
+          </p:cNvPr>
+          <p:cNvSpPr txBox="1"/>
+          <p:nvPr/>
+        </p:nvSpPr>
+        <p:spPr>
+          <a:xfrm>
+            <a:off x="1077362" y="2434975"/>
+            <a:ext cx="3082262" cy="3702590"/>
+          </a:xfrm>
+          <a:prstGeom prst="rect">
+            <a:avLst/>
+          </a:prstGeom>
+        </p:spPr>
+        <p:txBody>
+          <a:bodyPr vert="horz" lIns="91440" tIns="45720" rIns="91440" bIns="45720" rtlCol="0">
+            <a:normAutofit fontScale="92500" lnSpcReduction="20000"/>
+          </a:bodyPr>
+          <a:lstStyle/>
+          <a:p>
+            <a:pPr defTabSz="914400">
+              <a:lnSpc>
+                <a:spcPct val="120000"/>
+              </a:lnSpc>
+              <a:spcAft>
+                <a:spcPts val="600"/>
+              </a:spcAft>
+            </a:pPr>
+            <a:r>
+              <a:rPr lang="en-US" dirty="0"/>
+              <a:t>Beer Advocate – Beer Styles</a:t>
+            </a:r>
+          </a:p>
+          <a:p>
+            <a:pPr defTabSz="914400">
+              <a:lnSpc>
+                <a:spcPct val="120000"/>
+              </a:lnSpc>
+              <a:spcAft>
+                <a:spcPts val="600"/>
+              </a:spcAft>
+            </a:pPr>
+            <a:r>
+              <a:rPr lang="en-US" dirty="0"/>
+              <a:t>Using an independent outside source to group beers into more manageable style groups allowed for better and less busy plots.</a:t>
+            </a:r>
+            <a:br>
+              <a:rPr lang="en-US" dirty="0"/>
+            </a:br>
+            <a:endParaRPr lang="en-US" dirty="0"/>
+          </a:p>
+          <a:p>
+            <a:pPr defTabSz="914400">
+              <a:lnSpc>
+                <a:spcPct val="120000"/>
+              </a:lnSpc>
+              <a:spcAft>
+                <a:spcPts val="600"/>
+              </a:spcAft>
+            </a:pPr>
+            <a:r>
+              <a:rPr lang="en-US" dirty="0"/>
+              <a:t>We decided to remove “Scotty K NA” from the dataset because it’s ABV was so significantly less than any other beer we considered it an outlier.</a:t>
+            </a:r>
+          </a:p>
+          <a:p>
+            <a:pPr defTabSz="914400">
+              <a:lnSpc>
+                <a:spcPct val="120000"/>
+              </a:lnSpc>
+              <a:spcAft>
+                <a:spcPts val="600"/>
+              </a:spcAft>
+            </a:pPr>
+            <a:endParaRPr lang="en-US" dirty="0"/>
+          </a:p>
+        </p:txBody>
+      </p:sp>
+      <p:sp>
+        <p:nvSpPr>
+          <p:cNvPr id="13" name="TextBox 12">
+            <a:extLst>
+              <a:ext uri="{FF2B5EF4-FFF2-40B4-BE49-F238E27FC236}">
+                <a16:creationId xmlns:a16="http://schemas.microsoft.com/office/drawing/2014/main" id="{2A504421-7722-447A-986C-1201B81E7852}"/>
+              </a:ext>
+            </a:extLst>
+          </p:cNvPr>
+          <p:cNvSpPr txBox="1"/>
+          <p:nvPr/>
+        </p:nvSpPr>
+        <p:spPr>
+          <a:xfrm>
+            <a:off x="5529746" y="6166748"/>
+            <a:ext cx="3865264" cy="307777"/>
+          </a:xfrm>
+          <a:prstGeom prst="rect">
+            <a:avLst/>
+          </a:prstGeom>
+          <a:noFill/>
+        </p:spPr>
+        <p:txBody>
+          <a:bodyPr wrap="square">
+            <a:spAutoFit/>
+          </a:bodyPr>
+          <a:lstStyle/>
+          <a:p>
+            <a:pPr algn="ctr"/>
+            <a:r>
+              <a:rPr lang="en-US" sz="1400" dirty="0"/>
+              <a:t>https://www.beeradvocate.com/beer/styles/</a:t>
+            </a:r>
+          </a:p>
+        </p:txBody>
+      </p:sp>
+      <p:pic>
+        <p:nvPicPr>
+          <p:cNvPr id="7" name="Picture 6">
+            <a:extLst>
+              <a:ext uri="{FF2B5EF4-FFF2-40B4-BE49-F238E27FC236}">
+                <a16:creationId xmlns:a16="http://schemas.microsoft.com/office/drawing/2014/main" id="{22A178B7-68AE-444D-8A4E-FAF4AD1EC097}"/>
+              </a:ext>
+            </a:extLst>
+          </p:cNvPr>
+          <p:cNvPicPr>
+            <a:picLocks noChangeAspect="1"/>
+          </p:cNvPicPr>
+          <p:nvPr/>
+        </p:nvPicPr>
+        <p:blipFill>
+          <a:blip r:embed="rId2"/>
+          <a:stretch>
+            <a:fillRect/>
+          </a:stretch>
+        </p:blipFill>
+        <p:spPr>
+          <a:xfrm>
+            <a:off x="5529746" y="1276510"/>
+            <a:ext cx="3865264" cy="4890238"/>
+          </a:xfrm>
+          <a:prstGeom prst="rect">
+            <a:avLst/>
+          </a:prstGeom>
+        </p:spPr>
+      </p:pic>
+    </p:spTree>
+    <p:extLst>
+      <p:ext uri="{BB962C8B-B14F-4D97-AF65-F5344CB8AC3E}">
+        <p14:creationId xmlns:p14="http://schemas.microsoft.com/office/powerpoint/2010/main" val="3698369124"/>
+      </p:ext>
+    </p:extLst>
+  </p:cSld>
+  <p:clrMapOvr>
+    <a:masterClrMapping/>
+  </p:clrMapOvr>
+</p:sld>
+</file>
+
+<file path=ppt/slides/slide3.xml><?xml version="1.0" encoding="utf-8"?>
 <p:sld xmlns:a="http://schemas.openxmlformats.org/drawingml/2006/main" xmlns:r="http://schemas.openxmlformats.org/officeDocument/2006/relationships" xmlns:p="http://schemas.openxmlformats.org/presentationml/2006/main">
   <p:cSld>
     <p:bg>
@@ -4912,10 +8358,10 @@
       </p:grpSpPr>
       <p:sp useBgFill="1">
         <p:nvSpPr>
-          <p:cNvPr id="12" name="Rectangle 11">
-            <a:extLst>
-              <a:ext uri="{FF2B5EF4-FFF2-40B4-BE49-F238E27FC236}">
-                <a16:creationId xmlns:a16="http://schemas.microsoft.com/office/drawing/2014/main" id="{DA1766D0-745A-4921-A68E-56642A6508CF}"/>
+          <p:cNvPr id="19" name="Rectangle 9">
+            <a:extLst>
+              <a:ext uri="{FF2B5EF4-FFF2-40B4-BE49-F238E27FC236}">
+                <a16:creationId xmlns:a16="http://schemas.microsoft.com/office/drawing/2014/main" id="{0E4C1DE9-5E1B-46E3-BA0E-821C1334254B}"/>
               </a:ext>
               <a:ext uri="{C183D7F6-B498-43B3-948B-1728B52AA6E4}">
                 <adec:decorative xmlns:adec="http://schemas.microsoft.com/office/drawing/2017/decorative" val="1"/>
@@ -5004,8 +8450,8 @@
         </p:nvSpPr>
         <p:spPr>
           <a:xfrm>
-            <a:off x="1077364" y="720435"/>
-            <a:ext cx="4140096" cy="1507375"/>
+            <a:off x="1077362" y="720435"/>
+            <a:ext cx="3188106" cy="1507375"/>
           </a:xfrm>
         </p:spPr>
         <p:txBody>
@@ -5015,7 +8461,7 @@
           <a:lstStyle/>
           <a:p>
             <a:r>
-              <a:rPr lang="en-US" b="1" kern="1200">
+              <a:rPr lang="en-US" b="1" kern="1200" dirty="0">
                 <a:solidFill>
                   <a:schemeClr val="tx1"/>
                 </a:solidFill>
@@ -5024,17 +8470,17 @@
                 <a:ea typeface="+mj-ea"/>
                 <a:cs typeface="+mj-cs"/>
               </a:rPr>
-              <a:t>ABV Category with Normalized Counts</a:t>
+              <a:t>Missing Values</a:t>
             </a:r>
           </a:p>
         </p:txBody>
       </p:sp>
       <p:sp>
         <p:nvSpPr>
-          <p:cNvPr id="7" name="TextBox 6">
-            <a:extLst>
-              <a:ext uri="{FF2B5EF4-FFF2-40B4-BE49-F238E27FC236}">
-                <a16:creationId xmlns:a16="http://schemas.microsoft.com/office/drawing/2014/main" id="{9DBF81BF-7A41-4559-9FFE-355CC8D27A52}"/>
+          <p:cNvPr id="5" name="TextBox 4">
+            <a:extLst>
+              <a:ext uri="{FF2B5EF4-FFF2-40B4-BE49-F238E27FC236}">
+                <a16:creationId xmlns:a16="http://schemas.microsoft.com/office/drawing/2014/main" id="{3809C354-C661-4203-B531-DEFB262471AE}"/>
               </a:ext>
             </a:extLst>
           </p:cNvPr>
@@ -5043,8 +8489,8 @@
         </p:nvSpPr>
         <p:spPr>
           <a:xfrm>
-            <a:off x="1077364" y="2427316"/>
-            <a:ext cx="4140096" cy="3513514"/>
+            <a:off x="1077361" y="2434974"/>
+            <a:ext cx="3739673" cy="3505855"/>
           </a:xfrm>
           <a:prstGeom prst="rect">
             <a:avLst/>
@@ -5052,7 +8498,7 @@
         </p:spPr>
         <p:txBody>
           <a:bodyPr vert="horz" lIns="91440" tIns="45720" rIns="91440" bIns="45720" rtlCol="0">
-            <a:normAutofit/>
+            <a:normAutofit fontScale="92500" lnSpcReduction="10000"/>
           </a:bodyPr>
           <a:lstStyle/>
           <a:p>
@@ -5066,864 +8512,13 @@
             </a:pPr>
             <a:r>
               <a:rPr lang="en-US" dirty="0"/>
-              <a:t>Ale’s account for significantly more of the total beer count.</a:t>
-            </a:r>
-          </a:p>
-          <a:p>
-            <a:pPr defTabSz="914400">
-              <a:lnSpc>
-                <a:spcPct val="120000"/>
-              </a:lnSpc>
-              <a:spcAft>
-                <a:spcPts val="600"/>
-              </a:spcAft>
-            </a:pPr>
-            <a:r>
-              <a:rPr lang="en-US" dirty="0"/>
-              <a:t>For this reason, we normalized the count when comparing the distribution between ABV Categories.</a:t>
-            </a:r>
-          </a:p>
-        </p:txBody>
-      </p:sp>
-      <p:sp>
-        <p:nvSpPr>
-          <p:cNvPr id="14" name="Freeform: Shape 13">
-            <a:extLst>
-              <a:ext uri="{FF2B5EF4-FFF2-40B4-BE49-F238E27FC236}">
-                <a16:creationId xmlns:a16="http://schemas.microsoft.com/office/drawing/2014/main" id="{583F1E3F-D7BF-4DB5-8016-70B9E385E338}"/>
-              </a:ext>
-              <a:ext uri="{C183D7F6-B498-43B3-948B-1728B52AA6E4}">
-                <adec:decorative xmlns:adec="http://schemas.microsoft.com/office/drawing/2017/decorative" val="1"/>
-              </a:ext>
-            </a:extLst>
-          </p:cNvPr>
-          <p:cNvSpPr>
-            <a:spLocks noGrp="1" noRot="1" noChangeAspect="1" noMove="1" noResize="1" noEditPoints="1" noAdjustHandles="1" noChangeArrowheads="1" noChangeShapeType="1" noTextEdit="1"/>
-          </p:cNvSpPr>
-          <p:nvPr>
-            <p:extLst>
-              <p:ext uri="{386F3935-93C4-4BCD-93E2-E3B085C9AB24}">
-                <p16:designElem xmlns:p16="http://schemas.microsoft.com/office/powerpoint/2015/main" val="1"/>
-              </p:ext>
-            </p:extLst>
-          </p:nvPr>
-        </p:nvSpPr>
-        <p:spPr>
-          <a:xfrm rot="16200000">
-            <a:off x="8794726" y="-9066"/>
-            <a:ext cx="3388208" cy="3406341"/>
-          </a:xfrm>
-          <a:custGeom>
-            <a:avLst/>
-            <a:gdLst>
-              <a:gd name="connsiteX0" fmla="*/ 3388058 w 3388208"/>
-              <a:gd name="connsiteY0" fmla="*/ 0 h 3406341"/>
-              <a:gd name="connsiteX1" fmla="*/ 3388208 w 3388208"/>
-              <a:gd name="connsiteY1" fmla="*/ 0 h 3406341"/>
-              <a:gd name="connsiteX2" fmla="*/ 3388208 w 3388208"/>
-              <a:gd name="connsiteY2" fmla="*/ 3406341 h 3406341"/>
-              <a:gd name="connsiteX3" fmla="*/ 0 w 3388208"/>
-              <a:gd name="connsiteY3" fmla="*/ 3406341 h 3406341"/>
-              <a:gd name="connsiteX4" fmla="*/ 79006 w 3388208"/>
-              <a:gd name="connsiteY4" fmla="*/ 3404386 h 3406341"/>
-              <a:gd name="connsiteX5" fmla="*/ 3383947 w 3388208"/>
-              <a:gd name="connsiteY5" fmla="*/ 164274 h 3406341"/>
-            </a:gdLst>
-            <a:ahLst/>
-            <a:cxnLst>
-              <a:cxn ang="0">
-                <a:pos x="connsiteX0" y="connsiteY0"/>
-              </a:cxn>
-              <a:cxn ang="0">
-                <a:pos x="connsiteX1" y="connsiteY1"/>
-              </a:cxn>
-              <a:cxn ang="0">
-                <a:pos x="connsiteX2" y="connsiteY2"/>
-              </a:cxn>
-              <a:cxn ang="0">
-                <a:pos x="connsiteX3" y="connsiteY3"/>
-              </a:cxn>
-              <a:cxn ang="0">
-                <a:pos x="connsiteX4" y="connsiteY4"/>
-              </a:cxn>
-              <a:cxn ang="0">
-                <a:pos x="connsiteX5" y="connsiteY5"/>
-              </a:cxn>
-            </a:cxnLst>
-            <a:rect l="l" t="t" r="r" b="b"/>
-            <a:pathLst>
-              <a:path w="3388208" h="3406341">
-                <a:moveTo>
-                  <a:pt x="3388058" y="0"/>
-                </a:moveTo>
-                <a:lnTo>
-                  <a:pt x="3388208" y="0"/>
-                </a:lnTo>
-                <a:lnTo>
-                  <a:pt x="3388208" y="3406341"/>
-                </a:lnTo>
-                <a:lnTo>
-                  <a:pt x="0" y="3406341"/>
-                </a:lnTo>
-                <a:lnTo>
-                  <a:pt x="79006" y="3404386"/>
-                </a:lnTo>
-                <a:cubicBezTo>
-                  <a:pt x="1864742" y="3315784"/>
-                  <a:pt x="3296223" y="1912901"/>
-                  <a:pt x="3383947" y="164274"/>
-                </a:cubicBezTo>
-                <a:close/>
-              </a:path>
-            </a:pathLst>
-          </a:custGeom>
-          <a:solidFill>
-            <a:schemeClr val="accent5"/>
-          </a:solidFill>
-          <a:ln>
-            <a:noFill/>
-          </a:ln>
-        </p:spPr>
-        <p:style>
-          <a:lnRef idx="2">
-            <a:schemeClr val="accent1">
-              <a:shade val="50000"/>
-            </a:schemeClr>
-          </a:lnRef>
-          <a:fillRef idx="1">
-            <a:schemeClr val="accent1"/>
-          </a:fillRef>
-          <a:effectRef idx="0">
-            <a:schemeClr val="accent1"/>
-          </a:effectRef>
-          <a:fontRef idx="minor">
-            <a:schemeClr val="lt1"/>
-          </a:fontRef>
-        </p:style>
-        <p:txBody>
-          <a:bodyPr wrap="square" rtlCol="0" anchor="ctr">
-            <a:noAutofit/>
-          </a:bodyPr>
-          <a:lstStyle/>
-          <a:p>
-            <a:pPr algn="ctr"/>
-            <a:endParaRPr lang="en-US"/>
-          </a:p>
-        </p:txBody>
-      </p:sp>
-      <p:sp>
-        <p:nvSpPr>
-          <p:cNvPr id="16" name="Freeform: Shape 15">
-            <a:extLst>
-              <a:ext uri="{FF2B5EF4-FFF2-40B4-BE49-F238E27FC236}">
-                <a16:creationId xmlns:a16="http://schemas.microsoft.com/office/drawing/2014/main" id="{DD0D3E7A-8DF6-4A78-A03C-86AD697468BE}"/>
-              </a:ext>
-              <a:ext uri="{C183D7F6-B498-43B3-948B-1728B52AA6E4}">
-                <adec:decorative xmlns:adec="http://schemas.microsoft.com/office/drawing/2017/decorative" val="1"/>
-              </a:ext>
-            </a:extLst>
-          </p:cNvPr>
-          <p:cNvSpPr>
-            <a:spLocks noGrp="1" noRot="1" noChangeAspect="1" noMove="1" noResize="1" noEditPoints="1" noAdjustHandles="1" noChangeArrowheads="1" noChangeShapeType="1" noTextEdit="1"/>
-          </p:cNvSpPr>
-          <p:nvPr>
-            <p:extLst>
-              <p:ext uri="{386F3935-93C4-4BCD-93E2-E3B085C9AB24}">
-                <p16:designElem xmlns:p16="http://schemas.microsoft.com/office/powerpoint/2015/main" val="1"/>
-              </p:ext>
-            </p:extLst>
-          </p:nvPr>
-        </p:nvSpPr>
-        <p:spPr>
-          <a:xfrm>
-            <a:off x="8803792" y="3470886"/>
-            <a:ext cx="3388208" cy="3406341"/>
-          </a:xfrm>
-          <a:custGeom>
-            <a:avLst/>
-            <a:gdLst>
-              <a:gd name="connsiteX0" fmla="*/ 3388058 w 3388208"/>
-              <a:gd name="connsiteY0" fmla="*/ 0 h 3406341"/>
-              <a:gd name="connsiteX1" fmla="*/ 3388208 w 3388208"/>
-              <a:gd name="connsiteY1" fmla="*/ 0 h 3406341"/>
-              <a:gd name="connsiteX2" fmla="*/ 3388208 w 3388208"/>
-              <a:gd name="connsiteY2" fmla="*/ 3406341 h 3406341"/>
-              <a:gd name="connsiteX3" fmla="*/ 0 w 3388208"/>
-              <a:gd name="connsiteY3" fmla="*/ 3406341 h 3406341"/>
-              <a:gd name="connsiteX4" fmla="*/ 79006 w 3388208"/>
-              <a:gd name="connsiteY4" fmla="*/ 3404386 h 3406341"/>
-              <a:gd name="connsiteX5" fmla="*/ 3383947 w 3388208"/>
-              <a:gd name="connsiteY5" fmla="*/ 164274 h 3406341"/>
-            </a:gdLst>
-            <a:ahLst/>
-            <a:cxnLst>
-              <a:cxn ang="0">
-                <a:pos x="connsiteX0" y="connsiteY0"/>
-              </a:cxn>
-              <a:cxn ang="0">
-                <a:pos x="connsiteX1" y="connsiteY1"/>
-              </a:cxn>
-              <a:cxn ang="0">
-                <a:pos x="connsiteX2" y="connsiteY2"/>
-              </a:cxn>
-              <a:cxn ang="0">
-                <a:pos x="connsiteX3" y="connsiteY3"/>
-              </a:cxn>
-              <a:cxn ang="0">
-                <a:pos x="connsiteX4" y="connsiteY4"/>
-              </a:cxn>
-              <a:cxn ang="0">
-                <a:pos x="connsiteX5" y="connsiteY5"/>
-              </a:cxn>
-            </a:cxnLst>
-            <a:rect l="l" t="t" r="r" b="b"/>
-            <a:pathLst>
-              <a:path w="3388208" h="3406341">
-                <a:moveTo>
-                  <a:pt x="3388058" y="0"/>
-                </a:moveTo>
-                <a:lnTo>
-                  <a:pt x="3388208" y="0"/>
-                </a:lnTo>
-                <a:lnTo>
-                  <a:pt x="3388208" y="3406341"/>
-                </a:lnTo>
-                <a:lnTo>
-                  <a:pt x="0" y="3406341"/>
-                </a:lnTo>
-                <a:lnTo>
-                  <a:pt x="79006" y="3404386"/>
-                </a:lnTo>
-                <a:cubicBezTo>
-                  <a:pt x="1864742" y="3315784"/>
-                  <a:pt x="3296223" y="1912901"/>
-                  <a:pt x="3383947" y="164274"/>
-                </a:cubicBezTo>
-                <a:close/>
-              </a:path>
-            </a:pathLst>
-          </a:custGeom>
-          <a:solidFill>
-            <a:schemeClr val="tx2"/>
-          </a:solidFill>
-          <a:ln>
-            <a:noFill/>
-          </a:ln>
-        </p:spPr>
-        <p:style>
-          <a:lnRef idx="2">
-            <a:schemeClr val="accent1">
-              <a:shade val="50000"/>
-            </a:schemeClr>
-          </a:lnRef>
-          <a:fillRef idx="1">
-            <a:schemeClr val="accent1"/>
-          </a:fillRef>
-          <a:effectRef idx="0">
-            <a:schemeClr val="accent1"/>
-          </a:effectRef>
-          <a:fontRef idx="minor">
-            <a:schemeClr val="lt1"/>
-          </a:fontRef>
-        </p:style>
-        <p:txBody>
-          <a:bodyPr wrap="square" rtlCol="0" anchor="ctr">
-            <a:noAutofit/>
-          </a:bodyPr>
-          <a:lstStyle/>
-          <a:p>
-            <a:pPr algn="ctr"/>
-            <a:endParaRPr lang="en-US"/>
-          </a:p>
-        </p:txBody>
-      </p:sp>
-      <p:pic>
-        <p:nvPicPr>
-          <p:cNvPr id="5" name="Picture 4">
-            <a:extLst>
-              <a:ext uri="{FF2B5EF4-FFF2-40B4-BE49-F238E27FC236}">
-                <a16:creationId xmlns:a16="http://schemas.microsoft.com/office/drawing/2014/main" id="{90CA9305-22C2-4C60-BADB-80E6146A4FFD}"/>
-              </a:ext>
-            </a:extLst>
-          </p:cNvPr>
-          <p:cNvPicPr>
-            <a:picLocks noChangeAspect="1"/>
-          </p:cNvPicPr>
-          <p:nvPr/>
-        </p:nvPicPr>
-        <p:blipFill>
-          <a:blip r:embed="rId2"/>
-          <a:stretch>
-            <a:fillRect/>
-          </a:stretch>
-        </p:blipFill>
-        <p:spPr>
-          <a:xfrm>
-            <a:off x="5301131" y="1611092"/>
-            <a:ext cx="6350772" cy="3635816"/>
-          </a:xfrm>
-          <a:prstGeom prst="rect">
-            <a:avLst/>
-          </a:prstGeom>
-        </p:spPr>
-      </p:pic>
-      <p:pic>
-        <p:nvPicPr>
-          <p:cNvPr id="4" name="Picture 3">
-            <a:extLst>
-              <a:ext uri="{FF2B5EF4-FFF2-40B4-BE49-F238E27FC236}">
-                <a16:creationId xmlns:a16="http://schemas.microsoft.com/office/drawing/2014/main" id="{F9DFB66B-F348-4D5D-BED3-A9A8E0CB3CE4}"/>
-              </a:ext>
-            </a:extLst>
-          </p:cNvPr>
-          <p:cNvPicPr>
-            <a:picLocks noChangeAspect="1"/>
-          </p:cNvPicPr>
-          <p:nvPr/>
-        </p:nvPicPr>
-        <p:blipFill>
-          <a:blip r:embed="rId3"/>
-          <a:stretch>
-            <a:fillRect/>
-          </a:stretch>
-        </p:blipFill>
-        <p:spPr>
-          <a:xfrm>
-            <a:off x="1077363" y="4400572"/>
-            <a:ext cx="4223767" cy="2337119"/>
-          </a:xfrm>
-          <a:prstGeom prst="rect">
-            <a:avLst/>
-          </a:prstGeom>
-        </p:spPr>
-      </p:pic>
-    </p:spTree>
-    <p:extLst>
-      <p:ext uri="{BB962C8B-B14F-4D97-AF65-F5344CB8AC3E}">
-        <p14:creationId xmlns:p14="http://schemas.microsoft.com/office/powerpoint/2010/main" val="405626480"/>
-      </p:ext>
-    </p:extLst>
-  </p:cSld>
-  <p:clrMapOvr>
-    <a:masterClrMapping/>
-  </p:clrMapOvr>
-</p:sld>
-</file>
-
-<file path=ppt/slides/slide2.xml><?xml version="1.0" encoding="utf-8"?>
-<p:sld xmlns:a="http://schemas.openxmlformats.org/drawingml/2006/main" xmlns:r="http://schemas.openxmlformats.org/officeDocument/2006/relationships" xmlns:p="http://schemas.openxmlformats.org/presentationml/2006/main">
-  <p:cSld>
-    <p:spTree>
-      <p:nvGrpSpPr>
-        <p:cNvPr id="1" name=""/>
-        <p:cNvGrpSpPr/>
-        <p:nvPr/>
-      </p:nvGrpSpPr>
-      <p:grpSpPr>
-        <a:xfrm>
-          <a:off x="0" y="0"/>
-          <a:ext cx="0" cy="0"/>
-          <a:chOff x="0" y="0"/>
-          <a:chExt cx="0" cy="0"/>
-        </a:xfrm>
-      </p:grpSpPr>
-      <p:sp>
-        <p:nvSpPr>
-          <p:cNvPr id="2" name="Title 1">
-            <a:extLst>
-              <a:ext uri="{FF2B5EF4-FFF2-40B4-BE49-F238E27FC236}">
-                <a16:creationId xmlns:a16="http://schemas.microsoft.com/office/drawing/2014/main" id="{C5CB50A2-9C7B-4924-9CAA-3392B4E2484A}"/>
-              </a:ext>
-            </a:extLst>
-          </p:cNvPr>
-          <p:cNvSpPr>
-            <a:spLocks noGrp="1"/>
-          </p:cNvSpPr>
-          <p:nvPr>
-            <p:ph type="title"/>
-          </p:nvPr>
-        </p:nvSpPr>
-        <p:spPr>
-          <a:xfrm>
-            <a:off x="1077362" y="720435"/>
-            <a:ext cx="3188106" cy="1507375"/>
-          </a:xfrm>
-        </p:spPr>
-        <p:txBody>
-          <a:bodyPr vert="horz" lIns="91440" tIns="45720" rIns="91440" bIns="45720" rtlCol="0" anchor="b">
-            <a:normAutofit/>
-          </a:bodyPr>
-          <a:lstStyle/>
-          <a:p>
-            <a:r>
-              <a:rPr lang="en-US" b="1" kern="1200" dirty="0">
-                <a:solidFill>
-                  <a:schemeClr val="tx1"/>
-                </a:solidFill>
-                <a:effectLst/>
-                <a:latin typeface="+mj-lt"/>
-                <a:ea typeface="+mj-ea"/>
-                <a:cs typeface="+mj-cs"/>
-              </a:rPr>
-              <a:t>Clean Data</a:t>
-            </a:r>
-          </a:p>
-        </p:txBody>
-      </p:sp>
-      <p:sp>
-        <p:nvSpPr>
-          <p:cNvPr id="5" name="TextBox 4">
-            <a:extLst>
-              <a:ext uri="{FF2B5EF4-FFF2-40B4-BE49-F238E27FC236}">
-                <a16:creationId xmlns:a16="http://schemas.microsoft.com/office/drawing/2014/main" id="{3809C354-C661-4203-B531-DEFB262471AE}"/>
-              </a:ext>
-            </a:extLst>
-          </p:cNvPr>
-          <p:cNvSpPr txBox="1"/>
-          <p:nvPr/>
-        </p:nvSpPr>
-        <p:spPr>
-          <a:xfrm>
-            <a:off x="1077362" y="2434975"/>
-            <a:ext cx="3082262" cy="2573308"/>
-          </a:xfrm>
-          <a:prstGeom prst="rect">
-            <a:avLst/>
-          </a:prstGeom>
-        </p:spPr>
-        <p:txBody>
-          <a:bodyPr vert="horz" lIns="91440" tIns="45720" rIns="91440" bIns="45720" rtlCol="0">
-            <a:normAutofit fontScale="92500" lnSpcReduction="10000"/>
-          </a:bodyPr>
-          <a:lstStyle/>
-          <a:p>
-            <a:pPr defTabSz="914400">
-              <a:lnSpc>
-                <a:spcPct val="120000"/>
-              </a:lnSpc>
-              <a:spcAft>
-                <a:spcPts val="600"/>
-              </a:spcAft>
-            </a:pPr>
-            <a:r>
-              <a:rPr lang="en-US" dirty="0"/>
-              <a:t>Beer Advocate – Beer Styles</a:t>
-            </a:r>
-          </a:p>
-          <a:p>
-            <a:pPr defTabSz="914400">
-              <a:lnSpc>
-                <a:spcPct val="120000"/>
-              </a:lnSpc>
-              <a:spcAft>
-                <a:spcPts val="600"/>
-              </a:spcAft>
-            </a:pPr>
-            <a:r>
-              <a:rPr lang="en-US" dirty="0"/>
-              <a:t>Using an outside source to group beers into more manageable style groups allowed for better and less busy plots.</a:t>
+              <a:t>All lines with missing beer names were removed.</a:t>
             </a:r>
             <a:br>
               <a:rPr lang="en-US" dirty="0"/>
             </a:br>
             <a:endParaRPr lang="en-US" dirty="0"/>
           </a:p>
-          <a:p>
-            <a:pPr defTabSz="914400">
-              <a:lnSpc>
-                <a:spcPct val="120000"/>
-              </a:lnSpc>
-              <a:spcAft>
-                <a:spcPts val="600"/>
-              </a:spcAft>
-            </a:pPr>
-            <a:r>
-              <a:rPr lang="en-US" dirty="0"/>
-              <a:t>Web Scraping with rvest</a:t>
-            </a:r>
-          </a:p>
-        </p:txBody>
-      </p:sp>
-      <p:sp>
-        <p:nvSpPr>
-          <p:cNvPr id="13" name="TextBox 12">
-            <a:extLst>
-              <a:ext uri="{FF2B5EF4-FFF2-40B4-BE49-F238E27FC236}">
-                <a16:creationId xmlns:a16="http://schemas.microsoft.com/office/drawing/2014/main" id="{2A504421-7722-447A-986C-1201B81E7852}"/>
-              </a:ext>
-            </a:extLst>
-          </p:cNvPr>
-          <p:cNvSpPr txBox="1"/>
-          <p:nvPr/>
-        </p:nvSpPr>
-        <p:spPr>
-          <a:xfrm>
-            <a:off x="5738923" y="6407053"/>
-            <a:ext cx="3865264" cy="307777"/>
-          </a:xfrm>
-          <a:prstGeom prst="rect">
-            <a:avLst/>
-          </a:prstGeom>
-          <a:noFill/>
-        </p:spPr>
-        <p:txBody>
-          <a:bodyPr wrap="square">
-            <a:spAutoFit/>
-          </a:bodyPr>
-          <a:lstStyle/>
-          <a:p>
-            <a:pPr algn="ctr"/>
-            <a:r>
-              <a:rPr lang="en-US" sz="1400" dirty="0"/>
-              <a:t>https://www.beeradvocate.com/beer/styles/</a:t>
-            </a:r>
-          </a:p>
-        </p:txBody>
-      </p:sp>
-      <p:pic>
-        <p:nvPicPr>
-          <p:cNvPr id="7" name="Picture 6">
-            <a:extLst>
-              <a:ext uri="{FF2B5EF4-FFF2-40B4-BE49-F238E27FC236}">
-                <a16:creationId xmlns:a16="http://schemas.microsoft.com/office/drawing/2014/main" id="{22A178B7-68AE-444D-8A4E-FAF4AD1EC097}"/>
-              </a:ext>
-            </a:extLst>
-          </p:cNvPr>
-          <p:cNvPicPr>
-            <a:picLocks noChangeAspect="1"/>
-          </p:cNvPicPr>
-          <p:nvPr/>
-        </p:nvPicPr>
-        <p:blipFill>
-          <a:blip r:embed="rId2"/>
-          <a:stretch>
-            <a:fillRect/>
-          </a:stretch>
-        </p:blipFill>
-        <p:spPr>
-          <a:xfrm>
-            <a:off x="5738922" y="1516815"/>
-            <a:ext cx="3865264" cy="4890238"/>
-          </a:xfrm>
-          <a:prstGeom prst="rect">
-            <a:avLst/>
-          </a:prstGeom>
-        </p:spPr>
-      </p:pic>
-      <p:pic>
-        <p:nvPicPr>
-          <p:cNvPr id="4" name="Picture 3">
-            <a:extLst>
-              <a:ext uri="{FF2B5EF4-FFF2-40B4-BE49-F238E27FC236}">
-                <a16:creationId xmlns:a16="http://schemas.microsoft.com/office/drawing/2014/main" id="{FBA7C434-8949-418D-BC42-98CEE5FE6EA5}"/>
-              </a:ext>
-            </a:extLst>
-          </p:cNvPr>
-          <p:cNvPicPr>
-            <a:picLocks noChangeAspect="1"/>
-          </p:cNvPicPr>
-          <p:nvPr/>
-        </p:nvPicPr>
-        <p:blipFill>
-          <a:blip r:embed="rId3"/>
-          <a:stretch>
-            <a:fillRect/>
-          </a:stretch>
-        </p:blipFill>
-        <p:spPr>
-          <a:xfrm>
-            <a:off x="9687857" y="1516815"/>
-            <a:ext cx="2242556" cy="3020964"/>
-          </a:xfrm>
-          <a:prstGeom prst="rect">
-            <a:avLst/>
-          </a:prstGeom>
-        </p:spPr>
-      </p:pic>
-      <p:sp>
-        <p:nvSpPr>
-          <p:cNvPr id="6" name="TextBox 5">
-            <a:extLst>
-              <a:ext uri="{FF2B5EF4-FFF2-40B4-BE49-F238E27FC236}">
-                <a16:creationId xmlns:a16="http://schemas.microsoft.com/office/drawing/2014/main" id="{DB1D87F7-F164-47B3-A2F0-08E9356B094E}"/>
-              </a:ext>
-            </a:extLst>
-          </p:cNvPr>
-          <p:cNvSpPr txBox="1"/>
-          <p:nvPr/>
-        </p:nvSpPr>
-        <p:spPr>
-          <a:xfrm>
-            <a:off x="9687857" y="4537779"/>
-            <a:ext cx="2242556" cy="276999"/>
-          </a:xfrm>
-          <a:prstGeom prst="rect">
-            <a:avLst/>
-          </a:prstGeom>
-          <a:noFill/>
-        </p:spPr>
-        <p:txBody>
-          <a:bodyPr wrap="square" rtlCol="0">
-            <a:spAutoFit/>
-          </a:bodyPr>
-          <a:lstStyle/>
-          <a:p>
-            <a:pPr algn="ctr"/>
-            <a:r>
-              <a:rPr lang="en-US" sz="1200" dirty="0"/>
-              <a:t>“Other” Category (Top 15)</a:t>
-            </a:r>
-          </a:p>
-        </p:txBody>
-      </p:sp>
-      <p:pic>
-        <p:nvPicPr>
-          <p:cNvPr id="8" name="Picture 7">
-            <a:extLst>
-              <a:ext uri="{FF2B5EF4-FFF2-40B4-BE49-F238E27FC236}">
-                <a16:creationId xmlns:a16="http://schemas.microsoft.com/office/drawing/2014/main" id="{AE62C8F0-8BF3-4A7C-816C-F152D1783427}"/>
-              </a:ext>
-            </a:extLst>
-          </p:cNvPr>
-          <p:cNvPicPr>
-            <a:picLocks noChangeAspect="1"/>
-          </p:cNvPicPr>
-          <p:nvPr/>
-        </p:nvPicPr>
-        <p:blipFill>
-          <a:blip r:embed="rId4"/>
-          <a:stretch>
-            <a:fillRect/>
-          </a:stretch>
-        </p:blipFill>
-        <p:spPr>
-          <a:xfrm>
-            <a:off x="1077362" y="5732464"/>
-            <a:ext cx="3658348" cy="674589"/>
-          </a:xfrm>
-          <a:prstGeom prst="rect">
-            <a:avLst/>
-          </a:prstGeom>
-        </p:spPr>
-      </p:pic>
-      <p:sp>
-        <p:nvSpPr>
-          <p:cNvPr id="10" name="TextBox 9">
-            <a:extLst>
-              <a:ext uri="{FF2B5EF4-FFF2-40B4-BE49-F238E27FC236}">
-                <a16:creationId xmlns:a16="http://schemas.microsoft.com/office/drawing/2014/main" id="{FAA24963-8B33-48A6-95FA-21AD1C1D4F01}"/>
-              </a:ext>
-            </a:extLst>
-          </p:cNvPr>
-          <p:cNvSpPr txBox="1"/>
-          <p:nvPr/>
-        </p:nvSpPr>
-        <p:spPr>
-          <a:xfrm>
-            <a:off x="1077362" y="5393910"/>
-            <a:ext cx="3188106" cy="338554"/>
-          </a:xfrm>
-          <a:prstGeom prst="rect">
-            <a:avLst/>
-          </a:prstGeom>
-          <a:noFill/>
-        </p:spPr>
-        <p:txBody>
-          <a:bodyPr wrap="square" rtlCol="0">
-            <a:spAutoFit/>
-          </a:bodyPr>
-          <a:lstStyle/>
-          <a:p>
-            <a:r>
-              <a:rPr lang="en-US" sz="1600" dirty="0"/>
-              <a:t>ABV &amp; IBU Categories</a:t>
-            </a:r>
-          </a:p>
-        </p:txBody>
-      </p:sp>
-    </p:spTree>
-    <p:extLst>
-      <p:ext uri="{BB962C8B-B14F-4D97-AF65-F5344CB8AC3E}">
-        <p14:creationId xmlns:p14="http://schemas.microsoft.com/office/powerpoint/2010/main" val="3698369124"/>
-      </p:ext>
-    </p:extLst>
-  </p:cSld>
-  <p:clrMapOvr>
-    <a:masterClrMapping/>
-  </p:clrMapOvr>
-</p:sld>
-</file>
-
-<file path=ppt/slides/slide3.xml><?xml version="1.0" encoding="utf-8"?>
-<p:sld xmlns:a="http://schemas.openxmlformats.org/drawingml/2006/main" xmlns:r="http://schemas.openxmlformats.org/officeDocument/2006/relationships" xmlns:p="http://schemas.openxmlformats.org/presentationml/2006/main">
-  <p:cSld>
-    <p:bg>
-      <p:bgPr>
-        <a:solidFill>
-          <a:schemeClr val="bg1"/>
-        </a:solidFill>
-        <a:effectLst/>
-      </p:bgPr>
-    </p:bg>
-    <p:spTree>
-      <p:nvGrpSpPr>
-        <p:cNvPr id="1" name=""/>
-        <p:cNvGrpSpPr/>
-        <p:nvPr/>
-      </p:nvGrpSpPr>
-      <p:grpSpPr>
-        <a:xfrm>
-          <a:off x="0" y="0"/>
-          <a:ext cx="0" cy="0"/>
-          <a:chOff x="0" y="0"/>
-          <a:chExt cx="0" cy="0"/>
-        </a:xfrm>
-      </p:grpSpPr>
-      <p:sp useBgFill="1">
-        <p:nvSpPr>
-          <p:cNvPr id="19" name="Rectangle 9">
-            <a:extLst>
-              <a:ext uri="{FF2B5EF4-FFF2-40B4-BE49-F238E27FC236}">
-                <a16:creationId xmlns:a16="http://schemas.microsoft.com/office/drawing/2014/main" id="{0E4C1DE9-5E1B-46E3-BA0E-821C1334254B}"/>
-              </a:ext>
-              <a:ext uri="{C183D7F6-B498-43B3-948B-1728B52AA6E4}">
-                <adec:decorative xmlns:adec="http://schemas.microsoft.com/office/drawing/2017/decorative" val="1"/>
-              </a:ext>
-            </a:extLst>
-          </p:cNvPr>
-          <p:cNvSpPr>
-            <a:spLocks noGrp="1" noRot="1" noChangeAspect="1" noMove="1" noResize="1" noEditPoints="1" noAdjustHandles="1" noChangeArrowheads="1" noChangeShapeType="1" noTextEdit="1"/>
-          </p:cNvSpPr>
-          <p:nvPr>
-            <p:extLst>
-              <p:ext uri="{386F3935-93C4-4BCD-93E2-E3B085C9AB24}">
-                <p16:designElem xmlns:p16="http://schemas.microsoft.com/office/powerpoint/2015/main" val="1"/>
-              </p:ext>
-            </p:extLst>
-          </p:nvPr>
-        </p:nvSpPr>
-        <p:spPr>
-          <a:xfrm>
-            <a:off x="0" y="0"/>
-            <a:ext cx="12192000" cy="6858000"/>
-          </a:xfrm>
-          <a:prstGeom prst="rect">
-            <a:avLst/>
-          </a:prstGeom>
-          <a:ln w="12700" cap="flat" cmpd="sng" algn="ctr">
-            <a:noFill/>
-            <a:prstDash val="solid"/>
-            <a:miter lim="800000"/>
-          </a:ln>
-          <a:effectLst/>
-          <a:extLst>
-            <a:ext uri="{91240B29-F687-4F45-9708-019B960494DF}">
-              <a14:hiddenLine xmlns:a14="http://schemas.microsoft.com/office/drawing/2010/main" w="12700" cap="flat" cmpd="sng" algn="ctr">
-                <a:solidFill>
-                  <a:schemeClr val="accent1">
-                    <a:shade val="50000"/>
-                  </a:schemeClr>
-                </a:solidFill>
-                <a:prstDash val="solid"/>
-                <a:miter lim="800000"/>
-              </a14:hiddenLine>
-            </a:ext>
-          </a:extLst>
-        </p:spPr>
-        <p:style>
-          <a:lnRef idx="2">
-            <a:schemeClr val="accent1">
-              <a:shade val="50000"/>
-            </a:schemeClr>
-          </a:lnRef>
-          <a:fillRef idx="1">
-            <a:schemeClr val="accent1"/>
-          </a:fillRef>
-          <a:effectRef idx="0">
-            <a:schemeClr val="accent1"/>
-          </a:effectRef>
-          <a:fontRef idx="minor">
-            <a:schemeClr val="lt1"/>
-          </a:fontRef>
-        </p:style>
-        <p:txBody>
-          <a:bodyPr rtlCol="0" anchor="ctr"/>
-          <a:lstStyle/>
-          <a:p>
-            <a:pPr algn="ctr"/>
-            <a:endParaRPr lang="en-US"/>
-          </a:p>
-        </p:txBody>
-      </p:sp>
-      <p:sp>
-        <p:nvSpPr>
-          <p:cNvPr id="2" name="Title 1">
-            <a:extLst>
-              <a:ext uri="{FF2B5EF4-FFF2-40B4-BE49-F238E27FC236}">
-                <a16:creationId xmlns:a16="http://schemas.microsoft.com/office/drawing/2014/main" id="{C5CB50A2-9C7B-4924-9CAA-3392B4E2484A}"/>
-              </a:ext>
-            </a:extLst>
-          </p:cNvPr>
-          <p:cNvSpPr>
-            <a:spLocks noGrp="1"/>
-          </p:cNvSpPr>
-          <p:nvPr>
-            <p:ph type="title"/>
-          </p:nvPr>
-        </p:nvSpPr>
-        <p:spPr>
-          <a:xfrm>
-            <a:off x="1077362" y="720435"/>
-            <a:ext cx="3188106" cy="1507375"/>
-          </a:xfrm>
-        </p:spPr>
-        <p:txBody>
-          <a:bodyPr vert="horz" lIns="91440" tIns="45720" rIns="91440" bIns="45720" rtlCol="0" anchor="b">
-            <a:normAutofit/>
-          </a:bodyPr>
-          <a:lstStyle/>
-          <a:p>
-            <a:r>
-              <a:rPr lang="en-US" b="1" kern="1200">
-                <a:solidFill>
-                  <a:schemeClr val="tx1"/>
-                </a:solidFill>
-                <a:effectLst/>
-                <a:latin typeface="+mj-lt"/>
-                <a:ea typeface="+mj-ea"/>
-                <a:cs typeface="+mj-cs"/>
-              </a:rPr>
-              <a:t>Missing Values</a:t>
-            </a:r>
-          </a:p>
-        </p:txBody>
-      </p:sp>
-      <p:sp>
-        <p:nvSpPr>
-          <p:cNvPr id="5" name="TextBox 4">
-            <a:extLst>
-              <a:ext uri="{FF2B5EF4-FFF2-40B4-BE49-F238E27FC236}">
-                <a16:creationId xmlns:a16="http://schemas.microsoft.com/office/drawing/2014/main" id="{3809C354-C661-4203-B531-DEFB262471AE}"/>
-              </a:ext>
-            </a:extLst>
-          </p:cNvPr>
-          <p:cNvSpPr txBox="1"/>
-          <p:nvPr/>
-        </p:nvSpPr>
-        <p:spPr>
-          <a:xfrm>
-            <a:off x="1077362" y="2434974"/>
-            <a:ext cx="3188106" cy="3505855"/>
-          </a:xfrm>
-          <a:prstGeom prst="rect">
-            <a:avLst/>
-          </a:prstGeom>
-        </p:spPr>
-        <p:txBody>
-          <a:bodyPr vert="horz" lIns="91440" tIns="45720" rIns="91440" bIns="45720" rtlCol="0">
-            <a:normAutofit/>
-          </a:bodyPr>
-          <a:lstStyle/>
           <a:p>
             <a:pPr defTabSz="914400">
               <a:lnSpc>
@@ -6339,36 +8934,379 @@
           </a:p>
         </p:txBody>
       </p:sp>
-      <p:pic>
-        <p:nvPicPr>
-          <p:cNvPr id="9" name="Picture 8">
-            <a:extLst>
-              <a:ext uri="{FF2B5EF4-FFF2-40B4-BE49-F238E27FC236}">
-                <a16:creationId xmlns:a16="http://schemas.microsoft.com/office/drawing/2014/main" id="{D443314D-A0CE-4870-8928-AC7DF0321EF3}"/>
-              </a:ext>
-            </a:extLst>
-          </p:cNvPr>
-          <p:cNvPicPr>
-            <a:picLocks noChangeAspect="1"/>
-          </p:cNvPicPr>
-          <p:nvPr/>
-        </p:nvPicPr>
-        <p:blipFill>
-          <a:blip r:embed="rId2"/>
-          <a:stretch>
-            <a:fillRect/>
-          </a:stretch>
-        </p:blipFill>
-        <p:spPr>
-          <a:xfrm>
-            <a:off x="6023064" y="1620556"/>
-            <a:ext cx="5943409" cy="1122644"/>
-          </a:xfrm>
-          <a:prstGeom prst="rect">
-            <a:avLst/>
-          </a:prstGeom>
-        </p:spPr>
-      </p:pic>
+      <p:graphicFrame>
+        <p:nvGraphicFramePr>
+          <p:cNvPr id="6" name="Table 5">
+            <a:extLst>
+              <a:ext uri="{FF2B5EF4-FFF2-40B4-BE49-F238E27FC236}">
+                <a16:creationId xmlns:a16="http://schemas.microsoft.com/office/drawing/2014/main" id="{65732F58-6337-454F-A525-2FBE405E2FB3}"/>
+              </a:ext>
+            </a:extLst>
+          </p:cNvPr>
+          <p:cNvGraphicFramePr>
+            <a:graphicFrameLocks noGrp="1"/>
+          </p:cNvGraphicFramePr>
+          <p:nvPr>
+            <p:extLst>
+              <p:ext uri="{D42A27DB-BD31-4B8C-83A1-F6EECF244321}">
+                <p14:modId xmlns:p14="http://schemas.microsoft.com/office/powerpoint/2010/main" val="703018772"/>
+              </p:ext>
+            </p:extLst>
+          </p:nvPr>
+        </p:nvGraphicFramePr>
+        <p:xfrm>
+          <a:off x="7455455" y="1196178"/>
+          <a:ext cx="2513938" cy="1238796"/>
+        </p:xfrm>
+        <a:graphic>
+          <a:graphicData uri="http://schemas.openxmlformats.org/drawingml/2006/table">
+            <a:tbl>
+              <a:tblPr/>
+              <a:tblGrid>
+                <a:gridCol w="1256969">
+                  <a:extLst>
+                    <a:ext uri="{9D8B030D-6E8A-4147-A177-3AD203B41FA5}">
+                      <a16:colId xmlns:a16="http://schemas.microsoft.com/office/drawing/2014/main" val="2671305118"/>
+                    </a:ext>
+                  </a:extLst>
+                </a:gridCol>
+                <a:gridCol w="1256969">
+                  <a:extLst>
+                    <a:ext uri="{9D8B030D-6E8A-4147-A177-3AD203B41FA5}">
+                      <a16:colId xmlns:a16="http://schemas.microsoft.com/office/drawing/2014/main" val="1258373697"/>
+                    </a:ext>
+                  </a:extLst>
+                </a:gridCol>
+              </a:tblGrid>
+              <a:tr h="412932">
+                <a:tc gridSpan="2">
+                  <a:txBody>
+                    <a:bodyPr/>
+                    <a:lstStyle/>
+                    <a:p>
+                      <a:pPr algn="ctr" fontAlgn="ctr"/>
+                      <a:r>
+                        <a:rPr lang="en-US" sz="1100" b="1" i="0" u="none" strike="noStrike">
+                          <a:solidFill>
+                            <a:srgbClr val="FFFFFF"/>
+                          </a:solidFill>
+                          <a:effectLst/>
+                          <a:latin typeface="Calibri" panose="020F0502020204030204" pitchFamily="34" charset="0"/>
+                        </a:rPr>
+                        <a:t>Missing Values</a:t>
+                      </a:r>
+                    </a:p>
+                  </a:txBody>
+                  <a:tcPr marL="9525" marR="9525" marT="9525" marB="0" anchor="ctr">
+                    <a:lnL w="6350" cap="flat" cmpd="sng" algn="ctr">
+                      <a:solidFill>
+                        <a:srgbClr val="000000"/>
+                      </a:solidFill>
+                      <a:prstDash val="solid"/>
+                      <a:round/>
+                      <a:headEnd type="none" w="med" len="med"/>
+                      <a:tailEnd type="none" w="med" len="med"/>
+                    </a:lnL>
+                    <a:lnR w="6350" cap="flat" cmpd="sng" algn="ctr">
+                      <a:solidFill>
+                        <a:srgbClr val="000000"/>
+                      </a:solidFill>
+                      <a:prstDash val="solid"/>
+                      <a:round/>
+                      <a:headEnd type="none" w="med" len="med"/>
+                      <a:tailEnd type="none" w="med" len="med"/>
+                    </a:lnR>
+                    <a:lnT w="6350" cap="flat" cmpd="sng" algn="ctr">
+                      <a:solidFill>
+                        <a:srgbClr val="000000"/>
+                      </a:solidFill>
+                      <a:prstDash val="solid"/>
+                      <a:round/>
+                      <a:headEnd type="none" w="med" len="med"/>
+                      <a:tailEnd type="none" w="med" len="med"/>
+                    </a:lnT>
+                    <a:lnB w="6350" cap="flat" cmpd="sng" algn="ctr">
+                      <a:solidFill>
+                        <a:srgbClr val="000000"/>
+                      </a:solidFill>
+                      <a:prstDash val="solid"/>
+                      <a:round/>
+                      <a:headEnd type="none" w="med" len="med"/>
+                      <a:tailEnd type="none" w="med" len="med"/>
+                    </a:lnB>
+                    <a:solidFill>
+                      <a:srgbClr val="0E2C3D"/>
+                    </a:solidFill>
+                  </a:tcPr>
+                </a:tc>
+                <a:tc hMerge="1">
+                  <a:txBody>
+                    <a:bodyPr/>
+                    <a:lstStyle/>
+                    <a:p>
+                      <a:endParaRPr lang="en-US"/>
+                    </a:p>
+                  </a:txBody>
+                  <a:tcPr/>
+                </a:tc>
+                <a:extLst>
+                  <a:ext uri="{0D108BD9-81ED-4DB2-BD59-A6C34878D82A}">
+                    <a16:rowId xmlns:a16="http://schemas.microsoft.com/office/drawing/2014/main" val="1972553342"/>
+                  </a:ext>
+                </a:extLst>
+              </a:tr>
+              <a:tr h="412932">
+                <a:tc>
+                  <a:txBody>
+                    <a:bodyPr/>
+                    <a:lstStyle/>
+                    <a:p>
+                      <a:pPr algn="ctr" fontAlgn="ctr"/>
+                      <a:r>
+                        <a:rPr lang="en-US" sz="1100" b="0" i="0" u="none" strike="noStrike">
+                          <a:solidFill>
+                            <a:srgbClr val="000000"/>
+                          </a:solidFill>
+                          <a:effectLst/>
+                          <a:latin typeface="Calibri" panose="020F0502020204030204" pitchFamily="34" charset="0"/>
+                        </a:rPr>
+                        <a:t>ABV</a:t>
+                      </a:r>
+                    </a:p>
+                  </a:txBody>
+                  <a:tcPr marL="9525" marR="9525" marT="9525" marB="0" anchor="ctr">
+                    <a:lnL w="6350" cap="flat" cmpd="sng" algn="ctr">
+                      <a:solidFill>
+                        <a:srgbClr val="000000"/>
+                      </a:solidFill>
+                      <a:prstDash val="solid"/>
+                      <a:round/>
+                      <a:headEnd type="none" w="med" len="med"/>
+                      <a:tailEnd type="none" w="med" len="med"/>
+                    </a:lnL>
+                    <a:lnR w="6350" cap="flat" cmpd="sng" algn="ctr">
+                      <a:solidFill>
+                        <a:srgbClr val="000000"/>
+                      </a:solidFill>
+                      <a:prstDash val="solid"/>
+                      <a:round/>
+                      <a:headEnd type="none" w="med" len="med"/>
+                      <a:tailEnd type="none" w="med" len="med"/>
+                    </a:lnR>
+                    <a:lnT w="6350" cap="flat" cmpd="sng" algn="ctr">
+                      <a:solidFill>
+                        <a:srgbClr val="000000"/>
+                      </a:solidFill>
+                      <a:prstDash val="solid"/>
+                      <a:round/>
+                      <a:headEnd type="none" w="med" len="med"/>
+                      <a:tailEnd type="none" w="med" len="med"/>
+                    </a:lnT>
+                    <a:lnB w="6350" cap="flat" cmpd="sng" algn="ctr">
+                      <a:solidFill>
+                        <a:srgbClr val="000000"/>
+                      </a:solidFill>
+                      <a:prstDash val="solid"/>
+                      <a:round/>
+                      <a:headEnd type="none" w="med" len="med"/>
+                      <a:tailEnd type="none" w="med" len="med"/>
+                    </a:lnB>
+                    <a:solidFill>
+                      <a:srgbClr val="FDE4CC"/>
+                    </a:solidFill>
+                  </a:tcPr>
+                </a:tc>
+                <a:tc>
+                  <a:txBody>
+                    <a:bodyPr/>
+                    <a:lstStyle/>
+                    <a:p>
+                      <a:pPr algn="ctr" fontAlgn="ctr"/>
+                      <a:r>
+                        <a:rPr lang="en-US" sz="1100" b="0" i="0" u="none" strike="noStrike">
+                          <a:solidFill>
+                            <a:srgbClr val="000000"/>
+                          </a:solidFill>
+                          <a:effectLst/>
+                          <a:latin typeface="Calibri" panose="020F0502020204030204" pitchFamily="34" charset="0"/>
+                        </a:rPr>
+                        <a:t>IBU</a:t>
+                      </a:r>
+                    </a:p>
+                  </a:txBody>
+                  <a:tcPr marL="9525" marR="9525" marT="9525" marB="0" anchor="ctr">
+                    <a:lnL w="6350" cap="flat" cmpd="sng" algn="ctr">
+                      <a:solidFill>
+                        <a:srgbClr val="000000"/>
+                      </a:solidFill>
+                      <a:prstDash val="solid"/>
+                      <a:round/>
+                      <a:headEnd type="none" w="med" len="med"/>
+                      <a:tailEnd type="none" w="med" len="med"/>
+                    </a:lnL>
+                    <a:lnR w="6350" cap="flat" cmpd="sng" algn="ctr">
+                      <a:solidFill>
+                        <a:srgbClr val="000000"/>
+                      </a:solidFill>
+                      <a:prstDash val="solid"/>
+                      <a:round/>
+                      <a:headEnd type="none" w="med" len="med"/>
+                      <a:tailEnd type="none" w="med" len="med"/>
+                    </a:lnR>
+                    <a:lnT w="6350" cap="flat" cmpd="sng" algn="ctr">
+                      <a:solidFill>
+                        <a:srgbClr val="000000"/>
+                      </a:solidFill>
+                      <a:prstDash val="solid"/>
+                      <a:round/>
+                      <a:headEnd type="none" w="med" len="med"/>
+                      <a:tailEnd type="none" w="med" len="med"/>
+                    </a:lnT>
+                    <a:lnB w="6350" cap="flat" cmpd="sng" algn="ctr">
+                      <a:solidFill>
+                        <a:srgbClr val="000000"/>
+                      </a:solidFill>
+                      <a:prstDash val="solid"/>
+                      <a:round/>
+                      <a:headEnd type="none" w="med" len="med"/>
+                      <a:tailEnd type="none" w="med" len="med"/>
+                    </a:lnB>
+                    <a:solidFill>
+                      <a:srgbClr val="F2CCD0"/>
+                    </a:solidFill>
+                  </a:tcPr>
+                </a:tc>
+                <a:extLst>
+                  <a:ext uri="{0D108BD9-81ED-4DB2-BD59-A6C34878D82A}">
+                    <a16:rowId xmlns:a16="http://schemas.microsoft.com/office/drawing/2014/main" val="1756183968"/>
+                  </a:ext>
+                </a:extLst>
+              </a:tr>
+              <a:tr h="412932">
+                <a:tc>
+                  <a:txBody>
+                    <a:bodyPr/>
+                    <a:lstStyle/>
+                    <a:p>
+                      <a:pPr algn="ctr" fontAlgn="ctr"/>
+                      <a:r>
+                        <a:rPr lang="en-US" sz="1100" b="0" i="0" u="none" strike="noStrike">
+                          <a:solidFill>
+                            <a:srgbClr val="000000"/>
+                          </a:solidFill>
+                          <a:effectLst/>
+                          <a:latin typeface="Calibri" panose="020F0502020204030204" pitchFamily="34" charset="0"/>
+                        </a:rPr>
+                        <a:t>62</a:t>
+                      </a:r>
+                    </a:p>
+                  </a:txBody>
+                  <a:tcPr marL="9525" marR="9525" marT="9525" marB="0" anchor="ctr">
+                    <a:lnL w="6350" cap="flat" cmpd="sng" algn="ctr">
+                      <a:solidFill>
+                        <a:srgbClr val="000000"/>
+                      </a:solidFill>
+                      <a:prstDash val="solid"/>
+                      <a:round/>
+                      <a:headEnd type="none" w="med" len="med"/>
+                      <a:tailEnd type="none" w="med" len="med"/>
+                    </a:lnL>
+                    <a:lnR w="6350" cap="flat" cmpd="sng" algn="ctr">
+                      <a:solidFill>
+                        <a:srgbClr val="000000"/>
+                      </a:solidFill>
+                      <a:prstDash val="solid"/>
+                      <a:round/>
+                      <a:headEnd type="none" w="med" len="med"/>
+                      <a:tailEnd type="none" w="med" len="med"/>
+                    </a:lnR>
+                    <a:lnT w="6350" cap="flat" cmpd="sng" algn="ctr">
+                      <a:solidFill>
+                        <a:srgbClr val="000000"/>
+                      </a:solidFill>
+                      <a:prstDash val="solid"/>
+                      <a:round/>
+                      <a:headEnd type="none" w="med" len="med"/>
+                      <a:tailEnd type="none" w="med" len="med"/>
+                    </a:lnT>
+                    <a:lnB w="6350" cap="flat" cmpd="sng" algn="ctr">
+                      <a:solidFill>
+                        <a:srgbClr val="000000"/>
+                      </a:solidFill>
+                      <a:prstDash val="solid"/>
+                      <a:round/>
+                      <a:headEnd type="none" w="med" len="med"/>
+                      <a:tailEnd type="none" w="med" len="med"/>
+                    </a:lnB>
+                  </a:tcPr>
+                </a:tc>
+                <a:tc>
+                  <a:txBody>
+                    <a:bodyPr/>
+                    <a:lstStyle/>
+                    <a:p>
+                      <a:pPr algn="ctr" fontAlgn="ctr"/>
+                      <a:r>
+                        <a:rPr lang="en-US" sz="1100" b="0" i="0" u="none" strike="noStrike" dirty="0">
+                          <a:solidFill>
+                            <a:srgbClr val="000000"/>
+                          </a:solidFill>
+                          <a:effectLst/>
+                          <a:latin typeface="Calibri" panose="020F0502020204030204" pitchFamily="34" charset="0"/>
+                        </a:rPr>
+                        <a:t>1004</a:t>
+                      </a:r>
+                    </a:p>
+                  </a:txBody>
+                  <a:tcPr marL="9525" marR="9525" marT="9525" marB="0" anchor="ctr">
+                    <a:lnL w="6350" cap="flat" cmpd="sng" algn="ctr">
+                      <a:solidFill>
+                        <a:srgbClr val="000000"/>
+                      </a:solidFill>
+                      <a:prstDash val="solid"/>
+                      <a:round/>
+                      <a:headEnd type="none" w="med" len="med"/>
+                      <a:tailEnd type="none" w="med" len="med"/>
+                    </a:lnL>
+                    <a:lnR w="6350" cap="flat" cmpd="sng" algn="ctr">
+                      <a:solidFill>
+                        <a:srgbClr val="000000"/>
+                      </a:solidFill>
+                      <a:prstDash val="solid"/>
+                      <a:round/>
+                      <a:headEnd type="none" w="med" len="med"/>
+                      <a:tailEnd type="none" w="med" len="med"/>
+                    </a:lnR>
+                    <a:lnT w="6350" cap="flat" cmpd="sng" algn="ctr">
+                      <a:solidFill>
+                        <a:srgbClr val="000000"/>
+                      </a:solidFill>
+                      <a:prstDash val="solid"/>
+                      <a:round/>
+                      <a:headEnd type="none" w="med" len="med"/>
+                      <a:tailEnd type="none" w="med" len="med"/>
+                    </a:lnT>
+                    <a:lnB w="6350" cap="flat" cmpd="sng" algn="ctr">
+                      <a:solidFill>
+                        <a:srgbClr val="000000"/>
+                      </a:solidFill>
+                      <a:prstDash val="solid"/>
+                      <a:round/>
+                      <a:headEnd type="none" w="med" len="med"/>
+                      <a:tailEnd type="none" w="med" len="med"/>
+                    </a:lnB>
+                  </a:tcPr>
+                </a:tc>
+                <a:extLst>
+                  <a:ext uri="{0D108BD9-81ED-4DB2-BD59-A6C34878D82A}">
+                    <a16:rowId xmlns:a16="http://schemas.microsoft.com/office/drawing/2014/main" val="690173680"/>
+                  </a:ext>
+                </a:extLst>
+              </a:tr>
+            </a:tbl>
+          </a:graphicData>
+        </a:graphic>
+      </p:graphicFrame>
     </p:spTree>
     <p:extLst>
       <p:ext uri="{BB962C8B-B14F-4D97-AF65-F5344CB8AC3E}">
@@ -6427,17 +9365,17 @@
           <a:p>
             <a:r>
               <a:rPr lang="en-US" dirty="0"/>
-              <a:t>Beers by State</a:t>
+              <a:t>Breweries by State</a:t>
             </a:r>
           </a:p>
         </p:txBody>
       </p:sp>
       <p:pic>
         <p:nvPicPr>
-          <p:cNvPr id="4" name="Picture 3">
-            <a:extLst>
-              <a:ext uri="{FF2B5EF4-FFF2-40B4-BE49-F238E27FC236}">
-                <a16:creationId xmlns:a16="http://schemas.microsoft.com/office/drawing/2014/main" id="{AAD33485-30B8-404A-B414-34E25EB6D6F7}"/>
+          <p:cNvPr id="5" name="Picture 4">
+            <a:extLst>
+              <a:ext uri="{FF2B5EF4-FFF2-40B4-BE49-F238E27FC236}">
+                <a16:creationId xmlns:a16="http://schemas.microsoft.com/office/drawing/2014/main" id="{46A7CD2F-1646-483D-9186-DCAF6C0B17C9}"/>
               </a:ext>
             </a:extLst>
           </p:cNvPr>
@@ -6446,16 +9384,15 @@
           </p:cNvPicPr>
           <p:nvPr/>
         </p:nvPicPr>
-        <p:blipFill>
+        <p:blipFill rotWithShape="1">
           <a:blip r:embed="rId2"/>
-          <a:stretch>
-            <a:fillRect/>
-          </a:stretch>
+          <a:srcRect t="-1" b="1046"/>
+          <a:stretch/>
         </p:blipFill>
         <p:spPr>
           <a:xfrm>
             <a:off x="1077362" y="1332754"/>
-            <a:ext cx="8359485" cy="5247830"/>
+            <a:ext cx="9472346" cy="4754538"/>
           </a:xfrm>
           <a:prstGeom prst="rect">
             <a:avLst/>
@@ -6464,10 +9401,10 @@
       </p:pic>
       <p:pic>
         <p:nvPicPr>
-          <p:cNvPr id="13" name="Picture 12">
-            <a:extLst>
-              <a:ext uri="{FF2B5EF4-FFF2-40B4-BE49-F238E27FC236}">
-                <a16:creationId xmlns:a16="http://schemas.microsoft.com/office/drawing/2014/main" id="{BC31C7A1-FAE1-4B15-8686-E2C0A8B1391B}"/>
+          <p:cNvPr id="7" name="Picture 6">
+            <a:extLst>
+              <a:ext uri="{FF2B5EF4-FFF2-40B4-BE49-F238E27FC236}">
+                <a16:creationId xmlns:a16="http://schemas.microsoft.com/office/drawing/2014/main" id="{F631DF45-F9D0-4954-B16E-F75C8C2590D8}"/>
               </a:ext>
             </a:extLst>
           </p:cNvPr>
@@ -6484,8 +9421,8 @@
         </p:blipFill>
         <p:spPr>
           <a:xfrm>
-            <a:off x="4927035" y="1254034"/>
-            <a:ext cx="6730437" cy="3540035"/>
+            <a:off x="5164809" y="904541"/>
+            <a:ext cx="6850360" cy="3440094"/>
           </a:xfrm>
           <a:prstGeom prst="rect">
             <a:avLst/>
@@ -6557,10 +9494,10 @@
       </p:sp>
       <p:pic>
         <p:nvPicPr>
-          <p:cNvPr id="9" name="Picture 8">
-            <a:extLst>
-              <a:ext uri="{FF2B5EF4-FFF2-40B4-BE49-F238E27FC236}">
-                <a16:creationId xmlns:a16="http://schemas.microsoft.com/office/drawing/2014/main" id="{C8FC784E-F026-4D14-8170-A3F3F20FF57B}"/>
+          <p:cNvPr id="4" name="Picture 3">
+            <a:extLst>
+              <a:ext uri="{FF2B5EF4-FFF2-40B4-BE49-F238E27FC236}">
+                <a16:creationId xmlns:a16="http://schemas.microsoft.com/office/drawing/2014/main" id="{0945A4B6-E46A-46BA-8DF9-42C906B9023C}"/>
               </a:ext>
             </a:extLst>
           </p:cNvPr>
@@ -6577,8 +9514,8 @@
         </p:blipFill>
         <p:spPr>
           <a:xfrm>
-            <a:off x="1077362" y="1332752"/>
-            <a:ext cx="8311073" cy="2651760"/>
+            <a:off x="1077361" y="1332752"/>
+            <a:ext cx="8255835" cy="2560320"/>
           </a:xfrm>
           <a:prstGeom prst="rect">
             <a:avLst/>
@@ -6587,10 +9524,10 @@
       </p:pic>
       <p:pic>
         <p:nvPicPr>
-          <p:cNvPr id="11" name="Picture 10">
-            <a:extLst>
-              <a:ext uri="{FF2B5EF4-FFF2-40B4-BE49-F238E27FC236}">
-                <a16:creationId xmlns:a16="http://schemas.microsoft.com/office/drawing/2014/main" id="{83BB5DAC-8A79-4EC3-9018-C160F5A2C06B}"/>
+          <p:cNvPr id="6" name="Picture 5">
+            <a:extLst>
+              <a:ext uri="{FF2B5EF4-FFF2-40B4-BE49-F238E27FC236}">
+                <a16:creationId xmlns:a16="http://schemas.microsoft.com/office/drawing/2014/main" id="{4C38F43F-7593-4154-A22F-53157D9ED19C}"/>
               </a:ext>
             </a:extLst>
           </p:cNvPr>
@@ -6607,8 +9544,8 @@
         </p:blipFill>
         <p:spPr>
           <a:xfrm>
-            <a:off x="1077362" y="3984512"/>
-            <a:ext cx="8339673" cy="2651760"/>
+            <a:off x="1077360" y="3893072"/>
+            <a:ext cx="8215242" cy="2560320"/>
           </a:xfrm>
           <a:prstGeom prst="rect">
             <a:avLst/>
@@ -6629,539 +9566,6 @@
 </file>
 
 <file path=ppt/slides/slide6.xml><?xml version="1.0" encoding="utf-8"?>
-<p:sld xmlns:a="http://schemas.openxmlformats.org/drawingml/2006/main" xmlns:r="http://schemas.openxmlformats.org/officeDocument/2006/relationships" xmlns:p="http://schemas.openxmlformats.org/presentationml/2006/main">
-  <p:cSld>
-    <p:bg>
-      <p:bgPr>
-        <a:solidFill>
-          <a:schemeClr val="bg1"/>
-        </a:solidFill>
-        <a:effectLst/>
-      </p:bgPr>
-    </p:bg>
-    <p:spTree>
-      <p:nvGrpSpPr>
-        <p:cNvPr id="1" name=""/>
-        <p:cNvGrpSpPr/>
-        <p:nvPr/>
-      </p:nvGrpSpPr>
-      <p:grpSpPr>
-        <a:xfrm>
-          <a:off x="0" y="0"/>
-          <a:ext cx="0" cy="0"/>
-          <a:chOff x="0" y="0"/>
-          <a:chExt cx="0" cy="0"/>
-        </a:xfrm>
-      </p:grpSpPr>
-      <p:sp useBgFill="1">
-        <p:nvSpPr>
-          <p:cNvPr id="12" name="Rectangle 11">
-            <a:extLst>
-              <a:ext uri="{FF2B5EF4-FFF2-40B4-BE49-F238E27FC236}">
-                <a16:creationId xmlns:a16="http://schemas.microsoft.com/office/drawing/2014/main" id="{DA1766D0-745A-4921-A68E-56642A6508CF}"/>
-              </a:ext>
-              <a:ext uri="{C183D7F6-B498-43B3-948B-1728B52AA6E4}">
-                <adec:decorative xmlns:adec="http://schemas.microsoft.com/office/drawing/2017/decorative" val="1"/>
-              </a:ext>
-            </a:extLst>
-          </p:cNvPr>
-          <p:cNvSpPr>
-            <a:spLocks noGrp="1" noRot="1" noChangeAspect="1" noMove="1" noResize="1" noEditPoints="1" noAdjustHandles="1" noChangeArrowheads="1" noChangeShapeType="1" noTextEdit="1"/>
-          </p:cNvSpPr>
-          <p:nvPr>
-            <p:extLst>
-              <p:ext uri="{386F3935-93C4-4BCD-93E2-E3B085C9AB24}">
-                <p16:designElem xmlns:p16="http://schemas.microsoft.com/office/powerpoint/2015/main" val="1"/>
-              </p:ext>
-            </p:extLst>
-          </p:nvPr>
-        </p:nvSpPr>
-        <p:spPr>
-          <a:xfrm>
-            <a:off x="0" y="0"/>
-            <a:ext cx="12192000" cy="6858000"/>
-          </a:xfrm>
-          <a:prstGeom prst="rect">
-            <a:avLst/>
-          </a:prstGeom>
-          <a:ln w="12700" cap="flat" cmpd="sng" algn="ctr">
-            <a:noFill/>
-            <a:prstDash val="solid"/>
-            <a:miter lim="800000"/>
-          </a:ln>
-          <a:effectLst/>
-          <a:extLst>
-            <a:ext uri="{91240B29-F687-4F45-9708-019B960494DF}">
-              <a14:hiddenLine xmlns:a14="http://schemas.microsoft.com/office/drawing/2010/main" w="12700" cap="flat" cmpd="sng" algn="ctr">
-                <a:solidFill>
-                  <a:schemeClr val="accent1">
-                    <a:shade val="50000"/>
-                  </a:schemeClr>
-                </a:solidFill>
-                <a:prstDash val="solid"/>
-                <a:miter lim="800000"/>
-              </a14:hiddenLine>
-            </a:ext>
-          </a:extLst>
-        </p:spPr>
-        <p:style>
-          <a:lnRef idx="2">
-            <a:schemeClr val="accent1">
-              <a:shade val="50000"/>
-            </a:schemeClr>
-          </a:lnRef>
-          <a:fillRef idx="1">
-            <a:schemeClr val="accent1"/>
-          </a:fillRef>
-          <a:effectRef idx="0">
-            <a:schemeClr val="accent1"/>
-          </a:effectRef>
-          <a:fontRef idx="minor">
-            <a:schemeClr val="lt1"/>
-          </a:fontRef>
-        </p:style>
-        <p:txBody>
-          <a:bodyPr rtlCol="0" anchor="ctr"/>
-          <a:lstStyle/>
-          <a:p>
-            <a:pPr algn="ctr"/>
-            <a:endParaRPr lang="en-US"/>
-          </a:p>
-        </p:txBody>
-      </p:sp>
-      <p:sp>
-        <p:nvSpPr>
-          <p:cNvPr id="2" name="Title 1">
-            <a:extLst>
-              <a:ext uri="{FF2B5EF4-FFF2-40B4-BE49-F238E27FC236}">
-                <a16:creationId xmlns:a16="http://schemas.microsoft.com/office/drawing/2014/main" id="{C5CB50A2-9C7B-4924-9CAA-3392B4E2484A}"/>
-              </a:ext>
-            </a:extLst>
-          </p:cNvPr>
-          <p:cNvSpPr>
-            <a:spLocks noGrp="1"/>
-          </p:cNvSpPr>
-          <p:nvPr>
-            <p:ph type="title"/>
-          </p:nvPr>
-        </p:nvSpPr>
-        <p:spPr>
-          <a:xfrm>
-            <a:off x="1077364" y="720435"/>
-            <a:ext cx="4140096" cy="1507375"/>
-          </a:xfrm>
-        </p:spPr>
-        <p:txBody>
-          <a:bodyPr vert="horz" lIns="91440" tIns="45720" rIns="91440" bIns="45720" rtlCol="0" anchor="b">
-            <a:normAutofit/>
-          </a:bodyPr>
-          <a:lstStyle/>
-          <a:p>
-            <a:r>
-              <a:rPr lang="en-US" b="1" kern="1200">
-                <a:solidFill>
-                  <a:schemeClr val="tx1"/>
-                </a:solidFill>
-                <a:effectLst/>
-                <a:latin typeface="+mj-lt"/>
-                <a:ea typeface="+mj-ea"/>
-                <a:cs typeface="+mj-cs"/>
-              </a:rPr>
-              <a:t>Utah ABV/IBU</a:t>
-            </a:r>
-          </a:p>
-        </p:txBody>
-      </p:sp>
-      <p:sp>
-        <p:nvSpPr>
-          <p:cNvPr id="7" name="TextBox 6">
-            <a:extLst>
-              <a:ext uri="{FF2B5EF4-FFF2-40B4-BE49-F238E27FC236}">
-                <a16:creationId xmlns:a16="http://schemas.microsoft.com/office/drawing/2014/main" id="{7DC97F81-8D10-4B72-8E0D-46A46A16EA67}"/>
-              </a:ext>
-            </a:extLst>
-          </p:cNvPr>
-          <p:cNvSpPr txBox="1"/>
-          <p:nvPr/>
-        </p:nvSpPr>
-        <p:spPr>
-          <a:xfrm>
-            <a:off x="1077364" y="2427316"/>
-            <a:ext cx="4140096" cy="3513514"/>
-          </a:xfrm>
-          <a:prstGeom prst="rect">
-            <a:avLst/>
-          </a:prstGeom>
-        </p:spPr>
-        <p:txBody>
-          <a:bodyPr vert="horz" lIns="91440" tIns="45720" rIns="91440" bIns="45720" rtlCol="0">
-            <a:normAutofit/>
-          </a:bodyPr>
-          <a:lstStyle/>
-          <a:p>
-            <a:pPr defTabSz="914400">
-              <a:lnSpc>
-                <a:spcPct val="120000"/>
-              </a:lnSpc>
-              <a:spcAft>
-                <a:spcPts val="600"/>
-              </a:spcAft>
-            </a:pPr>
-            <a:r>
-              <a:rPr lang="en-US" dirty="0"/>
-              <a:t>Utah has a negative correlation for IBU vs. ABV.</a:t>
-            </a:r>
-          </a:p>
-        </p:txBody>
-      </p:sp>
-      <p:sp>
-        <p:nvSpPr>
-          <p:cNvPr id="14" name="Freeform: Shape 13">
-            <a:extLst>
-              <a:ext uri="{FF2B5EF4-FFF2-40B4-BE49-F238E27FC236}">
-                <a16:creationId xmlns:a16="http://schemas.microsoft.com/office/drawing/2014/main" id="{583F1E3F-D7BF-4DB5-8016-70B9E385E338}"/>
-              </a:ext>
-              <a:ext uri="{C183D7F6-B498-43B3-948B-1728B52AA6E4}">
-                <adec:decorative xmlns:adec="http://schemas.microsoft.com/office/drawing/2017/decorative" val="1"/>
-              </a:ext>
-            </a:extLst>
-          </p:cNvPr>
-          <p:cNvSpPr>
-            <a:spLocks noGrp="1" noRot="1" noChangeAspect="1" noMove="1" noResize="1" noEditPoints="1" noAdjustHandles="1" noChangeArrowheads="1" noChangeShapeType="1" noTextEdit="1"/>
-          </p:cNvSpPr>
-          <p:nvPr>
-            <p:extLst>
-              <p:ext uri="{386F3935-93C4-4BCD-93E2-E3B085C9AB24}">
-                <p16:designElem xmlns:p16="http://schemas.microsoft.com/office/powerpoint/2015/main" val="1"/>
-              </p:ext>
-            </p:extLst>
-          </p:nvPr>
-        </p:nvSpPr>
-        <p:spPr>
-          <a:xfrm rot="16200000">
-            <a:off x="8794726" y="-9066"/>
-            <a:ext cx="3388208" cy="3406341"/>
-          </a:xfrm>
-          <a:custGeom>
-            <a:avLst/>
-            <a:gdLst>
-              <a:gd name="connsiteX0" fmla="*/ 3388058 w 3388208"/>
-              <a:gd name="connsiteY0" fmla="*/ 0 h 3406341"/>
-              <a:gd name="connsiteX1" fmla="*/ 3388208 w 3388208"/>
-              <a:gd name="connsiteY1" fmla="*/ 0 h 3406341"/>
-              <a:gd name="connsiteX2" fmla="*/ 3388208 w 3388208"/>
-              <a:gd name="connsiteY2" fmla="*/ 3406341 h 3406341"/>
-              <a:gd name="connsiteX3" fmla="*/ 0 w 3388208"/>
-              <a:gd name="connsiteY3" fmla="*/ 3406341 h 3406341"/>
-              <a:gd name="connsiteX4" fmla="*/ 79006 w 3388208"/>
-              <a:gd name="connsiteY4" fmla="*/ 3404386 h 3406341"/>
-              <a:gd name="connsiteX5" fmla="*/ 3383947 w 3388208"/>
-              <a:gd name="connsiteY5" fmla="*/ 164274 h 3406341"/>
-            </a:gdLst>
-            <a:ahLst/>
-            <a:cxnLst>
-              <a:cxn ang="0">
-                <a:pos x="connsiteX0" y="connsiteY0"/>
-              </a:cxn>
-              <a:cxn ang="0">
-                <a:pos x="connsiteX1" y="connsiteY1"/>
-              </a:cxn>
-              <a:cxn ang="0">
-                <a:pos x="connsiteX2" y="connsiteY2"/>
-              </a:cxn>
-              <a:cxn ang="0">
-                <a:pos x="connsiteX3" y="connsiteY3"/>
-              </a:cxn>
-              <a:cxn ang="0">
-                <a:pos x="connsiteX4" y="connsiteY4"/>
-              </a:cxn>
-              <a:cxn ang="0">
-                <a:pos x="connsiteX5" y="connsiteY5"/>
-              </a:cxn>
-            </a:cxnLst>
-            <a:rect l="l" t="t" r="r" b="b"/>
-            <a:pathLst>
-              <a:path w="3388208" h="3406341">
-                <a:moveTo>
-                  <a:pt x="3388058" y="0"/>
-                </a:moveTo>
-                <a:lnTo>
-                  <a:pt x="3388208" y="0"/>
-                </a:lnTo>
-                <a:lnTo>
-                  <a:pt x="3388208" y="3406341"/>
-                </a:lnTo>
-                <a:lnTo>
-                  <a:pt x="0" y="3406341"/>
-                </a:lnTo>
-                <a:lnTo>
-                  <a:pt x="79006" y="3404386"/>
-                </a:lnTo>
-                <a:cubicBezTo>
-                  <a:pt x="1864742" y="3315784"/>
-                  <a:pt x="3296223" y="1912901"/>
-                  <a:pt x="3383947" y="164274"/>
-                </a:cubicBezTo>
-                <a:close/>
-              </a:path>
-            </a:pathLst>
-          </a:custGeom>
-          <a:solidFill>
-            <a:schemeClr val="accent5"/>
-          </a:solidFill>
-          <a:ln>
-            <a:noFill/>
-          </a:ln>
-        </p:spPr>
-        <p:style>
-          <a:lnRef idx="2">
-            <a:schemeClr val="accent1">
-              <a:shade val="50000"/>
-            </a:schemeClr>
-          </a:lnRef>
-          <a:fillRef idx="1">
-            <a:schemeClr val="accent1"/>
-          </a:fillRef>
-          <a:effectRef idx="0">
-            <a:schemeClr val="accent1"/>
-          </a:effectRef>
-          <a:fontRef idx="minor">
-            <a:schemeClr val="lt1"/>
-          </a:fontRef>
-        </p:style>
-        <p:txBody>
-          <a:bodyPr wrap="square" rtlCol="0" anchor="ctr">
-            <a:noAutofit/>
-          </a:bodyPr>
-          <a:lstStyle/>
-          <a:p>
-            <a:pPr algn="ctr"/>
-            <a:endParaRPr lang="en-US"/>
-          </a:p>
-        </p:txBody>
-      </p:sp>
-      <p:sp>
-        <p:nvSpPr>
-          <p:cNvPr id="16" name="Freeform: Shape 15">
-            <a:extLst>
-              <a:ext uri="{FF2B5EF4-FFF2-40B4-BE49-F238E27FC236}">
-                <a16:creationId xmlns:a16="http://schemas.microsoft.com/office/drawing/2014/main" id="{DD0D3E7A-8DF6-4A78-A03C-86AD697468BE}"/>
-              </a:ext>
-              <a:ext uri="{C183D7F6-B498-43B3-948B-1728B52AA6E4}">
-                <adec:decorative xmlns:adec="http://schemas.microsoft.com/office/drawing/2017/decorative" val="1"/>
-              </a:ext>
-            </a:extLst>
-          </p:cNvPr>
-          <p:cNvSpPr>
-            <a:spLocks noGrp="1" noRot="1" noChangeAspect="1" noMove="1" noResize="1" noEditPoints="1" noAdjustHandles="1" noChangeArrowheads="1" noChangeShapeType="1" noTextEdit="1"/>
-          </p:cNvSpPr>
-          <p:nvPr>
-            <p:extLst>
-              <p:ext uri="{386F3935-93C4-4BCD-93E2-E3B085C9AB24}">
-                <p16:designElem xmlns:p16="http://schemas.microsoft.com/office/powerpoint/2015/main" val="1"/>
-              </p:ext>
-            </p:extLst>
-          </p:nvPr>
-        </p:nvSpPr>
-        <p:spPr>
-          <a:xfrm>
-            <a:off x="8803792" y="3470886"/>
-            <a:ext cx="3388208" cy="3406341"/>
-          </a:xfrm>
-          <a:custGeom>
-            <a:avLst/>
-            <a:gdLst>
-              <a:gd name="connsiteX0" fmla="*/ 3388058 w 3388208"/>
-              <a:gd name="connsiteY0" fmla="*/ 0 h 3406341"/>
-              <a:gd name="connsiteX1" fmla="*/ 3388208 w 3388208"/>
-              <a:gd name="connsiteY1" fmla="*/ 0 h 3406341"/>
-              <a:gd name="connsiteX2" fmla="*/ 3388208 w 3388208"/>
-              <a:gd name="connsiteY2" fmla="*/ 3406341 h 3406341"/>
-              <a:gd name="connsiteX3" fmla="*/ 0 w 3388208"/>
-              <a:gd name="connsiteY3" fmla="*/ 3406341 h 3406341"/>
-              <a:gd name="connsiteX4" fmla="*/ 79006 w 3388208"/>
-              <a:gd name="connsiteY4" fmla="*/ 3404386 h 3406341"/>
-              <a:gd name="connsiteX5" fmla="*/ 3383947 w 3388208"/>
-              <a:gd name="connsiteY5" fmla="*/ 164274 h 3406341"/>
-            </a:gdLst>
-            <a:ahLst/>
-            <a:cxnLst>
-              <a:cxn ang="0">
-                <a:pos x="connsiteX0" y="connsiteY0"/>
-              </a:cxn>
-              <a:cxn ang="0">
-                <a:pos x="connsiteX1" y="connsiteY1"/>
-              </a:cxn>
-              <a:cxn ang="0">
-                <a:pos x="connsiteX2" y="connsiteY2"/>
-              </a:cxn>
-              <a:cxn ang="0">
-                <a:pos x="connsiteX3" y="connsiteY3"/>
-              </a:cxn>
-              <a:cxn ang="0">
-                <a:pos x="connsiteX4" y="connsiteY4"/>
-              </a:cxn>
-              <a:cxn ang="0">
-                <a:pos x="connsiteX5" y="connsiteY5"/>
-              </a:cxn>
-            </a:cxnLst>
-            <a:rect l="l" t="t" r="r" b="b"/>
-            <a:pathLst>
-              <a:path w="3388208" h="3406341">
-                <a:moveTo>
-                  <a:pt x="3388058" y="0"/>
-                </a:moveTo>
-                <a:lnTo>
-                  <a:pt x="3388208" y="0"/>
-                </a:lnTo>
-                <a:lnTo>
-                  <a:pt x="3388208" y="3406341"/>
-                </a:lnTo>
-                <a:lnTo>
-                  <a:pt x="0" y="3406341"/>
-                </a:lnTo>
-                <a:lnTo>
-                  <a:pt x="79006" y="3404386"/>
-                </a:lnTo>
-                <a:cubicBezTo>
-                  <a:pt x="1864742" y="3315784"/>
-                  <a:pt x="3296223" y="1912901"/>
-                  <a:pt x="3383947" y="164274"/>
-                </a:cubicBezTo>
-                <a:close/>
-              </a:path>
-            </a:pathLst>
-          </a:custGeom>
-          <a:solidFill>
-            <a:schemeClr val="tx2"/>
-          </a:solidFill>
-          <a:ln>
-            <a:noFill/>
-          </a:ln>
-        </p:spPr>
-        <p:style>
-          <a:lnRef idx="2">
-            <a:schemeClr val="accent1">
-              <a:shade val="50000"/>
-            </a:schemeClr>
-          </a:lnRef>
-          <a:fillRef idx="1">
-            <a:schemeClr val="accent1"/>
-          </a:fillRef>
-          <a:effectRef idx="0">
-            <a:schemeClr val="accent1"/>
-          </a:effectRef>
-          <a:fontRef idx="minor">
-            <a:schemeClr val="lt1"/>
-          </a:fontRef>
-        </p:style>
-        <p:txBody>
-          <a:bodyPr wrap="square" rtlCol="0" anchor="ctr">
-            <a:noAutofit/>
-          </a:bodyPr>
-          <a:lstStyle/>
-          <a:p>
-            <a:pPr algn="ctr"/>
-            <a:endParaRPr lang="en-US"/>
-          </a:p>
-        </p:txBody>
-      </p:sp>
-      <p:pic>
-        <p:nvPicPr>
-          <p:cNvPr id="4" name="Picture 3">
-            <a:extLst>
-              <a:ext uri="{FF2B5EF4-FFF2-40B4-BE49-F238E27FC236}">
-                <a16:creationId xmlns:a16="http://schemas.microsoft.com/office/drawing/2014/main" id="{95DFBCB3-42D2-460A-A522-C42F14947FBC}"/>
-              </a:ext>
-            </a:extLst>
-          </p:cNvPr>
-          <p:cNvPicPr>
-            <a:picLocks noChangeAspect="1"/>
-          </p:cNvPicPr>
-          <p:nvPr/>
-        </p:nvPicPr>
-        <p:blipFill>
-          <a:blip r:embed="rId2"/>
-          <a:stretch>
-            <a:fillRect/>
-          </a:stretch>
-        </p:blipFill>
-        <p:spPr>
-          <a:xfrm>
-            <a:off x="6146464" y="1333873"/>
-            <a:ext cx="4788861" cy="4190252"/>
-          </a:xfrm>
-          <a:prstGeom prst="rect">
-            <a:avLst/>
-          </a:prstGeom>
-        </p:spPr>
-      </p:pic>
-      <p:sp>
-        <p:nvSpPr>
-          <p:cNvPr id="9" name="TextBox 8">
-            <a:extLst>
-              <a:ext uri="{FF2B5EF4-FFF2-40B4-BE49-F238E27FC236}">
-                <a16:creationId xmlns:a16="http://schemas.microsoft.com/office/drawing/2014/main" id="{98084F2E-44C2-441B-A643-6FA894AA8DD7}"/>
-              </a:ext>
-            </a:extLst>
-          </p:cNvPr>
-          <p:cNvSpPr txBox="1"/>
-          <p:nvPr/>
-        </p:nvSpPr>
-        <p:spPr>
-          <a:xfrm>
-            <a:off x="1077364" y="3733799"/>
-            <a:ext cx="4140096" cy="2462213"/>
-          </a:xfrm>
-          <a:prstGeom prst="rect">
-            <a:avLst/>
-          </a:prstGeom>
-          <a:noFill/>
-        </p:spPr>
-        <p:txBody>
-          <a:bodyPr wrap="square">
-            <a:spAutoFit/>
-          </a:bodyPr>
-          <a:lstStyle/>
-          <a:p>
-            <a:r>
-              <a:rPr lang="en-US" sz="1400" dirty="0"/>
-              <a:t>On November 1</a:t>
-            </a:r>
-            <a:r>
-              <a:rPr lang="en-US" sz="1400"/>
-              <a:t>, 2019, </a:t>
-            </a:r>
-            <a:r>
-              <a:rPr lang="en-US" sz="1400" dirty="0"/>
-              <a:t>Utah alcohol laws were updated once again.  This time it was in favor of higher alcohol beer in grocery stores and convenience stores.  Previously, Utah law only allowed these locations to sell retail beer with alcohol content up to 4% alcohol by volume.  The new law allows for retail beer up to 5% ABV.  Beer with higher than 5% ABV will continue to be sold in state-run liquor stores just as it was before.</a:t>
-            </a:r>
-          </a:p>
-          <a:p>
-            <a:endParaRPr lang="en-US" sz="1400" dirty="0"/>
-          </a:p>
-          <a:p>
-            <a:r>
-              <a:rPr lang="en-US" sz="1400" dirty="0"/>
-              <a:t>From - Utah.com</a:t>
-            </a:r>
-          </a:p>
-        </p:txBody>
-      </p:sp>
-    </p:spTree>
-    <p:extLst>
-      <p:ext uri="{BB962C8B-B14F-4D97-AF65-F5344CB8AC3E}">
-        <p14:creationId xmlns:p14="http://schemas.microsoft.com/office/powerpoint/2010/main" val="2909093754"/>
-      </p:ext>
-    </p:extLst>
-  </p:cSld>
-  <p:clrMapOvr>
-    <a:masterClrMapping/>
-  </p:clrMapOvr>
-</p:sld>
-</file>
-
-<file path=ppt/slides/slide7.xml><?xml version="1.0" encoding="utf-8"?>
 <p:sld xmlns:a="http://schemas.openxmlformats.org/drawingml/2006/main" xmlns:r="http://schemas.openxmlformats.org/officeDocument/2006/relationships" xmlns:p="http://schemas.openxmlformats.org/presentationml/2006/main">
   <p:cSld>
     <p:bg>
@@ -7767,7 +10171,7 @@
 </p:sld>
 </file>
 
-<file path=ppt/slides/slide8.xml><?xml version="1.0" encoding="utf-8"?>
+<file path=ppt/slides/slide7.xml><?xml version="1.0" encoding="utf-8"?>
 <p:sld xmlns:a="http://schemas.openxmlformats.org/drawingml/2006/main" xmlns:r="http://schemas.openxmlformats.org/officeDocument/2006/relationships" xmlns:p="http://schemas.openxmlformats.org/presentationml/2006/main">
   <p:cSld>
     <p:bg>
@@ -8363,7 +10767,7 @@
         </p:spPr>
         <p:txBody>
           <a:bodyPr vert="horz" lIns="91440" tIns="45720" rIns="91440" bIns="45720" rtlCol="0">
-            <a:normAutofit fontScale="85000" lnSpcReduction="10000"/>
+            <a:normAutofit/>
           </a:bodyPr>
           <a:lstStyle/>
           <a:p>
@@ -8379,65 +10783,25 @@
               <a:rPr lang="en-US" dirty="0"/>
               <a:t>While ABV has a large range, the 50% of beers fall between 5.0% and 6.7%</a:t>
             </a:r>
-          </a:p>
-          <a:p>
-            <a:pPr defTabSz="914400">
-              <a:lnSpc>
-                <a:spcPct val="120000"/>
-              </a:lnSpc>
-              <a:spcAft>
-                <a:spcPts val="600"/>
-              </a:spcAft>
-            </a:pPr>
-            <a:endParaRPr lang="en-US" dirty="0"/>
-          </a:p>
-          <a:p>
-            <a:pPr defTabSz="914400">
-              <a:lnSpc>
-                <a:spcPct val="120000"/>
-              </a:lnSpc>
-              <a:spcAft>
-                <a:spcPts val="600"/>
-              </a:spcAft>
-            </a:pPr>
+            <a:br>
+              <a:rPr lang="en-US" dirty="0"/>
+            </a:br>
+            <a:br>
+              <a:rPr lang="en-US" dirty="0"/>
+            </a:br>
             <a:r>
               <a:rPr lang="en-US" dirty="0"/>
               <a:t>Its distribution is close to normal but is slightly right skewed.</a:t>
             </a:r>
           </a:p>
-          <a:p>
-            <a:pPr defTabSz="914400">
-              <a:lnSpc>
-                <a:spcPct val="120000"/>
-              </a:lnSpc>
-              <a:spcAft>
-                <a:spcPts val="600"/>
-              </a:spcAft>
-            </a:pPr>
-            <a:endParaRPr lang="en-US" dirty="0"/>
-          </a:p>
-          <a:p>
-            <a:pPr defTabSz="914400">
-              <a:lnSpc>
-                <a:spcPct val="120000"/>
-              </a:lnSpc>
-              <a:spcAft>
-                <a:spcPts val="600"/>
-              </a:spcAft>
-            </a:pPr>
-            <a:r>
-              <a:rPr lang="en-US" dirty="0"/>
-              <a:t>We decided to remove “Scotty K NA” from the dataset because it’s ABV was so significantly less than any other beer we considered it an outlier.</a:t>
-            </a:r>
-          </a:p>
         </p:txBody>
       </p:sp>
       <p:pic>
         <p:nvPicPr>
-          <p:cNvPr id="20" name="Picture 19">
-            <a:extLst>
-              <a:ext uri="{FF2B5EF4-FFF2-40B4-BE49-F238E27FC236}">
-                <a16:creationId xmlns:a16="http://schemas.microsoft.com/office/drawing/2014/main" id="{C087F79A-ABDC-4FFF-9398-4F5297C7ACDF}"/>
+          <p:cNvPr id="4" name="Picture 3">
+            <a:extLst>
+              <a:ext uri="{FF2B5EF4-FFF2-40B4-BE49-F238E27FC236}">
+                <a16:creationId xmlns:a16="http://schemas.microsoft.com/office/drawing/2014/main" id="{5EABA450-4FE5-486A-A879-A8B24936EBCC}"/>
               </a:ext>
             </a:extLst>
           </p:cNvPr>
@@ -8454,8 +10818,8 @@
         </p:blipFill>
         <p:spPr>
           <a:xfrm>
-            <a:off x="8717617" y="3394674"/>
-            <a:ext cx="3466402" cy="3426048"/>
+            <a:off x="8717619" y="3410357"/>
+            <a:ext cx="3466402" cy="3442287"/>
           </a:xfrm>
           <a:prstGeom prst="rect">
             <a:avLst/>
@@ -8464,10 +10828,10 @@
       </p:pic>
       <p:pic>
         <p:nvPicPr>
-          <p:cNvPr id="27" name="Picture 26">
-            <a:extLst>
-              <a:ext uri="{FF2B5EF4-FFF2-40B4-BE49-F238E27FC236}">
-                <a16:creationId xmlns:a16="http://schemas.microsoft.com/office/drawing/2014/main" id="{5042C15B-6326-4843-8FCD-C5FE96233407}"/>
+          <p:cNvPr id="6" name="Picture 5">
+            <a:extLst>
+              <a:ext uri="{FF2B5EF4-FFF2-40B4-BE49-F238E27FC236}">
+                <a16:creationId xmlns:a16="http://schemas.microsoft.com/office/drawing/2014/main" id="{D760A19D-06D1-45AE-8F50-53DEA2C157DE}"/>
               </a:ext>
             </a:extLst>
           </p:cNvPr>
@@ -8484,8 +10848,1043 @@
         </p:blipFill>
         <p:spPr>
           <a:xfrm>
-            <a:off x="5228967" y="-9778"/>
-            <a:ext cx="3472983" cy="3404452"/>
+            <a:off x="5226684" y="-1"/>
+            <a:ext cx="3490935" cy="3403419"/>
+          </a:xfrm>
+          <a:prstGeom prst="rect">
+            <a:avLst/>
+          </a:prstGeom>
+        </p:spPr>
+      </p:pic>
+      <p:graphicFrame>
+        <p:nvGraphicFramePr>
+          <p:cNvPr id="10" name="Table 9">
+            <a:extLst>
+              <a:ext uri="{FF2B5EF4-FFF2-40B4-BE49-F238E27FC236}">
+                <a16:creationId xmlns:a16="http://schemas.microsoft.com/office/drawing/2014/main" id="{AE126AEE-4461-4559-87C6-09EE32B4C4A6}"/>
+              </a:ext>
+            </a:extLst>
+          </p:cNvPr>
+          <p:cNvGraphicFramePr>
+            <a:graphicFrameLocks noGrp="1"/>
+          </p:cNvGraphicFramePr>
+          <p:nvPr>
+            <p:extLst>
+              <p:ext uri="{D42A27DB-BD31-4B8C-83A1-F6EECF244321}">
+                <p14:modId xmlns:p14="http://schemas.microsoft.com/office/powerpoint/2010/main" val="3504074880"/>
+              </p:ext>
+            </p:extLst>
+          </p:nvPr>
+        </p:nvGraphicFramePr>
+        <p:xfrm>
+          <a:off x="1683543" y="4939511"/>
+          <a:ext cx="1651328" cy="1718283"/>
+        </p:xfrm>
+        <a:graphic>
+          <a:graphicData uri="http://schemas.openxmlformats.org/drawingml/2006/table">
+            <a:tbl>
+              <a:tblPr/>
+              <a:tblGrid>
+                <a:gridCol w="825664">
+                  <a:extLst>
+                    <a:ext uri="{9D8B030D-6E8A-4147-A177-3AD203B41FA5}">
+                      <a16:colId xmlns:a16="http://schemas.microsoft.com/office/drawing/2014/main" val="1380259480"/>
+                    </a:ext>
+                  </a:extLst>
+                </a:gridCol>
+                <a:gridCol w="825664">
+                  <a:extLst>
+                    <a:ext uri="{9D8B030D-6E8A-4147-A177-3AD203B41FA5}">
+                      <a16:colId xmlns:a16="http://schemas.microsoft.com/office/drawing/2014/main" val="4100869554"/>
+                    </a:ext>
+                  </a:extLst>
+                </a:gridCol>
+              </a:tblGrid>
+              <a:tr h="245469">
+                <a:tc gridSpan="2">
+                  <a:txBody>
+                    <a:bodyPr/>
+                    <a:lstStyle/>
+                    <a:p>
+                      <a:pPr algn="ctr" fontAlgn="ctr"/>
+                      <a:r>
+                        <a:rPr lang="en-US" sz="1100" b="1" i="0" u="none" strike="noStrike">
+                          <a:solidFill>
+                            <a:srgbClr val="FFFFFF"/>
+                          </a:solidFill>
+                          <a:effectLst/>
+                          <a:latin typeface="Calibri" panose="020F0502020204030204" pitchFamily="34" charset="0"/>
+                        </a:rPr>
+                        <a:t>Summary Statistics</a:t>
+                      </a:r>
+                    </a:p>
+                  </a:txBody>
+                  <a:tcPr marL="9525" marR="9525" marT="9525" marB="0" anchor="ctr">
+                    <a:lnL w="6350" cap="flat" cmpd="sng" algn="ctr">
+                      <a:solidFill>
+                        <a:srgbClr val="000000"/>
+                      </a:solidFill>
+                      <a:prstDash val="solid"/>
+                      <a:round/>
+                      <a:headEnd type="none" w="med" len="med"/>
+                      <a:tailEnd type="none" w="med" len="med"/>
+                    </a:lnL>
+                    <a:lnR w="6350" cap="flat" cmpd="sng" algn="ctr">
+                      <a:solidFill>
+                        <a:srgbClr val="000000"/>
+                      </a:solidFill>
+                      <a:prstDash val="solid"/>
+                      <a:round/>
+                      <a:headEnd type="none" w="med" len="med"/>
+                      <a:tailEnd type="none" w="med" len="med"/>
+                    </a:lnR>
+                    <a:lnT w="6350" cap="flat" cmpd="sng" algn="ctr">
+                      <a:solidFill>
+                        <a:srgbClr val="000000"/>
+                      </a:solidFill>
+                      <a:prstDash val="solid"/>
+                      <a:round/>
+                      <a:headEnd type="none" w="med" len="med"/>
+                      <a:tailEnd type="none" w="med" len="med"/>
+                    </a:lnT>
+                    <a:lnB w="6350" cap="flat" cmpd="sng" algn="ctr">
+                      <a:solidFill>
+                        <a:srgbClr val="000000"/>
+                      </a:solidFill>
+                      <a:prstDash val="solid"/>
+                      <a:round/>
+                      <a:headEnd type="none" w="med" len="med"/>
+                      <a:tailEnd type="none" w="med" len="med"/>
+                    </a:lnB>
+                    <a:solidFill>
+                      <a:srgbClr val="0E2C3D"/>
+                    </a:solidFill>
+                  </a:tcPr>
+                </a:tc>
+                <a:tc hMerge="1">
+                  <a:txBody>
+                    <a:bodyPr/>
+                    <a:lstStyle/>
+                    <a:p>
+                      <a:endParaRPr lang="en-US"/>
+                    </a:p>
+                  </a:txBody>
+                  <a:tcPr/>
+                </a:tc>
+                <a:extLst>
+                  <a:ext uri="{0D108BD9-81ED-4DB2-BD59-A6C34878D82A}">
+                    <a16:rowId xmlns:a16="http://schemas.microsoft.com/office/drawing/2014/main" val="8097473"/>
+                  </a:ext>
+                </a:extLst>
+              </a:tr>
+              <a:tr h="245469">
+                <a:tc>
+                  <a:txBody>
+                    <a:bodyPr/>
+                    <a:lstStyle/>
+                    <a:p>
+                      <a:pPr algn="l" fontAlgn="ctr"/>
+                      <a:r>
+                        <a:rPr lang="en-US" sz="1100" b="0" i="0" u="none" strike="noStrike">
+                          <a:solidFill>
+                            <a:srgbClr val="000000"/>
+                          </a:solidFill>
+                          <a:effectLst/>
+                          <a:latin typeface="Calibri" panose="020F0502020204030204" pitchFamily="34" charset="0"/>
+                        </a:rPr>
+                        <a:t>Min</a:t>
+                      </a:r>
+                    </a:p>
+                  </a:txBody>
+                  <a:tcPr marL="9525" marR="9525" marT="9525" marB="0" anchor="ctr">
+                    <a:lnL w="6350" cap="flat" cmpd="sng" algn="ctr">
+                      <a:solidFill>
+                        <a:srgbClr val="000000"/>
+                      </a:solidFill>
+                      <a:prstDash val="solid"/>
+                      <a:round/>
+                      <a:headEnd type="none" w="med" len="med"/>
+                      <a:tailEnd type="none" w="med" len="med"/>
+                    </a:lnL>
+                    <a:lnR w="6350" cap="flat" cmpd="sng" algn="ctr">
+                      <a:solidFill>
+                        <a:srgbClr val="000000"/>
+                      </a:solidFill>
+                      <a:prstDash val="solid"/>
+                      <a:round/>
+                      <a:headEnd type="none" w="med" len="med"/>
+                      <a:tailEnd type="none" w="med" len="med"/>
+                    </a:lnR>
+                    <a:lnT w="6350" cap="flat" cmpd="sng" algn="ctr">
+                      <a:solidFill>
+                        <a:srgbClr val="000000"/>
+                      </a:solidFill>
+                      <a:prstDash val="solid"/>
+                      <a:round/>
+                      <a:headEnd type="none" w="med" len="med"/>
+                      <a:tailEnd type="none" w="med" len="med"/>
+                    </a:lnT>
+                    <a:lnB w="6350" cap="flat" cmpd="sng" algn="ctr">
+                      <a:solidFill>
+                        <a:srgbClr val="000000"/>
+                      </a:solidFill>
+                      <a:prstDash val="solid"/>
+                      <a:round/>
+                      <a:headEnd type="none" w="med" len="med"/>
+                      <a:tailEnd type="none" w="med" len="med"/>
+                    </a:lnB>
+                    <a:solidFill>
+                      <a:srgbClr val="D9D9D9"/>
+                    </a:solidFill>
+                  </a:tcPr>
+                </a:tc>
+                <a:tc>
+                  <a:txBody>
+                    <a:bodyPr/>
+                    <a:lstStyle/>
+                    <a:p>
+                      <a:pPr algn="r" fontAlgn="ctr"/>
+                      <a:r>
+                        <a:rPr lang="en-US" sz="1100" b="0" i="0" u="none" strike="noStrike">
+                          <a:solidFill>
+                            <a:srgbClr val="000000"/>
+                          </a:solidFill>
+                          <a:effectLst/>
+                          <a:latin typeface="Calibri" panose="020F0502020204030204" pitchFamily="34" charset="0"/>
+                        </a:rPr>
+                        <a:t>0.027</a:t>
+                      </a:r>
+                    </a:p>
+                  </a:txBody>
+                  <a:tcPr marL="9525" marR="9525" marT="9525" marB="0" anchor="ctr">
+                    <a:lnL w="6350" cap="flat" cmpd="sng" algn="ctr">
+                      <a:solidFill>
+                        <a:srgbClr val="000000"/>
+                      </a:solidFill>
+                      <a:prstDash val="solid"/>
+                      <a:round/>
+                      <a:headEnd type="none" w="med" len="med"/>
+                      <a:tailEnd type="none" w="med" len="med"/>
+                    </a:lnL>
+                    <a:lnR w="6350" cap="flat" cmpd="sng" algn="ctr">
+                      <a:solidFill>
+                        <a:srgbClr val="000000"/>
+                      </a:solidFill>
+                      <a:prstDash val="solid"/>
+                      <a:round/>
+                      <a:headEnd type="none" w="med" len="med"/>
+                      <a:tailEnd type="none" w="med" len="med"/>
+                    </a:lnR>
+                    <a:lnT w="6350" cap="flat" cmpd="sng" algn="ctr">
+                      <a:solidFill>
+                        <a:srgbClr val="000000"/>
+                      </a:solidFill>
+                      <a:prstDash val="solid"/>
+                      <a:round/>
+                      <a:headEnd type="none" w="med" len="med"/>
+                      <a:tailEnd type="none" w="med" len="med"/>
+                    </a:lnT>
+                    <a:lnB w="6350" cap="flat" cmpd="sng" algn="ctr">
+                      <a:solidFill>
+                        <a:srgbClr val="000000"/>
+                      </a:solidFill>
+                      <a:prstDash val="solid"/>
+                      <a:round/>
+                      <a:headEnd type="none" w="med" len="med"/>
+                      <a:tailEnd type="none" w="med" len="med"/>
+                    </a:lnB>
+                  </a:tcPr>
+                </a:tc>
+                <a:extLst>
+                  <a:ext uri="{0D108BD9-81ED-4DB2-BD59-A6C34878D82A}">
+                    <a16:rowId xmlns:a16="http://schemas.microsoft.com/office/drawing/2014/main" val="1768142995"/>
+                  </a:ext>
+                </a:extLst>
+              </a:tr>
+              <a:tr h="245469">
+                <a:tc>
+                  <a:txBody>
+                    <a:bodyPr/>
+                    <a:lstStyle/>
+                    <a:p>
+                      <a:pPr algn="l" fontAlgn="ctr"/>
+                      <a:r>
+                        <a:rPr lang="en-US" sz="1100" b="0" i="0" u="none" strike="noStrike">
+                          <a:solidFill>
+                            <a:srgbClr val="000000"/>
+                          </a:solidFill>
+                          <a:effectLst/>
+                          <a:latin typeface="Calibri" panose="020F0502020204030204" pitchFamily="34" charset="0"/>
+                        </a:rPr>
+                        <a:t>1st Qu.</a:t>
+                      </a:r>
+                    </a:p>
+                  </a:txBody>
+                  <a:tcPr marL="9525" marR="9525" marT="9525" marB="0" anchor="ctr">
+                    <a:lnL w="6350" cap="flat" cmpd="sng" algn="ctr">
+                      <a:solidFill>
+                        <a:srgbClr val="000000"/>
+                      </a:solidFill>
+                      <a:prstDash val="solid"/>
+                      <a:round/>
+                      <a:headEnd type="none" w="med" len="med"/>
+                      <a:tailEnd type="none" w="med" len="med"/>
+                    </a:lnL>
+                    <a:lnR w="6350" cap="flat" cmpd="sng" algn="ctr">
+                      <a:solidFill>
+                        <a:srgbClr val="000000"/>
+                      </a:solidFill>
+                      <a:prstDash val="solid"/>
+                      <a:round/>
+                      <a:headEnd type="none" w="med" len="med"/>
+                      <a:tailEnd type="none" w="med" len="med"/>
+                    </a:lnR>
+                    <a:lnT w="6350" cap="flat" cmpd="sng" algn="ctr">
+                      <a:solidFill>
+                        <a:srgbClr val="000000"/>
+                      </a:solidFill>
+                      <a:prstDash val="solid"/>
+                      <a:round/>
+                      <a:headEnd type="none" w="med" len="med"/>
+                      <a:tailEnd type="none" w="med" len="med"/>
+                    </a:lnT>
+                    <a:lnB w="6350" cap="flat" cmpd="sng" algn="ctr">
+                      <a:solidFill>
+                        <a:srgbClr val="000000"/>
+                      </a:solidFill>
+                      <a:prstDash val="solid"/>
+                      <a:round/>
+                      <a:headEnd type="none" w="med" len="med"/>
+                      <a:tailEnd type="none" w="med" len="med"/>
+                    </a:lnB>
+                    <a:solidFill>
+                      <a:srgbClr val="D9D9D9"/>
+                    </a:solidFill>
+                  </a:tcPr>
+                </a:tc>
+                <a:tc>
+                  <a:txBody>
+                    <a:bodyPr/>
+                    <a:lstStyle/>
+                    <a:p>
+                      <a:pPr algn="r" fontAlgn="ctr"/>
+                      <a:r>
+                        <a:rPr lang="en-US" sz="1100" b="0" i="0" u="none" strike="noStrike">
+                          <a:solidFill>
+                            <a:srgbClr val="000000"/>
+                          </a:solidFill>
+                          <a:effectLst/>
+                          <a:latin typeface="Calibri" panose="020F0502020204030204" pitchFamily="34" charset="0"/>
+                        </a:rPr>
+                        <a:t>0.05</a:t>
+                      </a:r>
+                    </a:p>
+                  </a:txBody>
+                  <a:tcPr marL="9525" marR="9525" marT="9525" marB="0" anchor="ctr">
+                    <a:lnL w="6350" cap="flat" cmpd="sng" algn="ctr">
+                      <a:solidFill>
+                        <a:srgbClr val="000000"/>
+                      </a:solidFill>
+                      <a:prstDash val="solid"/>
+                      <a:round/>
+                      <a:headEnd type="none" w="med" len="med"/>
+                      <a:tailEnd type="none" w="med" len="med"/>
+                    </a:lnL>
+                    <a:lnR w="6350" cap="flat" cmpd="sng" algn="ctr">
+                      <a:solidFill>
+                        <a:srgbClr val="000000"/>
+                      </a:solidFill>
+                      <a:prstDash val="solid"/>
+                      <a:round/>
+                      <a:headEnd type="none" w="med" len="med"/>
+                      <a:tailEnd type="none" w="med" len="med"/>
+                    </a:lnR>
+                    <a:lnT w="6350" cap="flat" cmpd="sng" algn="ctr">
+                      <a:solidFill>
+                        <a:srgbClr val="000000"/>
+                      </a:solidFill>
+                      <a:prstDash val="solid"/>
+                      <a:round/>
+                      <a:headEnd type="none" w="med" len="med"/>
+                      <a:tailEnd type="none" w="med" len="med"/>
+                    </a:lnT>
+                    <a:lnB w="6350" cap="flat" cmpd="sng" algn="ctr">
+                      <a:solidFill>
+                        <a:srgbClr val="000000"/>
+                      </a:solidFill>
+                      <a:prstDash val="solid"/>
+                      <a:round/>
+                      <a:headEnd type="none" w="med" len="med"/>
+                      <a:tailEnd type="none" w="med" len="med"/>
+                    </a:lnB>
+                  </a:tcPr>
+                </a:tc>
+                <a:extLst>
+                  <a:ext uri="{0D108BD9-81ED-4DB2-BD59-A6C34878D82A}">
+                    <a16:rowId xmlns:a16="http://schemas.microsoft.com/office/drawing/2014/main" val="1409498049"/>
+                  </a:ext>
+                </a:extLst>
+              </a:tr>
+              <a:tr h="245469">
+                <a:tc>
+                  <a:txBody>
+                    <a:bodyPr/>
+                    <a:lstStyle/>
+                    <a:p>
+                      <a:pPr algn="l" fontAlgn="ctr"/>
+                      <a:r>
+                        <a:rPr lang="en-US" sz="1100" b="0" i="0" u="none" strike="noStrike">
+                          <a:solidFill>
+                            <a:srgbClr val="000000"/>
+                          </a:solidFill>
+                          <a:effectLst/>
+                          <a:latin typeface="Calibri" panose="020F0502020204030204" pitchFamily="34" charset="0"/>
+                        </a:rPr>
+                        <a:t>Median</a:t>
+                      </a:r>
+                    </a:p>
+                  </a:txBody>
+                  <a:tcPr marL="9525" marR="9525" marT="9525" marB="0" anchor="ctr">
+                    <a:lnL w="6350" cap="flat" cmpd="sng" algn="ctr">
+                      <a:solidFill>
+                        <a:srgbClr val="000000"/>
+                      </a:solidFill>
+                      <a:prstDash val="solid"/>
+                      <a:round/>
+                      <a:headEnd type="none" w="med" len="med"/>
+                      <a:tailEnd type="none" w="med" len="med"/>
+                    </a:lnL>
+                    <a:lnR w="6350" cap="flat" cmpd="sng" algn="ctr">
+                      <a:solidFill>
+                        <a:srgbClr val="000000"/>
+                      </a:solidFill>
+                      <a:prstDash val="solid"/>
+                      <a:round/>
+                      <a:headEnd type="none" w="med" len="med"/>
+                      <a:tailEnd type="none" w="med" len="med"/>
+                    </a:lnR>
+                    <a:lnT w="6350" cap="flat" cmpd="sng" algn="ctr">
+                      <a:solidFill>
+                        <a:srgbClr val="000000"/>
+                      </a:solidFill>
+                      <a:prstDash val="solid"/>
+                      <a:round/>
+                      <a:headEnd type="none" w="med" len="med"/>
+                      <a:tailEnd type="none" w="med" len="med"/>
+                    </a:lnT>
+                    <a:lnB w="6350" cap="flat" cmpd="sng" algn="ctr">
+                      <a:solidFill>
+                        <a:srgbClr val="000000"/>
+                      </a:solidFill>
+                      <a:prstDash val="solid"/>
+                      <a:round/>
+                      <a:headEnd type="none" w="med" len="med"/>
+                      <a:tailEnd type="none" w="med" len="med"/>
+                    </a:lnB>
+                    <a:solidFill>
+                      <a:srgbClr val="D9D9D9"/>
+                    </a:solidFill>
+                  </a:tcPr>
+                </a:tc>
+                <a:tc>
+                  <a:txBody>
+                    <a:bodyPr/>
+                    <a:lstStyle/>
+                    <a:p>
+                      <a:pPr algn="r" fontAlgn="ctr"/>
+                      <a:r>
+                        <a:rPr lang="en-US" sz="1100" b="0" i="0" u="none" strike="noStrike">
+                          <a:solidFill>
+                            <a:srgbClr val="000000"/>
+                          </a:solidFill>
+                          <a:effectLst/>
+                          <a:latin typeface="Calibri" panose="020F0502020204030204" pitchFamily="34" charset="0"/>
+                        </a:rPr>
+                        <a:t>0.056</a:t>
+                      </a:r>
+                    </a:p>
+                  </a:txBody>
+                  <a:tcPr marL="9525" marR="9525" marT="9525" marB="0" anchor="ctr">
+                    <a:lnL w="6350" cap="flat" cmpd="sng" algn="ctr">
+                      <a:solidFill>
+                        <a:srgbClr val="000000"/>
+                      </a:solidFill>
+                      <a:prstDash val="solid"/>
+                      <a:round/>
+                      <a:headEnd type="none" w="med" len="med"/>
+                      <a:tailEnd type="none" w="med" len="med"/>
+                    </a:lnL>
+                    <a:lnR w="6350" cap="flat" cmpd="sng" algn="ctr">
+                      <a:solidFill>
+                        <a:srgbClr val="000000"/>
+                      </a:solidFill>
+                      <a:prstDash val="solid"/>
+                      <a:round/>
+                      <a:headEnd type="none" w="med" len="med"/>
+                      <a:tailEnd type="none" w="med" len="med"/>
+                    </a:lnR>
+                    <a:lnT w="6350" cap="flat" cmpd="sng" algn="ctr">
+                      <a:solidFill>
+                        <a:srgbClr val="000000"/>
+                      </a:solidFill>
+                      <a:prstDash val="solid"/>
+                      <a:round/>
+                      <a:headEnd type="none" w="med" len="med"/>
+                      <a:tailEnd type="none" w="med" len="med"/>
+                    </a:lnT>
+                    <a:lnB w="6350" cap="flat" cmpd="sng" algn="ctr">
+                      <a:solidFill>
+                        <a:srgbClr val="000000"/>
+                      </a:solidFill>
+                      <a:prstDash val="solid"/>
+                      <a:round/>
+                      <a:headEnd type="none" w="med" len="med"/>
+                      <a:tailEnd type="none" w="med" len="med"/>
+                    </a:lnB>
+                  </a:tcPr>
+                </a:tc>
+                <a:extLst>
+                  <a:ext uri="{0D108BD9-81ED-4DB2-BD59-A6C34878D82A}">
+                    <a16:rowId xmlns:a16="http://schemas.microsoft.com/office/drawing/2014/main" val="4119728498"/>
+                  </a:ext>
+                </a:extLst>
+              </a:tr>
+              <a:tr h="245469">
+                <a:tc>
+                  <a:txBody>
+                    <a:bodyPr/>
+                    <a:lstStyle/>
+                    <a:p>
+                      <a:pPr algn="l" fontAlgn="ctr"/>
+                      <a:r>
+                        <a:rPr lang="en-US" sz="1100" b="0" i="0" u="none" strike="noStrike">
+                          <a:solidFill>
+                            <a:srgbClr val="000000"/>
+                          </a:solidFill>
+                          <a:effectLst/>
+                          <a:latin typeface="Calibri" panose="020F0502020204030204" pitchFamily="34" charset="0"/>
+                        </a:rPr>
+                        <a:t>Mean</a:t>
+                      </a:r>
+                    </a:p>
+                  </a:txBody>
+                  <a:tcPr marL="9525" marR="9525" marT="9525" marB="0" anchor="ctr">
+                    <a:lnL w="6350" cap="flat" cmpd="sng" algn="ctr">
+                      <a:solidFill>
+                        <a:srgbClr val="000000"/>
+                      </a:solidFill>
+                      <a:prstDash val="solid"/>
+                      <a:round/>
+                      <a:headEnd type="none" w="med" len="med"/>
+                      <a:tailEnd type="none" w="med" len="med"/>
+                    </a:lnL>
+                    <a:lnR w="6350" cap="flat" cmpd="sng" algn="ctr">
+                      <a:solidFill>
+                        <a:srgbClr val="000000"/>
+                      </a:solidFill>
+                      <a:prstDash val="solid"/>
+                      <a:round/>
+                      <a:headEnd type="none" w="med" len="med"/>
+                      <a:tailEnd type="none" w="med" len="med"/>
+                    </a:lnR>
+                    <a:lnT w="6350" cap="flat" cmpd="sng" algn="ctr">
+                      <a:solidFill>
+                        <a:srgbClr val="000000"/>
+                      </a:solidFill>
+                      <a:prstDash val="solid"/>
+                      <a:round/>
+                      <a:headEnd type="none" w="med" len="med"/>
+                      <a:tailEnd type="none" w="med" len="med"/>
+                    </a:lnT>
+                    <a:lnB w="6350" cap="flat" cmpd="sng" algn="ctr">
+                      <a:solidFill>
+                        <a:srgbClr val="000000"/>
+                      </a:solidFill>
+                      <a:prstDash val="solid"/>
+                      <a:round/>
+                      <a:headEnd type="none" w="med" len="med"/>
+                      <a:tailEnd type="none" w="med" len="med"/>
+                    </a:lnB>
+                    <a:solidFill>
+                      <a:srgbClr val="D9D9D9"/>
+                    </a:solidFill>
+                  </a:tcPr>
+                </a:tc>
+                <a:tc>
+                  <a:txBody>
+                    <a:bodyPr/>
+                    <a:lstStyle/>
+                    <a:p>
+                      <a:pPr algn="r" fontAlgn="ctr"/>
+                      <a:r>
+                        <a:rPr lang="en-US" sz="1100" b="0" i="0" u="none" strike="noStrike">
+                          <a:solidFill>
+                            <a:srgbClr val="000000"/>
+                          </a:solidFill>
+                          <a:effectLst/>
+                          <a:latin typeface="Calibri" panose="020F0502020204030204" pitchFamily="34" charset="0"/>
+                        </a:rPr>
+                        <a:t>0.0598</a:t>
+                      </a:r>
+                    </a:p>
+                  </a:txBody>
+                  <a:tcPr marL="9525" marR="9525" marT="9525" marB="0" anchor="ctr">
+                    <a:lnL w="6350" cap="flat" cmpd="sng" algn="ctr">
+                      <a:solidFill>
+                        <a:srgbClr val="000000"/>
+                      </a:solidFill>
+                      <a:prstDash val="solid"/>
+                      <a:round/>
+                      <a:headEnd type="none" w="med" len="med"/>
+                      <a:tailEnd type="none" w="med" len="med"/>
+                    </a:lnL>
+                    <a:lnR w="6350" cap="flat" cmpd="sng" algn="ctr">
+                      <a:solidFill>
+                        <a:srgbClr val="000000"/>
+                      </a:solidFill>
+                      <a:prstDash val="solid"/>
+                      <a:round/>
+                      <a:headEnd type="none" w="med" len="med"/>
+                      <a:tailEnd type="none" w="med" len="med"/>
+                    </a:lnR>
+                    <a:lnT w="6350" cap="flat" cmpd="sng" algn="ctr">
+                      <a:solidFill>
+                        <a:srgbClr val="000000"/>
+                      </a:solidFill>
+                      <a:prstDash val="solid"/>
+                      <a:round/>
+                      <a:headEnd type="none" w="med" len="med"/>
+                      <a:tailEnd type="none" w="med" len="med"/>
+                    </a:lnT>
+                    <a:lnB w="6350" cap="flat" cmpd="sng" algn="ctr">
+                      <a:solidFill>
+                        <a:srgbClr val="000000"/>
+                      </a:solidFill>
+                      <a:prstDash val="solid"/>
+                      <a:round/>
+                      <a:headEnd type="none" w="med" len="med"/>
+                      <a:tailEnd type="none" w="med" len="med"/>
+                    </a:lnB>
+                  </a:tcPr>
+                </a:tc>
+                <a:extLst>
+                  <a:ext uri="{0D108BD9-81ED-4DB2-BD59-A6C34878D82A}">
+                    <a16:rowId xmlns:a16="http://schemas.microsoft.com/office/drawing/2014/main" val="3135953561"/>
+                  </a:ext>
+                </a:extLst>
+              </a:tr>
+              <a:tr h="245469">
+                <a:tc>
+                  <a:txBody>
+                    <a:bodyPr/>
+                    <a:lstStyle/>
+                    <a:p>
+                      <a:pPr algn="l" fontAlgn="ctr"/>
+                      <a:r>
+                        <a:rPr lang="en-US" sz="1100" b="0" i="0" u="none" strike="noStrike">
+                          <a:solidFill>
+                            <a:srgbClr val="000000"/>
+                          </a:solidFill>
+                          <a:effectLst/>
+                          <a:latin typeface="Calibri" panose="020F0502020204030204" pitchFamily="34" charset="0"/>
+                        </a:rPr>
+                        <a:t>3rd Qu.</a:t>
+                      </a:r>
+                    </a:p>
+                  </a:txBody>
+                  <a:tcPr marL="9525" marR="9525" marT="9525" marB="0" anchor="ctr">
+                    <a:lnL w="6350" cap="flat" cmpd="sng" algn="ctr">
+                      <a:solidFill>
+                        <a:srgbClr val="000000"/>
+                      </a:solidFill>
+                      <a:prstDash val="solid"/>
+                      <a:round/>
+                      <a:headEnd type="none" w="med" len="med"/>
+                      <a:tailEnd type="none" w="med" len="med"/>
+                    </a:lnL>
+                    <a:lnR w="6350" cap="flat" cmpd="sng" algn="ctr">
+                      <a:solidFill>
+                        <a:srgbClr val="000000"/>
+                      </a:solidFill>
+                      <a:prstDash val="solid"/>
+                      <a:round/>
+                      <a:headEnd type="none" w="med" len="med"/>
+                      <a:tailEnd type="none" w="med" len="med"/>
+                    </a:lnR>
+                    <a:lnT w="6350" cap="flat" cmpd="sng" algn="ctr">
+                      <a:solidFill>
+                        <a:srgbClr val="000000"/>
+                      </a:solidFill>
+                      <a:prstDash val="solid"/>
+                      <a:round/>
+                      <a:headEnd type="none" w="med" len="med"/>
+                      <a:tailEnd type="none" w="med" len="med"/>
+                    </a:lnT>
+                    <a:lnB w="6350" cap="flat" cmpd="sng" algn="ctr">
+                      <a:solidFill>
+                        <a:srgbClr val="000000"/>
+                      </a:solidFill>
+                      <a:prstDash val="solid"/>
+                      <a:round/>
+                      <a:headEnd type="none" w="med" len="med"/>
+                      <a:tailEnd type="none" w="med" len="med"/>
+                    </a:lnB>
+                    <a:solidFill>
+                      <a:srgbClr val="D9D9D9"/>
+                    </a:solidFill>
+                  </a:tcPr>
+                </a:tc>
+                <a:tc>
+                  <a:txBody>
+                    <a:bodyPr/>
+                    <a:lstStyle/>
+                    <a:p>
+                      <a:pPr algn="r" fontAlgn="ctr"/>
+                      <a:r>
+                        <a:rPr lang="en-US" sz="1100" b="0" i="0" u="none" strike="noStrike">
+                          <a:solidFill>
+                            <a:srgbClr val="000000"/>
+                          </a:solidFill>
+                          <a:effectLst/>
+                          <a:latin typeface="Calibri" panose="020F0502020204030204" pitchFamily="34" charset="0"/>
+                        </a:rPr>
+                        <a:t>0.067</a:t>
+                      </a:r>
+                    </a:p>
+                  </a:txBody>
+                  <a:tcPr marL="9525" marR="9525" marT="9525" marB="0" anchor="ctr">
+                    <a:lnL w="6350" cap="flat" cmpd="sng" algn="ctr">
+                      <a:solidFill>
+                        <a:srgbClr val="000000"/>
+                      </a:solidFill>
+                      <a:prstDash val="solid"/>
+                      <a:round/>
+                      <a:headEnd type="none" w="med" len="med"/>
+                      <a:tailEnd type="none" w="med" len="med"/>
+                    </a:lnL>
+                    <a:lnR w="6350" cap="flat" cmpd="sng" algn="ctr">
+                      <a:solidFill>
+                        <a:srgbClr val="000000"/>
+                      </a:solidFill>
+                      <a:prstDash val="solid"/>
+                      <a:round/>
+                      <a:headEnd type="none" w="med" len="med"/>
+                      <a:tailEnd type="none" w="med" len="med"/>
+                    </a:lnR>
+                    <a:lnT w="6350" cap="flat" cmpd="sng" algn="ctr">
+                      <a:solidFill>
+                        <a:srgbClr val="000000"/>
+                      </a:solidFill>
+                      <a:prstDash val="solid"/>
+                      <a:round/>
+                      <a:headEnd type="none" w="med" len="med"/>
+                      <a:tailEnd type="none" w="med" len="med"/>
+                    </a:lnT>
+                    <a:lnB w="6350" cap="flat" cmpd="sng" algn="ctr">
+                      <a:solidFill>
+                        <a:srgbClr val="000000"/>
+                      </a:solidFill>
+                      <a:prstDash val="solid"/>
+                      <a:round/>
+                      <a:headEnd type="none" w="med" len="med"/>
+                      <a:tailEnd type="none" w="med" len="med"/>
+                    </a:lnB>
+                  </a:tcPr>
+                </a:tc>
+                <a:extLst>
+                  <a:ext uri="{0D108BD9-81ED-4DB2-BD59-A6C34878D82A}">
+                    <a16:rowId xmlns:a16="http://schemas.microsoft.com/office/drawing/2014/main" val="2431818799"/>
+                  </a:ext>
+                </a:extLst>
+              </a:tr>
+              <a:tr h="245469">
+                <a:tc>
+                  <a:txBody>
+                    <a:bodyPr/>
+                    <a:lstStyle/>
+                    <a:p>
+                      <a:pPr algn="l" fontAlgn="ctr"/>
+                      <a:r>
+                        <a:rPr lang="en-US" sz="1100" b="0" i="0" u="none" strike="noStrike">
+                          <a:solidFill>
+                            <a:srgbClr val="000000"/>
+                          </a:solidFill>
+                          <a:effectLst/>
+                          <a:latin typeface="Calibri" panose="020F0502020204030204" pitchFamily="34" charset="0"/>
+                        </a:rPr>
+                        <a:t>Max</a:t>
+                      </a:r>
+                    </a:p>
+                  </a:txBody>
+                  <a:tcPr marL="9525" marR="9525" marT="9525" marB="0" anchor="ctr">
+                    <a:lnL w="6350" cap="flat" cmpd="sng" algn="ctr">
+                      <a:solidFill>
+                        <a:srgbClr val="000000"/>
+                      </a:solidFill>
+                      <a:prstDash val="solid"/>
+                      <a:round/>
+                      <a:headEnd type="none" w="med" len="med"/>
+                      <a:tailEnd type="none" w="med" len="med"/>
+                    </a:lnL>
+                    <a:lnR w="6350" cap="flat" cmpd="sng" algn="ctr">
+                      <a:solidFill>
+                        <a:srgbClr val="000000"/>
+                      </a:solidFill>
+                      <a:prstDash val="solid"/>
+                      <a:round/>
+                      <a:headEnd type="none" w="med" len="med"/>
+                      <a:tailEnd type="none" w="med" len="med"/>
+                    </a:lnR>
+                    <a:lnT w="6350" cap="flat" cmpd="sng" algn="ctr">
+                      <a:solidFill>
+                        <a:srgbClr val="000000"/>
+                      </a:solidFill>
+                      <a:prstDash val="solid"/>
+                      <a:round/>
+                      <a:headEnd type="none" w="med" len="med"/>
+                      <a:tailEnd type="none" w="med" len="med"/>
+                    </a:lnT>
+                    <a:lnB w="6350" cap="flat" cmpd="sng" algn="ctr">
+                      <a:solidFill>
+                        <a:srgbClr val="000000"/>
+                      </a:solidFill>
+                      <a:prstDash val="solid"/>
+                      <a:round/>
+                      <a:headEnd type="none" w="med" len="med"/>
+                      <a:tailEnd type="none" w="med" len="med"/>
+                    </a:lnB>
+                    <a:solidFill>
+                      <a:srgbClr val="D9D9D9"/>
+                    </a:solidFill>
+                  </a:tcPr>
+                </a:tc>
+                <a:tc>
+                  <a:txBody>
+                    <a:bodyPr/>
+                    <a:lstStyle/>
+                    <a:p>
+                      <a:pPr algn="r" fontAlgn="ctr"/>
+                      <a:r>
+                        <a:rPr lang="en-US" sz="1100" b="0" i="0" u="none" strike="noStrike" dirty="0">
+                          <a:solidFill>
+                            <a:srgbClr val="000000"/>
+                          </a:solidFill>
+                          <a:effectLst/>
+                          <a:latin typeface="Calibri" panose="020F0502020204030204" pitchFamily="34" charset="0"/>
+                        </a:rPr>
+                        <a:t>0.128</a:t>
+                      </a:r>
+                    </a:p>
+                  </a:txBody>
+                  <a:tcPr marL="9525" marR="9525" marT="9525" marB="0" anchor="ctr">
+                    <a:lnL w="6350" cap="flat" cmpd="sng" algn="ctr">
+                      <a:solidFill>
+                        <a:srgbClr val="000000"/>
+                      </a:solidFill>
+                      <a:prstDash val="solid"/>
+                      <a:round/>
+                      <a:headEnd type="none" w="med" len="med"/>
+                      <a:tailEnd type="none" w="med" len="med"/>
+                    </a:lnL>
+                    <a:lnR w="6350" cap="flat" cmpd="sng" algn="ctr">
+                      <a:solidFill>
+                        <a:srgbClr val="000000"/>
+                      </a:solidFill>
+                      <a:prstDash val="solid"/>
+                      <a:round/>
+                      <a:headEnd type="none" w="med" len="med"/>
+                      <a:tailEnd type="none" w="med" len="med"/>
+                    </a:lnR>
+                    <a:lnT w="6350" cap="flat" cmpd="sng" algn="ctr">
+                      <a:solidFill>
+                        <a:srgbClr val="000000"/>
+                      </a:solidFill>
+                      <a:prstDash val="solid"/>
+                      <a:round/>
+                      <a:headEnd type="none" w="med" len="med"/>
+                      <a:tailEnd type="none" w="med" len="med"/>
+                    </a:lnT>
+                    <a:lnB w="6350" cap="flat" cmpd="sng" algn="ctr">
+                      <a:solidFill>
+                        <a:srgbClr val="000000"/>
+                      </a:solidFill>
+                      <a:prstDash val="solid"/>
+                      <a:round/>
+                      <a:headEnd type="none" w="med" len="med"/>
+                      <a:tailEnd type="none" w="med" len="med"/>
+                    </a:lnB>
+                  </a:tcPr>
+                </a:tc>
+                <a:extLst>
+                  <a:ext uri="{0D108BD9-81ED-4DB2-BD59-A6C34878D82A}">
+                    <a16:rowId xmlns:a16="http://schemas.microsoft.com/office/drawing/2014/main" val="3255117493"/>
+                  </a:ext>
+                </a:extLst>
+              </a:tr>
+            </a:tbl>
+          </a:graphicData>
+        </a:graphic>
+      </p:graphicFrame>
+    </p:spTree>
+    <p:extLst>
+      <p:ext uri="{BB962C8B-B14F-4D97-AF65-F5344CB8AC3E}">
+        <p14:creationId xmlns:p14="http://schemas.microsoft.com/office/powerpoint/2010/main" val="442620717"/>
+      </p:ext>
+    </p:extLst>
+  </p:cSld>
+  <p:clrMapOvr>
+    <a:masterClrMapping/>
+  </p:clrMapOvr>
+</p:sld>
+</file>
+
+<file path=ppt/slides/slide8.xml><?xml version="1.0" encoding="utf-8"?>
+<p:sld xmlns:a="http://schemas.openxmlformats.org/drawingml/2006/main" xmlns:r="http://schemas.openxmlformats.org/officeDocument/2006/relationships" xmlns:p="http://schemas.openxmlformats.org/presentationml/2006/main">
+  <p:cSld>
+    <p:spTree>
+      <p:nvGrpSpPr>
+        <p:cNvPr id="1" name=""/>
+        <p:cNvGrpSpPr/>
+        <p:nvPr/>
+      </p:nvGrpSpPr>
+      <p:grpSpPr>
+        <a:xfrm>
+          <a:off x="0" y="0"/>
+          <a:ext cx="0" cy="0"/>
+          <a:chOff x="0" y="0"/>
+          <a:chExt cx="0" cy="0"/>
+        </a:xfrm>
+      </p:grpSpPr>
+      <p:sp>
+        <p:nvSpPr>
+          <p:cNvPr id="2" name="Title 1">
+            <a:extLst>
+              <a:ext uri="{FF2B5EF4-FFF2-40B4-BE49-F238E27FC236}">
+                <a16:creationId xmlns:a16="http://schemas.microsoft.com/office/drawing/2014/main" id="{C5CB50A2-9C7B-4924-9CAA-3392B4E2484A}"/>
+              </a:ext>
+            </a:extLst>
+          </p:cNvPr>
+          <p:cNvSpPr>
+            <a:spLocks noGrp="1"/>
+          </p:cNvSpPr>
+          <p:nvPr>
+            <p:ph type="title"/>
+          </p:nvPr>
+        </p:nvSpPr>
+        <p:spPr>
+          <a:xfrm>
+            <a:off x="1077362" y="720434"/>
+            <a:ext cx="9950103" cy="612319"/>
+          </a:xfrm>
+        </p:spPr>
+        <p:txBody>
+          <a:bodyPr/>
+          <a:lstStyle/>
+          <a:p>
+            <a:r>
+              <a:rPr lang="en-US" dirty="0"/>
+              <a:t>IBU vs. ABV Relationship</a:t>
+            </a:r>
+          </a:p>
+        </p:txBody>
+      </p:sp>
+      <p:sp>
+        <p:nvSpPr>
+          <p:cNvPr id="11" name="TextBox 10">
+            <a:extLst>
+              <a:ext uri="{FF2B5EF4-FFF2-40B4-BE49-F238E27FC236}">
+                <a16:creationId xmlns:a16="http://schemas.microsoft.com/office/drawing/2014/main" id="{80822605-65D7-47FF-839B-313E026513F6}"/>
+              </a:ext>
+            </a:extLst>
+          </p:cNvPr>
+          <p:cNvSpPr txBox="1"/>
+          <p:nvPr/>
+        </p:nvSpPr>
+        <p:spPr>
+          <a:xfrm>
+            <a:off x="1077362" y="4740188"/>
+            <a:ext cx="3801292" cy="2031325"/>
+          </a:xfrm>
+          <a:prstGeom prst="rect">
+            <a:avLst/>
+          </a:prstGeom>
+          <a:noFill/>
+        </p:spPr>
+        <p:txBody>
+          <a:bodyPr wrap="square" rtlCol="0">
+            <a:spAutoFit/>
+          </a:bodyPr>
+          <a:lstStyle/>
+          <a:p>
+            <a:r>
+              <a:rPr lang="en-US" dirty="0"/>
+              <a:t>IBU and ABV have a very positive correlation that weakens at the lower and upper limits of IBU. </a:t>
+            </a:r>
+          </a:p>
+          <a:p>
+            <a:endParaRPr lang="en-US" dirty="0"/>
+          </a:p>
+          <a:p>
+            <a:r>
+              <a:rPr lang="en-US" dirty="0"/>
+              <a:t>Excluding Bock due to lack of data, the relationship is maintained throughout the various styles.</a:t>
+            </a:r>
+          </a:p>
+        </p:txBody>
+      </p:sp>
+      <p:pic>
+        <p:nvPicPr>
+          <p:cNvPr id="4" name="Picture 3">
+            <a:extLst>
+              <a:ext uri="{FF2B5EF4-FFF2-40B4-BE49-F238E27FC236}">
+                <a16:creationId xmlns:a16="http://schemas.microsoft.com/office/drawing/2014/main" id="{D1AF373A-E02B-4B48-B13D-828A2132CEA3}"/>
+              </a:ext>
+            </a:extLst>
+          </p:cNvPr>
+          <p:cNvPicPr>
+            <a:picLocks noChangeAspect="1"/>
+          </p:cNvPicPr>
+          <p:nvPr/>
+        </p:nvPicPr>
+        <p:blipFill rotWithShape="1">
+          <a:blip r:embed="rId2"/>
+          <a:srcRect l="-1" r="576"/>
+          <a:stretch/>
+        </p:blipFill>
+        <p:spPr>
+          <a:xfrm>
+            <a:off x="1077363" y="1332753"/>
+            <a:ext cx="4245751" cy="3392406"/>
+          </a:xfrm>
+          <a:prstGeom prst="rect">
+            <a:avLst/>
+          </a:prstGeom>
+        </p:spPr>
+      </p:pic>
+      <p:pic>
+        <p:nvPicPr>
+          <p:cNvPr id="6" name="Picture 5">
+            <a:extLst>
+              <a:ext uri="{FF2B5EF4-FFF2-40B4-BE49-F238E27FC236}">
+                <a16:creationId xmlns:a16="http://schemas.microsoft.com/office/drawing/2014/main" id="{1E392704-6EE9-48B7-9C6F-43DDD838FB98}"/>
+              </a:ext>
+            </a:extLst>
+          </p:cNvPr>
+          <p:cNvPicPr>
+            <a:picLocks noChangeAspect="1"/>
+          </p:cNvPicPr>
+          <p:nvPr/>
+        </p:nvPicPr>
+        <p:blipFill>
+          <a:blip r:embed="rId3"/>
+          <a:stretch>
+            <a:fillRect/>
+          </a:stretch>
+        </p:blipFill>
+        <p:spPr>
+          <a:xfrm>
+            <a:off x="5172891" y="1332753"/>
+            <a:ext cx="5842005" cy="4663098"/>
           </a:xfrm>
           <a:prstGeom prst="rect">
             <a:avLst/>
@@ -8495,7 +11894,7 @@
     </p:spTree>
     <p:extLst>
       <p:ext uri="{BB962C8B-B14F-4D97-AF65-F5344CB8AC3E}">
-        <p14:creationId xmlns:p14="http://schemas.microsoft.com/office/powerpoint/2010/main" val="442620717"/>
+        <p14:creationId xmlns:p14="http://schemas.microsoft.com/office/powerpoint/2010/main" val="2178746636"/>
       </p:ext>
     </p:extLst>
   </p:cSld>
@@ -8522,36 +11921,6 @@
           <a:chExt cx="0" cy="0"/>
         </a:xfrm>
       </p:grpSpPr>
-      <p:pic>
-        <p:nvPicPr>
-          <p:cNvPr id="8" name="Picture 7">
-            <a:extLst>
-              <a:ext uri="{FF2B5EF4-FFF2-40B4-BE49-F238E27FC236}">
-                <a16:creationId xmlns:a16="http://schemas.microsoft.com/office/drawing/2014/main" id="{365167E6-399F-4F96-9EDD-3D630FC1C7A7}"/>
-              </a:ext>
-            </a:extLst>
-          </p:cNvPr>
-          <p:cNvPicPr>
-            <a:picLocks noChangeAspect="1"/>
-          </p:cNvPicPr>
-          <p:nvPr/>
-        </p:nvPicPr>
-        <p:blipFill>
-          <a:blip r:embed="rId2"/>
-          <a:stretch>
-            <a:fillRect/>
-          </a:stretch>
-        </p:blipFill>
-        <p:spPr>
-          <a:xfrm>
-            <a:off x="5347702" y="1518544"/>
-            <a:ext cx="5494469" cy="4584312"/>
-          </a:xfrm>
-          <a:prstGeom prst="rect">
-            <a:avLst/>
-          </a:prstGeom>
-        </p:spPr>
-      </p:pic>
       <p:sp>
         <p:nvSpPr>
           <p:cNvPr id="2" name="Title 1">
@@ -8575,46 +11944,18 @@
           </a:xfrm>
         </p:spPr>
         <p:txBody>
-          <a:bodyPr/>
+          <a:bodyPr>
+            <a:normAutofit/>
+          </a:bodyPr>
           <a:lstStyle/>
           <a:p>
             <a:r>
               <a:rPr lang="en-US" dirty="0"/>
-              <a:t>IBU vs. ABV Relationship</a:t>
+              <a:t>IBU vs. ABV Relationship (Ales &amp; IPAs)</a:t>
             </a:r>
           </a:p>
         </p:txBody>
       </p:sp>
-      <p:pic>
-        <p:nvPicPr>
-          <p:cNvPr id="10" name="Picture 9">
-            <a:extLst>
-              <a:ext uri="{FF2B5EF4-FFF2-40B4-BE49-F238E27FC236}">
-                <a16:creationId xmlns:a16="http://schemas.microsoft.com/office/drawing/2014/main" id="{2CD47DF6-947F-4AC1-AAD4-7DA47EB3F05A}"/>
-              </a:ext>
-            </a:extLst>
-          </p:cNvPr>
-          <p:cNvPicPr>
-            <a:picLocks noChangeAspect="1"/>
-          </p:cNvPicPr>
-          <p:nvPr/>
-        </p:nvPicPr>
-        <p:blipFill>
-          <a:blip r:embed="rId3"/>
-          <a:stretch>
-            <a:fillRect/>
-          </a:stretch>
-        </p:blipFill>
-        <p:spPr>
-          <a:xfrm>
-            <a:off x="1077362" y="1518543"/>
-            <a:ext cx="3853867" cy="3221645"/>
-          </a:xfrm>
-          <a:prstGeom prst="rect">
-            <a:avLst/>
-          </a:prstGeom>
-        </p:spPr>
-      </p:pic>
       <p:sp>
         <p:nvSpPr>
           <p:cNvPr id="11" name="TextBox 10">
@@ -8629,8 +11970,8 @@
         </p:nvSpPr>
         <p:spPr>
           <a:xfrm>
-            <a:off x="1077362" y="4740188"/>
-            <a:ext cx="3801292" cy="2031325"/>
+            <a:off x="1077362" y="1698164"/>
+            <a:ext cx="3801292" cy="4247317"/>
           </a:xfrm>
           <a:prstGeom prst="rect">
             <a:avLst/>
@@ -8645,24 +11986,105 @@
           <a:p>
             <a:r>
               <a:rPr lang="en-US" dirty="0"/>
-              <a:t>IBU and ABV have a very positive correlation that weakens at the lower and upper limits of IBU. </a:t>
+              <a:t>The same linear relationship is present.</a:t>
             </a:r>
-          </a:p>
-          <a:p>
-            <a:endParaRPr lang="en-US" dirty="0"/>
-          </a:p>
-          <a:p>
+            <a:br>
+              <a:rPr lang="en-US" dirty="0"/>
+            </a:br>
+            <a:br>
+              <a:rPr lang="en-US" dirty="0"/>
+            </a:br>
             <a:r>
               <a:rPr lang="en-US" dirty="0"/>
-              <a:t>Excluding Bock due to lack of data, the relationship is maintained throughout the various styles.</a:t>
+              <a:t>However, we see Ales appear to be mostly on the low end…</a:t>
+            </a:r>
+            <a:br>
+              <a:rPr lang="en-US" dirty="0"/>
+            </a:br>
+            <a:r>
+              <a:rPr lang="en-US" dirty="0"/>
+              <a:t>while IPAs appear on the high end.</a:t>
+            </a:r>
+            <a:br>
+              <a:rPr lang="en-US" dirty="0"/>
+            </a:br>
+            <a:br>
+              <a:rPr lang="en-US" dirty="0"/>
+            </a:br>
+            <a:r>
+              <a:rPr lang="en-US" dirty="0"/>
+              <a:t>Using the KNN model to predict style, we were able to achieve an</a:t>
+            </a:r>
+            <a:br>
+              <a:rPr lang="en-US" dirty="0"/>
+            </a:br>
+            <a:br>
+              <a:rPr lang="en-US" dirty="0"/>
+            </a:br>
+            <a:r>
+              <a:rPr lang="en-US" dirty="0"/>
+              <a:t>	Accuracy: 	87%</a:t>
+            </a:r>
+            <a:br>
+              <a:rPr lang="en-US" dirty="0"/>
+            </a:br>
+            <a:r>
+              <a:rPr lang="en-US" dirty="0"/>
+              <a:t>	Sensitivity: 	90%</a:t>
+            </a:r>
+            <a:br>
+              <a:rPr lang="en-US" dirty="0"/>
+            </a:br>
+            <a:r>
+              <a:rPr lang="en-US" dirty="0"/>
+              <a:t>	Specificity: 	81%</a:t>
+            </a:r>
+          </a:p>
+          <a:p>
+            <a:endParaRPr lang="en-US" dirty="0"/>
+          </a:p>
+          <a:p>
+            <a:r>
+              <a:rPr lang="en-US" dirty="0"/>
+              <a:t>KNN-7</a:t>
             </a:r>
           </a:p>
         </p:txBody>
       </p:sp>
+      <p:pic>
+        <p:nvPicPr>
+          <p:cNvPr id="8" name="Picture 7">
+            <a:extLst>
+              <a:ext uri="{FF2B5EF4-FFF2-40B4-BE49-F238E27FC236}">
+                <a16:creationId xmlns:a16="http://schemas.microsoft.com/office/drawing/2014/main" id="{26E0E794-DFCE-445F-A4E6-43BD4F955EA7}"/>
+              </a:ext>
+            </a:extLst>
+          </p:cNvPr>
+          <p:cNvPicPr>
+            <a:picLocks noChangeAspect="1"/>
+          </p:cNvPicPr>
+          <p:nvPr/>
+        </p:nvPicPr>
+        <p:blipFill>
+          <a:blip r:embed="rId2"/>
+          <a:stretch>
+            <a:fillRect/>
+          </a:stretch>
+        </p:blipFill>
+        <p:spPr>
+          <a:xfrm>
+            <a:off x="5158579" y="1469913"/>
+            <a:ext cx="5729517" cy="4545874"/>
+          </a:xfrm>
+          <a:prstGeom prst="rect">
+            <a:avLst/>
+          </a:prstGeom>
+        </p:spPr>
+      </p:pic>
     </p:spTree>
     <p:extLst>
       <p:ext uri="{BB962C8B-B14F-4D97-AF65-F5344CB8AC3E}">
-        <p14:creationId xmlns:p14="http://schemas.microsoft.com/office/powerpoint/2010/main" val="2178746636"/>
+        <p14:creationId xmlns:p14="http://schemas.microsoft.com/office/powerpoint/2010/main" val="2826689457"/>
       </p:ext>
     </p:extLst>
   </p:cSld>
